--- a/MSBI.Lecture.15/MSBI.Dev.S19E15.pptx
+++ b/MSBI.Lecture.15/MSBI.Dev.S19E15.pptx
@@ -5,10 +5,10 @@
     <p:sldMasterId id="2147483730" r:id="rId4"/>
   </p:sldMasterIdLst>
   <p:notesMasterIdLst>
-    <p:notesMasterId r:id="rId36"/>
+    <p:notesMasterId r:id="rId23"/>
   </p:notesMasterIdLst>
   <p:handoutMasterIdLst>
-    <p:handoutMasterId r:id="rId37"/>
+    <p:handoutMasterId r:id="rId24"/>
   </p:handoutMasterIdLst>
   <p:sldIdLst>
     <p:sldId id="258" r:id="rId5"/>
@@ -26,22 +26,9 @@
     <p:sldId id="770" r:id="rId17"/>
     <p:sldId id="771" r:id="rId18"/>
     <p:sldId id="772" r:id="rId19"/>
-    <p:sldId id="773" r:id="rId20"/>
-    <p:sldId id="774" r:id="rId21"/>
-    <p:sldId id="775" r:id="rId22"/>
-    <p:sldId id="776" r:id="rId23"/>
-    <p:sldId id="777" r:id="rId24"/>
-    <p:sldId id="754" r:id="rId25"/>
-    <p:sldId id="756" r:id="rId26"/>
-    <p:sldId id="757" r:id="rId27"/>
-    <p:sldId id="758" r:id="rId28"/>
-    <p:sldId id="759" r:id="rId29"/>
-    <p:sldId id="760" r:id="rId30"/>
-    <p:sldId id="761" r:id="rId31"/>
-    <p:sldId id="762" r:id="rId32"/>
-    <p:sldId id="779" r:id="rId33"/>
-    <p:sldId id="755" r:id="rId34"/>
-    <p:sldId id="763" r:id="rId35"/>
+    <p:sldId id="779" r:id="rId20"/>
+    <p:sldId id="755" r:id="rId21"/>
+    <p:sldId id="763" r:id="rId22"/>
   </p:sldIdLst>
   <p:sldSz cx="9144000" cy="5143500" type="screen16x9"/>
   <p:notesSz cx="6858000" cy="9144000"/>
@@ -411,7 +398,7 @@
           <a:p>
             <a:fld id="{7F5E9BF7-95E4-A242-BA1D-05FDCF603BE6}" type="datetime1">
               <a:rPr lang="en-US" smtClean="0"/>
-              <a:t>3/21/2019</a:t>
+              <a:t>3/25/2019</a:t>
             </a:fld>
             <a:endParaRPr lang="en-US"/>
           </a:p>
@@ -577,7 +564,7 @@
           <a:p>
             <a:fld id="{165DBCB1-0306-AD41-9452-11E7C08D5C04}" type="datetime1">
               <a:rPr lang="en-US" smtClean="0"/>
-              <a:t>3/21/2019</a:t>
+              <a:t>3/25/2019</a:t>
             </a:fld>
             <a:endParaRPr lang="en-US"/>
           </a:p>
@@ -1546,7 +1533,7 @@
     </p:spTree>
     <p:extLst>
       <p:ext uri="{BB962C8B-B14F-4D97-AF65-F5344CB8AC3E}">
-        <p14:creationId xmlns:p14="http://schemas.microsoft.com/office/powerpoint/2010/main" val="2247530282"/>
+        <p14:creationId xmlns:p14="http://schemas.microsoft.com/office/powerpoint/2010/main" val="2739071958"/>
       </p:ext>
     </p:extLst>
   </p:cSld>
@@ -1635,7 +1622,7 @@
     </p:spTree>
     <p:extLst>
       <p:ext uri="{BB962C8B-B14F-4D97-AF65-F5344CB8AC3E}">
-        <p14:creationId xmlns:p14="http://schemas.microsoft.com/office/powerpoint/2010/main" val="2989946953"/>
+        <p14:creationId xmlns:p14="http://schemas.microsoft.com/office/powerpoint/2010/main" val="1338594702"/>
       </p:ext>
     </p:extLst>
   </p:cSld>
@@ -1724,96 +1711,7 @@
     </p:spTree>
     <p:extLst>
       <p:ext uri="{BB962C8B-B14F-4D97-AF65-F5344CB8AC3E}">
-        <p14:creationId xmlns:p14="http://schemas.microsoft.com/office/powerpoint/2010/main" val="503585019"/>
-      </p:ext>
-    </p:extLst>
-  </p:cSld>
-  <p:clrMapOvr>
-    <a:masterClrMapping/>
-  </p:clrMapOvr>
-</p:notes>
-</file>
-
-<file path=ppt/notesSlides/notesSlide19.xml><?xml version="1.0" encoding="utf-8"?>
-<p:notes xmlns:a="http://schemas.openxmlformats.org/drawingml/2006/main" xmlns:r="http://schemas.openxmlformats.org/officeDocument/2006/relationships" xmlns:p="http://schemas.openxmlformats.org/presentationml/2006/main">
-  <p:cSld>
-    <p:spTree>
-      <p:nvGrpSpPr>
-        <p:cNvPr id="1" name=""/>
-        <p:cNvGrpSpPr/>
-        <p:nvPr/>
-      </p:nvGrpSpPr>
-      <p:grpSpPr>
-        <a:xfrm>
-          <a:off x="0" y="0"/>
-          <a:ext cx="0" cy="0"/>
-          <a:chOff x="0" y="0"/>
-          <a:chExt cx="0" cy="0"/>
-        </a:xfrm>
-      </p:grpSpPr>
-      <p:sp>
-        <p:nvSpPr>
-          <p:cNvPr id="2" name="Slide Image Placeholder 1"/>
-          <p:cNvSpPr>
-            <a:spLocks noGrp="1" noRot="1" noChangeAspect="1"/>
-          </p:cNvSpPr>
-          <p:nvPr>
-            <p:ph type="sldImg"/>
-          </p:nvPr>
-        </p:nvSpPr>
-        <p:spPr>
-          <a:xfrm>
-            <a:off x="381000" y="685800"/>
-            <a:ext cx="6096000" cy="3429000"/>
-          </a:xfrm>
-        </p:spPr>
-      </p:sp>
-      <p:sp>
-        <p:nvSpPr>
-          <p:cNvPr id="3" name="Notes Placeholder 2"/>
-          <p:cNvSpPr>
-            <a:spLocks noGrp="1"/>
-          </p:cNvSpPr>
-          <p:nvPr>
-            <p:ph type="body" idx="1"/>
-          </p:nvPr>
-        </p:nvSpPr>
-        <p:spPr/>
-        <p:txBody>
-          <a:bodyPr/>
-          <a:lstStyle/>
-          <a:p>
-            <a:endParaRPr lang="en-US" dirty="0"/>
-          </a:p>
-        </p:txBody>
-      </p:sp>
-      <p:sp>
-        <p:nvSpPr>
-          <p:cNvPr id="4" name="Slide Number Placeholder 3"/>
-          <p:cNvSpPr>
-            <a:spLocks noGrp="1"/>
-          </p:cNvSpPr>
-          <p:nvPr>
-            <p:ph type="sldNum" sz="quarter" idx="10"/>
-          </p:nvPr>
-        </p:nvSpPr>
-        <p:spPr/>
-        <p:txBody>
-          <a:bodyPr/>
-          <a:lstStyle/>
-          <a:p>
-            <a:fld id="{7AE90029-A909-AD4E-9775-A0D64990AD22}" type="slidenum">
-              <a:rPr lang="en-US" smtClean="0"/>
-              <a:t>19</a:t>
-            </a:fld>
-            <a:endParaRPr lang="en-US"/>
-          </a:p>
-        </p:txBody>
-      </p:sp>
-    </p:spTree>
-    <p:extLst>
-      <p:ext uri="{BB962C8B-B14F-4D97-AF65-F5344CB8AC3E}">
-        <p14:creationId xmlns:p14="http://schemas.microsoft.com/office/powerpoint/2010/main" val="1527500761"/>
+        <p14:creationId xmlns:p14="http://schemas.microsoft.com/office/powerpoint/2010/main" val="4198565437"/>
       </p:ext>
     </p:extLst>
   </p:cSld>
@@ -1914,896 +1812,6 @@
 </p:notes>
 </file>
 
-<file path=ppt/notesSlides/notesSlide20.xml><?xml version="1.0" encoding="utf-8"?>
-<p:notes xmlns:a="http://schemas.openxmlformats.org/drawingml/2006/main" xmlns:r="http://schemas.openxmlformats.org/officeDocument/2006/relationships" xmlns:p="http://schemas.openxmlformats.org/presentationml/2006/main">
-  <p:cSld>
-    <p:spTree>
-      <p:nvGrpSpPr>
-        <p:cNvPr id="1" name=""/>
-        <p:cNvGrpSpPr/>
-        <p:nvPr/>
-      </p:nvGrpSpPr>
-      <p:grpSpPr>
-        <a:xfrm>
-          <a:off x="0" y="0"/>
-          <a:ext cx="0" cy="0"/>
-          <a:chOff x="0" y="0"/>
-          <a:chExt cx="0" cy="0"/>
-        </a:xfrm>
-      </p:grpSpPr>
-      <p:sp>
-        <p:nvSpPr>
-          <p:cNvPr id="2" name="Slide Image Placeholder 1"/>
-          <p:cNvSpPr>
-            <a:spLocks noGrp="1" noRot="1" noChangeAspect="1"/>
-          </p:cNvSpPr>
-          <p:nvPr>
-            <p:ph type="sldImg"/>
-          </p:nvPr>
-        </p:nvSpPr>
-        <p:spPr>
-          <a:xfrm>
-            <a:off x="381000" y="685800"/>
-            <a:ext cx="6096000" cy="3429000"/>
-          </a:xfrm>
-        </p:spPr>
-      </p:sp>
-      <p:sp>
-        <p:nvSpPr>
-          <p:cNvPr id="3" name="Notes Placeholder 2"/>
-          <p:cNvSpPr>
-            <a:spLocks noGrp="1"/>
-          </p:cNvSpPr>
-          <p:nvPr>
-            <p:ph type="body" idx="1"/>
-          </p:nvPr>
-        </p:nvSpPr>
-        <p:spPr/>
-        <p:txBody>
-          <a:bodyPr/>
-          <a:lstStyle/>
-          <a:p>
-            <a:endParaRPr lang="en-US" dirty="0"/>
-          </a:p>
-        </p:txBody>
-      </p:sp>
-      <p:sp>
-        <p:nvSpPr>
-          <p:cNvPr id="4" name="Slide Number Placeholder 3"/>
-          <p:cNvSpPr>
-            <a:spLocks noGrp="1"/>
-          </p:cNvSpPr>
-          <p:nvPr>
-            <p:ph type="sldNum" sz="quarter" idx="10"/>
-          </p:nvPr>
-        </p:nvSpPr>
-        <p:spPr/>
-        <p:txBody>
-          <a:bodyPr/>
-          <a:lstStyle/>
-          <a:p>
-            <a:fld id="{7AE90029-A909-AD4E-9775-A0D64990AD22}" type="slidenum">
-              <a:rPr lang="en-US" smtClean="0"/>
-              <a:t>20</a:t>
-            </a:fld>
-            <a:endParaRPr lang="en-US"/>
-          </a:p>
-        </p:txBody>
-      </p:sp>
-    </p:spTree>
-    <p:extLst>
-      <p:ext uri="{BB962C8B-B14F-4D97-AF65-F5344CB8AC3E}">
-        <p14:creationId xmlns:p14="http://schemas.microsoft.com/office/powerpoint/2010/main" val="762945648"/>
-      </p:ext>
-    </p:extLst>
-  </p:cSld>
-  <p:clrMapOvr>
-    <a:masterClrMapping/>
-  </p:clrMapOvr>
-</p:notes>
-</file>
-
-<file path=ppt/notesSlides/notesSlide21.xml><?xml version="1.0" encoding="utf-8"?>
-<p:notes xmlns:a="http://schemas.openxmlformats.org/drawingml/2006/main" xmlns:r="http://schemas.openxmlformats.org/officeDocument/2006/relationships" xmlns:p="http://schemas.openxmlformats.org/presentationml/2006/main">
-  <p:cSld>
-    <p:spTree>
-      <p:nvGrpSpPr>
-        <p:cNvPr id="1" name=""/>
-        <p:cNvGrpSpPr/>
-        <p:nvPr/>
-      </p:nvGrpSpPr>
-      <p:grpSpPr>
-        <a:xfrm>
-          <a:off x="0" y="0"/>
-          <a:ext cx="0" cy="0"/>
-          <a:chOff x="0" y="0"/>
-          <a:chExt cx="0" cy="0"/>
-        </a:xfrm>
-      </p:grpSpPr>
-      <p:sp>
-        <p:nvSpPr>
-          <p:cNvPr id="2" name="Slide Image Placeholder 1"/>
-          <p:cNvSpPr>
-            <a:spLocks noGrp="1" noRot="1" noChangeAspect="1"/>
-          </p:cNvSpPr>
-          <p:nvPr>
-            <p:ph type="sldImg"/>
-          </p:nvPr>
-        </p:nvSpPr>
-        <p:spPr>
-          <a:xfrm>
-            <a:off x="381000" y="685800"/>
-            <a:ext cx="6096000" cy="3429000"/>
-          </a:xfrm>
-        </p:spPr>
-      </p:sp>
-      <p:sp>
-        <p:nvSpPr>
-          <p:cNvPr id="3" name="Notes Placeholder 2"/>
-          <p:cNvSpPr>
-            <a:spLocks noGrp="1"/>
-          </p:cNvSpPr>
-          <p:nvPr>
-            <p:ph type="body" idx="1"/>
-          </p:nvPr>
-        </p:nvSpPr>
-        <p:spPr/>
-        <p:txBody>
-          <a:bodyPr/>
-          <a:lstStyle/>
-          <a:p>
-            <a:endParaRPr lang="en-US" dirty="0"/>
-          </a:p>
-        </p:txBody>
-      </p:sp>
-      <p:sp>
-        <p:nvSpPr>
-          <p:cNvPr id="4" name="Slide Number Placeholder 3"/>
-          <p:cNvSpPr>
-            <a:spLocks noGrp="1"/>
-          </p:cNvSpPr>
-          <p:nvPr>
-            <p:ph type="sldNum" sz="quarter" idx="10"/>
-          </p:nvPr>
-        </p:nvSpPr>
-        <p:spPr/>
-        <p:txBody>
-          <a:bodyPr/>
-          <a:lstStyle/>
-          <a:p>
-            <a:fld id="{7AE90029-A909-AD4E-9775-A0D64990AD22}" type="slidenum">
-              <a:rPr lang="en-US" smtClean="0"/>
-              <a:t>21</a:t>
-            </a:fld>
-            <a:endParaRPr lang="en-US"/>
-          </a:p>
-        </p:txBody>
-      </p:sp>
-    </p:spTree>
-    <p:extLst>
-      <p:ext uri="{BB962C8B-B14F-4D97-AF65-F5344CB8AC3E}">
-        <p14:creationId xmlns:p14="http://schemas.microsoft.com/office/powerpoint/2010/main" val="1148210853"/>
-      </p:ext>
-    </p:extLst>
-  </p:cSld>
-  <p:clrMapOvr>
-    <a:masterClrMapping/>
-  </p:clrMapOvr>
-</p:notes>
-</file>
-
-<file path=ppt/notesSlides/notesSlide22.xml><?xml version="1.0" encoding="utf-8"?>
-<p:notes xmlns:a="http://schemas.openxmlformats.org/drawingml/2006/main" xmlns:r="http://schemas.openxmlformats.org/officeDocument/2006/relationships" xmlns:p="http://schemas.openxmlformats.org/presentationml/2006/main">
-  <p:cSld>
-    <p:spTree>
-      <p:nvGrpSpPr>
-        <p:cNvPr id="1" name=""/>
-        <p:cNvGrpSpPr/>
-        <p:nvPr/>
-      </p:nvGrpSpPr>
-      <p:grpSpPr>
-        <a:xfrm>
-          <a:off x="0" y="0"/>
-          <a:ext cx="0" cy="0"/>
-          <a:chOff x="0" y="0"/>
-          <a:chExt cx="0" cy="0"/>
-        </a:xfrm>
-      </p:grpSpPr>
-      <p:sp>
-        <p:nvSpPr>
-          <p:cNvPr id="2" name="Slide Image Placeholder 1"/>
-          <p:cNvSpPr>
-            <a:spLocks noGrp="1" noRot="1" noChangeAspect="1"/>
-          </p:cNvSpPr>
-          <p:nvPr>
-            <p:ph type="sldImg"/>
-          </p:nvPr>
-        </p:nvSpPr>
-        <p:spPr>
-          <a:xfrm>
-            <a:off x="381000" y="685800"/>
-            <a:ext cx="6096000" cy="3429000"/>
-          </a:xfrm>
-        </p:spPr>
-      </p:sp>
-      <p:sp>
-        <p:nvSpPr>
-          <p:cNvPr id="3" name="Notes Placeholder 2"/>
-          <p:cNvSpPr>
-            <a:spLocks noGrp="1"/>
-          </p:cNvSpPr>
-          <p:nvPr>
-            <p:ph type="body" idx="1"/>
-          </p:nvPr>
-        </p:nvSpPr>
-        <p:spPr/>
-        <p:txBody>
-          <a:bodyPr/>
-          <a:lstStyle/>
-          <a:p>
-            <a:endParaRPr lang="en-US" dirty="0"/>
-          </a:p>
-        </p:txBody>
-      </p:sp>
-      <p:sp>
-        <p:nvSpPr>
-          <p:cNvPr id="4" name="Slide Number Placeholder 3"/>
-          <p:cNvSpPr>
-            <a:spLocks noGrp="1"/>
-          </p:cNvSpPr>
-          <p:nvPr>
-            <p:ph type="sldNum" sz="quarter" idx="10"/>
-          </p:nvPr>
-        </p:nvSpPr>
-        <p:spPr/>
-        <p:txBody>
-          <a:bodyPr/>
-          <a:lstStyle/>
-          <a:p>
-            <a:fld id="{7AE90029-A909-AD4E-9775-A0D64990AD22}" type="slidenum">
-              <a:rPr lang="en-US" smtClean="0"/>
-              <a:t>22</a:t>
-            </a:fld>
-            <a:endParaRPr lang="en-US"/>
-          </a:p>
-        </p:txBody>
-      </p:sp>
-    </p:spTree>
-    <p:extLst>
-      <p:ext uri="{BB962C8B-B14F-4D97-AF65-F5344CB8AC3E}">
-        <p14:creationId xmlns:p14="http://schemas.microsoft.com/office/powerpoint/2010/main" val="1295585337"/>
-      </p:ext>
-    </p:extLst>
-  </p:cSld>
-  <p:clrMapOvr>
-    <a:masterClrMapping/>
-  </p:clrMapOvr>
-</p:notes>
-</file>
-
-<file path=ppt/notesSlides/notesSlide23.xml><?xml version="1.0" encoding="utf-8"?>
-<p:notes xmlns:a="http://schemas.openxmlformats.org/drawingml/2006/main" xmlns:r="http://schemas.openxmlformats.org/officeDocument/2006/relationships" xmlns:p="http://schemas.openxmlformats.org/presentationml/2006/main">
-  <p:cSld>
-    <p:spTree>
-      <p:nvGrpSpPr>
-        <p:cNvPr id="1" name=""/>
-        <p:cNvGrpSpPr/>
-        <p:nvPr/>
-      </p:nvGrpSpPr>
-      <p:grpSpPr>
-        <a:xfrm>
-          <a:off x="0" y="0"/>
-          <a:ext cx="0" cy="0"/>
-          <a:chOff x="0" y="0"/>
-          <a:chExt cx="0" cy="0"/>
-        </a:xfrm>
-      </p:grpSpPr>
-      <p:sp>
-        <p:nvSpPr>
-          <p:cNvPr id="2" name="Slide Image Placeholder 1"/>
-          <p:cNvSpPr>
-            <a:spLocks noGrp="1" noRot="1" noChangeAspect="1"/>
-          </p:cNvSpPr>
-          <p:nvPr>
-            <p:ph type="sldImg"/>
-          </p:nvPr>
-        </p:nvSpPr>
-        <p:spPr>
-          <a:xfrm>
-            <a:off x="381000" y="685800"/>
-            <a:ext cx="6096000" cy="3429000"/>
-          </a:xfrm>
-        </p:spPr>
-      </p:sp>
-      <p:sp>
-        <p:nvSpPr>
-          <p:cNvPr id="3" name="Notes Placeholder 2"/>
-          <p:cNvSpPr>
-            <a:spLocks noGrp="1"/>
-          </p:cNvSpPr>
-          <p:nvPr>
-            <p:ph type="body" idx="1"/>
-          </p:nvPr>
-        </p:nvSpPr>
-        <p:spPr/>
-        <p:txBody>
-          <a:bodyPr/>
-          <a:lstStyle/>
-          <a:p>
-            <a:endParaRPr lang="en-US" dirty="0"/>
-          </a:p>
-        </p:txBody>
-      </p:sp>
-      <p:sp>
-        <p:nvSpPr>
-          <p:cNvPr id="4" name="Slide Number Placeholder 3"/>
-          <p:cNvSpPr>
-            <a:spLocks noGrp="1"/>
-          </p:cNvSpPr>
-          <p:nvPr>
-            <p:ph type="sldNum" sz="quarter" idx="10"/>
-          </p:nvPr>
-        </p:nvSpPr>
-        <p:spPr/>
-        <p:txBody>
-          <a:bodyPr/>
-          <a:lstStyle/>
-          <a:p>
-            <a:fld id="{7AE90029-A909-AD4E-9775-A0D64990AD22}" type="slidenum">
-              <a:rPr lang="en-US" smtClean="0"/>
-              <a:t>23</a:t>
-            </a:fld>
-            <a:endParaRPr lang="en-US"/>
-          </a:p>
-        </p:txBody>
-      </p:sp>
-    </p:spTree>
-    <p:extLst>
-      <p:ext uri="{BB962C8B-B14F-4D97-AF65-F5344CB8AC3E}">
-        <p14:creationId xmlns:p14="http://schemas.microsoft.com/office/powerpoint/2010/main" val="67498556"/>
-      </p:ext>
-    </p:extLst>
-  </p:cSld>
-  <p:clrMapOvr>
-    <a:masterClrMapping/>
-  </p:clrMapOvr>
-</p:notes>
-</file>
-
-<file path=ppt/notesSlides/notesSlide24.xml><?xml version="1.0" encoding="utf-8"?>
-<p:notes xmlns:a="http://schemas.openxmlformats.org/drawingml/2006/main" xmlns:r="http://schemas.openxmlformats.org/officeDocument/2006/relationships" xmlns:p="http://schemas.openxmlformats.org/presentationml/2006/main">
-  <p:cSld>
-    <p:spTree>
-      <p:nvGrpSpPr>
-        <p:cNvPr id="1" name=""/>
-        <p:cNvGrpSpPr/>
-        <p:nvPr/>
-      </p:nvGrpSpPr>
-      <p:grpSpPr>
-        <a:xfrm>
-          <a:off x="0" y="0"/>
-          <a:ext cx="0" cy="0"/>
-          <a:chOff x="0" y="0"/>
-          <a:chExt cx="0" cy="0"/>
-        </a:xfrm>
-      </p:grpSpPr>
-      <p:sp>
-        <p:nvSpPr>
-          <p:cNvPr id="2" name="Slide Image Placeholder 1"/>
-          <p:cNvSpPr>
-            <a:spLocks noGrp="1" noRot="1" noChangeAspect="1"/>
-          </p:cNvSpPr>
-          <p:nvPr>
-            <p:ph type="sldImg"/>
-          </p:nvPr>
-        </p:nvSpPr>
-        <p:spPr>
-          <a:xfrm>
-            <a:off x="381000" y="685800"/>
-            <a:ext cx="6096000" cy="3429000"/>
-          </a:xfrm>
-        </p:spPr>
-      </p:sp>
-      <p:sp>
-        <p:nvSpPr>
-          <p:cNvPr id="3" name="Notes Placeholder 2"/>
-          <p:cNvSpPr>
-            <a:spLocks noGrp="1"/>
-          </p:cNvSpPr>
-          <p:nvPr>
-            <p:ph type="body" idx="1"/>
-          </p:nvPr>
-        </p:nvSpPr>
-        <p:spPr/>
-        <p:txBody>
-          <a:bodyPr/>
-          <a:lstStyle/>
-          <a:p>
-            <a:endParaRPr lang="en-US" dirty="0"/>
-          </a:p>
-        </p:txBody>
-      </p:sp>
-      <p:sp>
-        <p:nvSpPr>
-          <p:cNvPr id="4" name="Slide Number Placeholder 3"/>
-          <p:cNvSpPr>
-            <a:spLocks noGrp="1"/>
-          </p:cNvSpPr>
-          <p:nvPr>
-            <p:ph type="sldNum" sz="quarter" idx="10"/>
-          </p:nvPr>
-        </p:nvSpPr>
-        <p:spPr/>
-        <p:txBody>
-          <a:bodyPr/>
-          <a:lstStyle/>
-          <a:p>
-            <a:fld id="{7AE90029-A909-AD4E-9775-A0D64990AD22}" type="slidenum">
-              <a:rPr lang="en-US" smtClean="0"/>
-              <a:t>24</a:t>
-            </a:fld>
-            <a:endParaRPr lang="en-US"/>
-          </a:p>
-        </p:txBody>
-      </p:sp>
-    </p:spTree>
-    <p:extLst>
-      <p:ext uri="{BB962C8B-B14F-4D97-AF65-F5344CB8AC3E}">
-        <p14:creationId xmlns:p14="http://schemas.microsoft.com/office/powerpoint/2010/main" val="697360819"/>
-      </p:ext>
-    </p:extLst>
-  </p:cSld>
-  <p:clrMapOvr>
-    <a:masterClrMapping/>
-  </p:clrMapOvr>
-</p:notes>
-</file>
-
-<file path=ppt/notesSlides/notesSlide25.xml><?xml version="1.0" encoding="utf-8"?>
-<p:notes xmlns:a="http://schemas.openxmlformats.org/drawingml/2006/main" xmlns:r="http://schemas.openxmlformats.org/officeDocument/2006/relationships" xmlns:p="http://schemas.openxmlformats.org/presentationml/2006/main">
-  <p:cSld>
-    <p:spTree>
-      <p:nvGrpSpPr>
-        <p:cNvPr id="1" name=""/>
-        <p:cNvGrpSpPr/>
-        <p:nvPr/>
-      </p:nvGrpSpPr>
-      <p:grpSpPr>
-        <a:xfrm>
-          <a:off x="0" y="0"/>
-          <a:ext cx="0" cy="0"/>
-          <a:chOff x="0" y="0"/>
-          <a:chExt cx="0" cy="0"/>
-        </a:xfrm>
-      </p:grpSpPr>
-      <p:sp>
-        <p:nvSpPr>
-          <p:cNvPr id="2" name="Slide Image Placeholder 1"/>
-          <p:cNvSpPr>
-            <a:spLocks noGrp="1" noRot="1" noChangeAspect="1"/>
-          </p:cNvSpPr>
-          <p:nvPr>
-            <p:ph type="sldImg"/>
-          </p:nvPr>
-        </p:nvSpPr>
-        <p:spPr>
-          <a:xfrm>
-            <a:off x="381000" y="685800"/>
-            <a:ext cx="6096000" cy="3429000"/>
-          </a:xfrm>
-        </p:spPr>
-      </p:sp>
-      <p:sp>
-        <p:nvSpPr>
-          <p:cNvPr id="3" name="Notes Placeholder 2"/>
-          <p:cNvSpPr>
-            <a:spLocks noGrp="1"/>
-          </p:cNvSpPr>
-          <p:nvPr>
-            <p:ph type="body" idx="1"/>
-          </p:nvPr>
-        </p:nvSpPr>
-        <p:spPr/>
-        <p:txBody>
-          <a:bodyPr/>
-          <a:lstStyle/>
-          <a:p>
-            <a:endParaRPr lang="en-US" dirty="0"/>
-          </a:p>
-        </p:txBody>
-      </p:sp>
-      <p:sp>
-        <p:nvSpPr>
-          <p:cNvPr id="4" name="Slide Number Placeholder 3"/>
-          <p:cNvSpPr>
-            <a:spLocks noGrp="1"/>
-          </p:cNvSpPr>
-          <p:nvPr>
-            <p:ph type="sldNum" sz="quarter" idx="10"/>
-          </p:nvPr>
-        </p:nvSpPr>
-        <p:spPr/>
-        <p:txBody>
-          <a:bodyPr/>
-          <a:lstStyle/>
-          <a:p>
-            <a:fld id="{7AE90029-A909-AD4E-9775-A0D64990AD22}" type="slidenum">
-              <a:rPr lang="en-US" smtClean="0"/>
-              <a:t>25</a:t>
-            </a:fld>
-            <a:endParaRPr lang="en-US"/>
-          </a:p>
-        </p:txBody>
-      </p:sp>
-    </p:spTree>
-    <p:extLst>
-      <p:ext uri="{BB962C8B-B14F-4D97-AF65-F5344CB8AC3E}">
-        <p14:creationId xmlns:p14="http://schemas.microsoft.com/office/powerpoint/2010/main" val="1165943070"/>
-      </p:ext>
-    </p:extLst>
-  </p:cSld>
-  <p:clrMapOvr>
-    <a:masterClrMapping/>
-  </p:clrMapOvr>
-</p:notes>
-</file>
-
-<file path=ppt/notesSlides/notesSlide26.xml><?xml version="1.0" encoding="utf-8"?>
-<p:notes xmlns:a="http://schemas.openxmlformats.org/drawingml/2006/main" xmlns:r="http://schemas.openxmlformats.org/officeDocument/2006/relationships" xmlns:p="http://schemas.openxmlformats.org/presentationml/2006/main">
-  <p:cSld>
-    <p:spTree>
-      <p:nvGrpSpPr>
-        <p:cNvPr id="1" name=""/>
-        <p:cNvGrpSpPr/>
-        <p:nvPr/>
-      </p:nvGrpSpPr>
-      <p:grpSpPr>
-        <a:xfrm>
-          <a:off x="0" y="0"/>
-          <a:ext cx="0" cy="0"/>
-          <a:chOff x="0" y="0"/>
-          <a:chExt cx="0" cy="0"/>
-        </a:xfrm>
-      </p:grpSpPr>
-      <p:sp>
-        <p:nvSpPr>
-          <p:cNvPr id="2" name="Slide Image Placeholder 1"/>
-          <p:cNvSpPr>
-            <a:spLocks noGrp="1" noRot="1" noChangeAspect="1"/>
-          </p:cNvSpPr>
-          <p:nvPr>
-            <p:ph type="sldImg"/>
-          </p:nvPr>
-        </p:nvSpPr>
-        <p:spPr>
-          <a:xfrm>
-            <a:off x="381000" y="685800"/>
-            <a:ext cx="6096000" cy="3429000"/>
-          </a:xfrm>
-        </p:spPr>
-      </p:sp>
-      <p:sp>
-        <p:nvSpPr>
-          <p:cNvPr id="3" name="Notes Placeholder 2"/>
-          <p:cNvSpPr>
-            <a:spLocks noGrp="1"/>
-          </p:cNvSpPr>
-          <p:nvPr>
-            <p:ph type="body" idx="1"/>
-          </p:nvPr>
-        </p:nvSpPr>
-        <p:spPr/>
-        <p:txBody>
-          <a:bodyPr/>
-          <a:lstStyle/>
-          <a:p>
-            <a:endParaRPr lang="en-US" dirty="0"/>
-          </a:p>
-        </p:txBody>
-      </p:sp>
-      <p:sp>
-        <p:nvSpPr>
-          <p:cNvPr id="4" name="Slide Number Placeholder 3"/>
-          <p:cNvSpPr>
-            <a:spLocks noGrp="1"/>
-          </p:cNvSpPr>
-          <p:nvPr>
-            <p:ph type="sldNum" sz="quarter" idx="10"/>
-          </p:nvPr>
-        </p:nvSpPr>
-        <p:spPr/>
-        <p:txBody>
-          <a:bodyPr/>
-          <a:lstStyle/>
-          <a:p>
-            <a:fld id="{7AE90029-A909-AD4E-9775-A0D64990AD22}" type="slidenum">
-              <a:rPr lang="en-US" smtClean="0"/>
-              <a:t>26</a:t>
-            </a:fld>
-            <a:endParaRPr lang="en-US"/>
-          </a:p>
-        </p:txBody>
-      </p:sp>
-    </p:spTree>
-    <p:extLst>
-      <p:ext uri="{BB962C8B-B14F-4D97-AF65-F5344CB8AC3E}">
-        <p14:creationId xmlns:p14="http://schemas.microsoft.com/office/powerpoint/2010/main" val="9668433"/>
-      </p:ext>
-    </p:extLst>
-  </p:cSld>
-  <p:clrMapOvr>
-    <a:masterClrMapping/>
-  </p:clrMapOvr>
-</p:notes>
-</file>
-
-<file path=ppt/notesSlides/notesSlide27.xml><?xml version="1.0" encoding="utf-8"?>
-<p:notes xmlns:a="http://schemas.openxmlformats.org/drawingml/2006/main" xmlns:r="http://schemas.openxmlformats.org/officeDocument/2006/relationships" xmlns:p="http://schemas.openxmlformats.org/presentationml/2006/main">
-  <p:cSld>
-    <p:spTree>
-      <p:nvGrpSpPr>
-        <p:cNvPr id="1" name=""/>
-        <p:cNvGrpSpPr/>
-        <p:nvPr/>
-      </p:nvGrpSpPr>
-      <p:grpSpPr>
-        <a:xfrm>
-          <a:off x="0" y="0"/>
-          <a:ext cx="0" cy="0"/>
-          <a:chOff x="0" y="0"/>
-          <a:chExt cx="0" cy="0"/>
-        </a:xfrm>
-      </p:grpSpPr>
-      <p:sp>
-        <p:nvSpPr>
-          <p:cNvPr id="2" name="Slide Image Placeholder 1"/>
-          <p:cNvSpPr>
-            <a:spLocks noGrp="1" noRot="1" noChangeAspect="1"/>
-          </p:cNvSpPr>
-          <p:nvPr>
-            <p:ph type="sldImg"/>
-          </p:nvPr>
-        </p:nvSpPr>
-        <p:spPr>
-          <a:xfrm>
-            <a:off x="381000" y="685800"/>
-            <a:ext cx="6096000" cy="3429000"/>
-          </a:xfrm>
-        </p:spPr>
-      </p:sp>
-      <p:sp>
-        <p:nvSpPr>
-          <p:cNvPr id="3" name="Notes Placeholder 2"/>
-          <p:cNvSpPr>
-            <a:spLocks noGrp="1"/>
-          </p:cNvSpPr>
-          <p:nvPr>
-            <p:ph type="body" idx="1"/>
-          </p:nvPr>
-        </p:nvSpPr>
-        <p:spPr/>
-        <p:txBody>
-          <a:bodyPr/>
-          <a:lstStyle/>
-          <a:p>
-            <a:endParaRPr lang="en-US" dirty="0"/>
-          </a:p>
-        </p:txBody>
-      </p:sp>
-      <p:sp>
-        <p:nvSpPr>
-          <p:cNvPr id="4" name="Slide Number Placeholder 3"/>
-          <p:cNvSpPr>
-            <a:spLocks noGrp="1"/>
-          </p:cNvSpPr>
-          <p:nvPr>
-            <p:ph type="sldNum" sz="quarter" idx="10"/>
-          </p:nvPr>
-        </p:nvSpPr>
-        <p:spPr/>
-        <p:txBody>
-          <a:bodyPr/>
-          <a:lstStyle/>
-          <a:p>
-            <a:fld id="{7AE90029-A909-AD4E-9775-A0D64990AD22}" type="slidenum">
-              <a:rPr lang="en-US" smtClean="0"/>
-              <a:t>27</a:t>
-            </a:fld>
-            <a:endParaRPr lang="en-US"/>
-          </a:p>
-        </p:txBody>
-      </p:sp>
-    </p:spTree>
-    <p:extLst>
-      <p:ext uri="{BB962C8B-B14F-4D97-AF65-F5344CB8AC3E}">
-        <p14:creationId xmlns:p14="http://schemas.microsoft.com/office/powerpoint/2010/main" val="3194231769"/>
-      </p:ext>
-    </p:extLst>
-  </p:cSld>
-  <p:clrMapOvr>
-    <a:masterClrMapping/>
-  </p:clrMapOvr>
-</p:notes>
-</file>
-
-<file path=ppt/notesSlides/notesSlide28.xml><?xml version="1.0" encoding="utf-8"?>
-<p:notes xmlns:a="http://schemas.openxmlformats.org/drawingml/2006/main" xmlns:r="http://schemas.openxmlformats.org/officeDocument/2006/relationships" xmlns:p="http://schemas.openxmlformats.org/presentationml/2006/main">
-  <p:cSld>
-    <p:spTree>
-      <p:nvGrpSpPr>
-        <p:cNvPr id="1" name=""/>
-        <p:cNvGrpSpPr/>
-        <p:nvPr/>
-      </p:nvGrpSpPr>
-      <p:grpSpPr>
-        <a:xfrm>
-          <a:off x="0" y="0"/>
-          <a:ext cx="0" cy="0"/>
-          <a:chOff x="0" y="0"/>
-          <a:chExt cx="0" cy="0"/>
-        </a:xfrm>
-      </p:grpSpPr>
-      <p:sp>
-        <p:nvSpPr>
-          <p:cNvPr id="2" name="Slide Image Placeholder 1"/>
-          <p:cNvSpPr>
-            <a:spLocks noGrp="1" noRot="1" noChangeAspect="1"/>
-          </p:cNvSpPr>
-          <p:nvPr>
-            <p:ph type="sldImg"/>
-          </p:nvPr>
-        </p:nvSpPr>
-        <p:spPr>
-          <a:xfrm>
-            <a:off x="381000" y="685800"/>
-            <a:ext cx="6096000" cy="3429000"/>
-          </a:xfrm>
-        </p:spPr>
-      </p:sp>
-      <p:sp>
-        <p:nvSpPr>
-          <p:cNvPr id="3" name="Notes Placeholder 2"/>
-          <p:cNvSpPr>
-            <a:spLocks noGrp="1"/>
-          </p:cNvSpPr>
-          <p:nvPr>
-            <p:ph type="body" idx="1"/>
-          </p:nvPr>
-        </p:nvSpPr>
-        <p:spPr/>
-        <p:txBody>
-          <a:bodyPr/>
-          <a:lstStyle/>
-          <a:p>
-            <a:endParaRPr lang="en-US" dirty="0"/>
-          </a:p>
-        </p:txBody>
-      </p:sp>
-      <p:sp>
-        <p:nvSpPr>
-          <p:cNvPr id="4" name="Slide Number Placeholder 3"/>
-          <p:cNvSpPr>
-            <a:spLocks noGrp="1"/>
-          </p:cNvSpPr>
-          <p:nvPr>
-            <p:ph type="sldNum" sz="quarter" idx="10"/>
-          </p:nvPr>
-        </p:nvSpPr>
-        <p:spPr/>
-        <p:txBody>
-          <a:bodyPr/>
-          <a:lstStyle/>
-          <a:p>
-            <a:fld id="{7AE90029-A909-AD4E-9775-A0D64990AD22}" type="slidenum">
-              <a:rPr lang="en-US" smtClean="0"/>
-              <a:t>28</a:t>
-            </a:fld>
-            <a:endParaRPr lang="en-US"/>
-          </a:p>
-        </p:txBody>
-      </p:sp>
-    </p:spTree>
-    <p:extLst>
-      <p:ext uri="{BB962C8B-B14F-4D97-AF65-F5344CB8AC3E}">
-        <p14:creationId xmlns:p14="http://schemas.microsoft.com/office/powerpoint/2010/main" val="2569316361"/>
-      </p:ext>
-    </p:extLst>
-  </p:cSld>
-  <p:clrMapOvr>
-    <a:masterClrMapping/>
-  </p:clrMapOvr>
-</p:notes>
-</file>
-
-<file path=ppt/notesSlides/notesSlide29.xml><?xml version="1.0" encoding="utf-8"?>
-<p:notes xmlns:a="http://schemas.openxmlformats.org/drawingml/2006/main" xmlns:r="http://schemas.openxmlformats.org/officeDocument/2006/relationships" xmlns:p="http://schemas.openxmlformats.org/presentationml/2006/main">
-  <p:cSld>
-    <p:spTree>
-      <p:nvGrpSpPr>
-        <p:cNvPr id="1" name=""/>
-        <p:cNvGrpSpPr/>
-        <p:nvPr/>
-      </p:nvGrpSpPr>
-      <p:grpSpPr>
-        <a:xfrm>
-          <a:off x="0" y="0"/>
-          <a:ext cx="0" cy="0"/>
-          <a:chOff x="0" y="0"/>
-          <a:chExt cx="0" cy="0"/>
-        </a:xfrm>
-      </p:grpSpPr>
-      <p:sp>
-        <p:nvSpPr>
-          <p:cNvPr id="2" name="Slide Image Placeholder 1"/>
-          <p:cNvSpPr>
-            <a:spLocks noGrp="1" noRot="1" noChangeAspect="1"/>
-          </p:cNvSpPr>
-          <p:nvPr>
-            <p:ph type="sldImg"/>
-          </p:nvPr>
-        </p:nvSpPr>
-        <p:spPr>
-          <a:xfrm>
-            <a:off x="381000" y="685800"/>
-            <a:ext cx="6096000" cy="3429000"/>
-          </a:xfrm>
-        </p:spPr>
-      </p:sp>
-      <p:sp>
-        <p:nvSpPr>
-          <p:cNvPr id="3" name="Notes Placeholder 2"/>
-          <p:cNvSpPr>
-            <a:spLocks noGrp="1"/>
-          </p:cNvSpPr>
-          <p:nvPr>
-            <p:ph type="body" idx="1"/>
-          </p:nvPr>
-        </p:nvSpPr>
-        <p:spPr/>
-        <p:txBody>
-          <a:bodyPr/>
-          <a:lstStyle/>
-          <a:p>
-            <a:endParaRPr lang="en-US" dirty="0"/>
-          </a:p>
-        </p:txBody>
-      </p:sp>
-      <p:sp>
-        <p:nvSpPr>
-          <p:cNvPr id="4" name="Slide Number Placeholder 3"/>
-          <p:cNvSpPr>
-            <a:spLocks noGrp="1"/>
-          </p:cNvSpPr>
-          <p:nvPr>
-            <p:ph type="sldNum" sz="quarter" idx="10"/>
-          </p:nvPr>
-        </p:nvSpPr>
-        <p:spPr/>
-        <p:txBody>
-          <a:bodyPr/>
-          <a:lstStyle/>
-          <a:p>
-            <a:fld id="{7AE90029-A909-AD4E-9775-A0D64990AD22}" type="slidenum">
-              <a:rPr lang="en-US" smtClean="0"/>
-              <a:t>29</a:t>
-            </a:fld>
-            <a:endParaRPr lang="en-US"/>
-          </a:p>
-        </p:txBody>
-      </p:sp>
-    </p:spTree>
-    <p:extLst>
-      <p:ext uri="{BB962C8B-B14F-4D97-AF65-F5344CB8AC3E}">
-        <p14:creationId xmlns:p14="http://schemas.microsoft.com/office/powerpoint/2010/main" val="2739071958"/>
-      </p:ext>
-    </p:extLst>
-  </p:cSld>
-  <p:clrMapOvr>
-    <a:masterClrMapping/>
-  </p:clrMapOvr>
-</p:notes>
-</file>
-
 <file path=ppt/notesSlides/notesSlide3.xml><?xml version="1.0" encoding="utf-8"?>
 <p:notes xmlns:a="http://schemas.openxmlformats.org/drawingml/2006/main" xmlns:r="http://schemas.openxmlformats.org/officeDocument/2006/relationships" xmlns:p="http://schemas.openxmlformats.org/presentationml/2006/main">
   <p:cSld>
@@ -2886,184 +1894,6 @@
     <p:extLst>
       <p:ext uri="{BB962C8B-B14F-4D97-AF65-F5344CB8AC3E}">
         <p14:creationId xmlns:p14="http://schemas.microsoft.com/office/powerpoint/2010/main" val="1233529073"/>
-      </p:ext>
-    </p:extLst>
-  </p:cSld>
-  <p:clrMapOvr>
-    <a:masterClrMapping/>
-  </p:clrMapOvr>
-</p:notes>
-</file>
-
-<file path=ppt/notesSlides/notesSlide30.xml><?xml version="1.0" encoding="utf-8"?>
-<p:notes xmlns:a="http://schemas.openxmlformats.org/drawingml/2006/main" xmlns:r="http://schemas.openxmlformats.org/officeDocument/2006/relationships" xmlns:p="http://schemas.openxmlformats.org/presentationml/2006/main">
-  <p:cSld>
-    <p:spTree>
-      <p:nvGrpSpPr>
-        <p:cNvPr id="1" name=""/>
-        <p:cNvGrpSpPr/>
-        <p:nvPr/>
-      </p:nvGrpSpPr>
-      <p:grpSpPr>
-        <a:xfrm>
-          <a:off x="0" y="0"/>
-          <a:ext cx="0" cy="0"/>
-          <a:chOff x="0" y="0"/>
-          <a:chExt cx="0" cy="0"/>
-        </a:xfrm>
-      </p:grpSpPr>
-      <p:sp>
-        <p:nvSpPr>
-          <p:cNvPr id="2" name="Slide Image Placeholder 1"/>
-          <p:cNvSpPr>
-            <a:spLocks noGrp="1" noRot="1" noChangeAspect="1"/>
-          </p:cNvSpPr>
-          <p:nvPr>
-            <p:ph type="sldImg"/>
-          </p:nvPr>
-        </p:nvSpPr>
-        <p:spPr>
-          <a:xfrm>
-            <a:off x="381000" y="685800"/>
-            <a:ext cx="6096000" cy="3429000"/>
-          </a:xfrm>
-        </p:spPr>
-      </p:sp>
-      <p:sp>
-        <p:nvSpPr>
-          <p:cNvPr id="3" name="Notes Placeholder 2"/>
-          <p:cNvSpPr>
-            <a:spLocks noGrp="1"/>
-          </p:cNvSpPr>
-          <p:nvPr>
-            <p:ph type="body" idx="1"/>
-          </p:nvPr>
-        </p:nvSpPr>
-        <p:spPr/>
-        <p:txBody>
-          <a:bodyPr/>
-          <a:lstStyle/>
-          <a:p>
-            <a:endParaRPr lang="en-US" dirty="0"/>
-          </a:p>
-        </p:txBody>
-      </p:sp>
-      <p:sp>
-        <p:nvSpPr>
-          <p:cNvPr id="4" name="Slide Number Placeholder 3"/>
-          <p:cNvSpPr>
-            <a:spLocks noGrp="1"/>
-          </p:cNvSpPr>
-          <p:nvPr>
-            <p:ph type="sldNum" sz="quarter" idx="10"/>
-          </p:nvPr>
-        </p:nvSpPr>
-        <p:spPr/>
-        <p:txBody>
-          <a:bodyPr/>
-          <a:lstStyle/>
-          <a:p>
-            <a:fld id="{7AE90029-A909-AD4E-9775-A0D64990AD22}" type="slidenum">
-              <a:rPr lang="en-US" smtClean="0"/>
-              <a:t>30</a:t>
-            </a:fld>
-            <a:endParaRPr lang="en-US"/>
-          </a:p>
-        </p:txBody>
-      </p:sp>
-    </p:spTree>
-    <p:extLst>
-      <p:ext uri="{BB962C8B-B14F-4D97-AF65-F5344CB8AC3E}">
-        <p14:creationId xmlns:p14="http://schemas.microsoft.com/office/powerpoint/2010/main" val="1338594702"/>
-      </p:ext>
-    </p:extLst>
-  </p:cSld>
-  <p:clrMapOvr>
-    <a:masterClrMapping/>
-  </p:clrMapOvr>
-</p:notes>
-</file>
-
-<file path=ppt/notesSlides/notesSlide31.xml><?xml version="1.0" encoding="utf-8"?>
-<p:notes xmlns:a="http://schemas.openxmlformats.org/drawingml/2006/main" xmlns:r="http://schemas.openxmlformats.org/officeDocument/2006/relationships" xmlns:p="http://schemas.openxmlformats.org/presentationml/2006/main">
-  <p:cSld>
-    <p:spTree>
-      <p:nvGrpSpPr>
-        <p:cNvPr id="1" name=""/>
-        <p:cNvGrpSpPr/>
-        <p:nvPr/>
-      </p:nvGrpSpPr>
-      <p:grpSpPr>
-        <a:xfrm>
-          <a:off x="0" y="0"/>
-          <a:ext cx="0" cy="0"/>
-          <a:chOff x="0" y="0"/>
-          <a:chExt cx="0" cy="0"/>
-        </a:xfrm>
-      </p:grpSpPr>
-      <p:sp>
-        <p:nvSpPr>
-          <p:cNvPr id="2" name="Slide Image Placeholder 1"/>
-          <p:cNvSpPr>
-            <a:spLocks noGrp="1" noRot="1" noChangeAspect="1"/>
-          </p:cNvSpPr>
-          <p:nvPr>
-            <p:ph type="sldImg"/>
-          </p:nvPr>
-        </p:nvSpPr>
-        <p:spPr>
-          <a:xfrm>
-            <a:off x="381000" y="685800"/>
-            <a:ext cx="6096000" cy="3429000"/>
-          </a:xfrm>
-        </p:spPr>
-      </p:sp>
-      <p:sp>
-        <p:nvSpPr>
-          <p:cNvPr id="3" name="Notes Placeholder 2"/>
-          <p:cNvSpPr>
-            <a:spLocks noGrp="1"/>
-          </p:cNvSpPr>
-          <p:nvPr>
-            <p:ph type="body" idx="1"/>
-          </p:nvPr>
-        </p:nvSpPr>
-        <p:spPr/>
-        <p:txBody>
-          <a:bodyPr/>
-          <a:lstStyle/>
-          <a:p>
-            <a:endParaRPr lang="en-US" dirty="0"/>
-          </a:p>
-        </p:txBody>
-      </p:sp>
-      <p:sp>
-        <p:nvSpPr>
-          <p:cNvPr id="4" name="Slide Number Placeholder 3"/>
-          <p:cNvSpPr>
-            <a:spLocks noGrp="1"/>
-          </p:cNvSpPr>
-          <p:nvPr>
-            <p:ph type="sldNum" sz="quarter" idx="10"/>
-          </p:nvPr>
-        </p:nvSpPr>
-        <p:spPr/>
-        <p:txBody>
-          <a:bodyPr/>
-          <a:lstStyle/>
-          <a:p>
-            <a:fld id="{7AE90029-A909-AD4E-9775-A0D64990AD22}" type="slidenum">
-              <a:rPr lang="en-US" smtClean="0"/>
-              <a:t>31</a:t>
-            </a:fld>
-            <a:endParaRPr lang="en-US"/>
-          </a:p>
-        </p:txBody>
-      </p:sp>
-    </p:spTree>
-    <p:extLst>
-      <p:ext uri="{BB962C8B-B14F-4D97-AF65-F5344CB8AC3E}">
-        <p14:creationId xmlns:p14="http://schemas.microsoft.com/office/powerpoint/2010/main" val="4198565437"/>
       </p:ext>
     </p:extLst>
   </p:cSld>
@@ -7176,439 +6006,77 @@
           <a:p>
             <a:r>
               <a:rPr lang="en-US" b="1" dirty="0"/>
-              <a:t>Designing and Implementing Data Flow</a:t>
+              <a:t>DWH</a:t>
             </a:r>
           </a:p>
         </p:txBody>
       </p:sp>
       <p:sp>
         <p:nvSpPr>
-          <p:cNvPr id="5" name="Text Placeholder 4"/>
-          <p:cNvSpPr txBox="1">
-            <a:spLocks/>
-          </p:cNvSpPr>
+          <p:cNvPr id="4" name="Rectangle 3"/>
+          <p:cNvSpPr/>
           <p:nvPr/>
         </p:nvSpPr>
         <p:spPr>
           <a:xfrm>
-            <a:off x="250335" y="885324"/>
-            <a:ext cx="6901579" cy="387798"/>
-          </a:xfrm>
-          <a:prstGeom prst="rect">
-            <a:avLst/>
-          </a:prstGeom>
-          <a:solidFill>
-            <a:srgbClr val="39C2D7"/>
-          </a:solidFill>
-          <a:ln>
-            <a:noFill/>
-          </a:ln>
-        </p:spPr>
-        <p:txBody>
-          <a:bodyPr wrap="square" lIns="68580" tIns="54864" rIns="68580" bIns="54864" anchor="ctr" anchorCtr="0">
-            <a:spAutoFit/>
-          </a:bodyPr>
-          <a:lstStyle>
-            <a:lvl1pPr marL="0" indent="0" algn="l" defTabSz="457200" rtl="0" eaLnBrk="1" latinLnBrk="0" hangingPunct="1">
-              <a:spcBef>
-                <a:spcPts val="0"/>
-              </a:spcBef>
-              <a:buClr>
-                <a:schemeClr val="accent2"/>
-              </a:buClr>
-              <a:buFont typeface="Arial"/>
-              <a:buNone/>
-              <a:defRPr sz="1200" kern="1200">
-                <a:solidFill>
-                  <a:schemeClr val="bg1"/>
-                </a:solidFill>
-                <a:latin typeface="Arial Black"/>
-                <a:ea typeface="+mn-ea"/>
-                <a:cs typeface="Arial Black"/>
-              </a:defRPr>
-            </a:lvl1pPr>
-            <a:lvl2pPr marL="742950" indent="-285750" algn="l" defTabSz="457200" rtl="0" eaLnBrk="1" latinLnBrk="0" hangingPunct="1">
-              <a:spcBef>
-                <a:spcPct val="20000"/>
-              </a:spcBef>
-              <a:buFont typeface="Arial"/>
-              <a:buChar char="–"/>
-              <a:defRPr sz="1800" kern="1200">
-                <a:solidFill>
-                  <a:schemeClr val="tx1"/>
-                </a:solidFill>
-                <a:latin typeface="Trebuchet MS"/>
-                <a:ea typeface="+mn-ea"/>
-                <a:cs typeface="Trebuchet MS"/>
-              </a:defRPr>
-            </a:lvl2pPr>
-            <a:lvl3pPr marL="1143000" indent="-228600" algn="l" defTabSz="457200" rtl="0" eaLnBrk="1" latinLnBrk="0" hangingPunct="1">
-              <a:spcBef>
-                <a:spcPct val="20000"/>
-              </a:spcBef>
-              <a:buFont typeface="Arial"/>
-              <a:buChar char="•"/>
-              <a:defRPr sz="1600" kern="1200">
-                <a:solidFill>
-                  <a:schemeClr val="tx1"/>
-                </a:solidFill>
-                <a:latin typeface="Trebuchet MS"/>
-                <a:ea typeface="+mn-ea"/>
-                <a:cs typeface="Trebuchet MS"/>
-              </a:defRPr>
-            </a:lvl3pPr>
-            <a:lvl4pPr marL="1600200" indent="-228600" algn="l" defTabSz="457200" rtl="0" eaLnBrk="1" latinLnBrk="0" hangingPunct="1">
-              <a:spcBef>
-                <a:spcPct val="20000"/>
-              </a:spcBef>
-              <a:buFont typeface="Arial"/>
-              <a:buChar char="–"/>
-              <a:defRPr sz="1300" kern="1200">
-                <a:solidFill>
-                  <a:schemeClr val="tx1"/>
-                </a:solidFill>
-                <a:latin typeface="Trebuchet MS"/>
-                <a:ea typeface="+mn-ea"/>
-                <a:cs typeface="Trebuchet MS"/>
-              </a:defRPr>
-            </a:lvl4pPr>
-            <a:lvl5pPr marL="2057400" indent="-228600" algn="l" defTabSz="457200" rtl="0" eaLnBrk="1" latinLnBrk="0" hangingPunct="1">
-              <a:spcBef>
-                <a:spcPct val="20000"/>
-              </a:spcBef>
-              <a:buFont typeface="Arial"/>
-              <a:buChar char="»"/>
-              <a:defRPr sz="1100" kern="1200">
-                <a:solidFill>
-                  <a:schemeClr val="tx1"/>
-                </a:solidFill>
-                <a:latin typeface="Trebuchet MS"/>
-                <a:ea typeface="+mn-ea"/>
-                <a:cs typeface="Trebuchet MS"/>
-              </a:defRPr>
-            </a:lvl5pPr>
-            <a:lvl6pPr marL="2514600" indent="-228600" algn="l" defTabSz="457200" rtl="0" eaLnBrk="1" latinLnBrk="0" hangingPunct="1">
-              <a:spcBef>
-                <a:spcPct val="20000"/>
-              </a:spcBef>
-              <a:buFont typeface="Arial"/>
-              <a:buChar char="•"/>
-              <a:defRPr sz="2000" kern="1200">
-                <a:solidFill>
-                  <a:schemeClr val="tx1"/>
-                </a:solidFill>
-                <a:latin typeface="+mn-lt"/>
-                <a:ea typeface="+mn-ea"/>
-                <a:cs typeface="+mn-cs"/>
-              </a:defRPr>
-            </a:lvl6pPr>
-            <a:lvl7pPr marL="2971800" indent="-228600" algn="l" defTabSz="457200" rtl="0" eaLnBrk="1" latinLnBrk="0" hangingPunct="1">
-              <a:spcBef>
-                <a:spcPct val="20000"/>
-              </a:spcBef>
-              <a:buFont typeface="Arial"/>
-              <a:buChar char="•"/>
-              <a:defRPr sz="2000" kern="1200">
-                <a:solidFill>
-                  <a:schemeClr val="tx1"/>
-                </a:solidFill>
-                <a:latin typeface="+mn-lt"/>
-                <a:ea typeface="+mn-ea"/>
-                <a:cs typeface="+mn-cs"/>
-              </a:defRPr>
-            </a:lvl7pPr>
-            <a:lvl8pPr marL="3429000" indent="-228600" algn="l" defTabSz="457200" rtl="0" eaLnBrk="1" latinLnBrk="0" hangingPunct="1">
-              <a:spcBef>
-                <a:spcPct val="20000"/>
-              </a:spcBef>
-              <a:buFont typeface="Arial"/>
-              <a:buChar char="•"/>
-              <a:defRPr sz="2000" kern="1200">
-                <a:solidFill>
-                  <a:schemeClr val="tx1"/>
-                </a:solidFill>
-                <a:latin typeface="+mn-lt"/>
-                <a:ea typeface="+mn-ea"/>
-                <a:cs typeface="+mn-cs"/>
-              </a:defRPr>
-            </a:lvl8pPr>
-            <a:lvl9pPr marL="3886200" indent="-228600" algn="l" defTabSz="457200" rtl="0" eaLnBrk="1" latinLnBrk="0" hangingPunct="1">
-              <a:spcBef>
-                <a:spcPct val="20000"/>
-              </a:spcBef>
-              <a:buFont typeface="Arial"/>
-              <a:buChar char="•"/>
-              <a:defRPr sz="2000" kern="1200">
-                <a:solidFill>
-                  <a:schemeClr val="tx1"/>
-                </a:solidFill>
-                <a:latin typeface="+mn-lt"/>
-                <a:ea typeface="+mn-ea"/>
-                <a:cs typeface="+mn-cs"/>
-              </a:defRPr>
-            </a:lvl9pPr>
-          </a:lstStyle>
-          <a:p>
-            <a:pPr>
-              <a:buClr>
-                <a:schemeClr val="bg1"/>
-              </a:buClr>
-              <a:buSzPct val="140000"/>
-            </a:pPr>
-            <a:r>
-              <a:rPr lang="en-US" sz="1800" b="1" dirty="0"/>
-              <a:t>Defining Data Sources and Destinations</a:t>
-            </a:r>
-            <a:endParaRPr lang="en-US" sz="1800" dirty="0"/>
-          </a:p>
-        </p:txBody>
-      </p:sp>
-      <p:sp>
-        <p:nvSpPr>
-          <p:cNvPr id="7" name="Content Placeholder 2"/>
-          <p:cNvSpPr txBox="1">
-            <a:spLocks/>
-          </p:cNvSpPr>
-          <p:nvPr/>
-        </p:nvSpPr>
-        <p:spPr>
-          <a:xfrm>
-            <a:off x="327227" y="1458930"/>
-            <a:ext cx="8326259" cy="3124438"/>
+            <a:off x="1977408" y="1189050"/>
+            <a:ext cx="6815528" cy="2862322"/>
           </a:xfrm>
           <a:prstGeom prst="rect">
             <a:avLst/>
           </a:prstGeom>
         </p:spPr>
         <p:txBody>
-          <a:bodyPr/>
-          <a:lstStyle>
-            <a:lvl1pPr marL="257175" indent="-257175" algn="l" defTabSz="342900" rtl="0" eaLnBrk="1" latinLnBrk="0" hangingPunct="1">
-              <a:spcBef>
-                <a:spcPct val="20000"/>
-              </a:spcBef>
-              <a:buFont typeface="Arial"/>
-              <a:buChar char="•"/>
-              <a:defRPr sz="2400" kern="1200">
-                <a:solidFill>
-                  <a:schemeClr val="tx1"/>
-                </a:solidFill>
-                <a:latin typeface="+mn-lt"/>
-                <a:ea typeface="+mn-ea"/>
-                <a:cs typeface="+mn-cs"/>
-              </a:defRPr>
-            </a:lvl1pPr>
-            <a:lvl2pPr marL="557213" indent="-214313" algn="l" defTabSz="342900" rtl="0" eaLnBrk="1" latinLnBrk="0" hangingPunct="1">
-              <a:spcBef>
-                <a:spcPct val="20000"/>
-              </a:spcBef>
-              <a:buFont typeface="Arial"/>
-              <a:buChar char="–"/>
-              <a:defRPr sz="2100" kern="1200">
-                <a:solidFill>
-                  <a:schemeClr val="tx1"/>
-                </a:solidFill>
-                <a:latin typeface="+mn-lt"/>
-                <a:ea typeface="+mn-ea"/>
-                <a:cs typeface="+mn-cs"/>
-              </a:defRPr>
-            </a:lvl2pPr>
-            <a:lvl3pPr marL="857250" indent="-171450" algn="l" defTabSz="342900" rtl="0" eaLnBrk="1" latinLnBrk="0" hangingPunct="1">
-              <a:spcBef>
-                <a:spcPct val="20000"/>
-              </a:spcBef>
-              <a:buFont typeface="Arial"/>
-              <a:buChar char="•"/>
-              <a:defRPr sz="1800" kern="1200">
-                <a:solidFill>
-                  <a:schemeClr val="tx1"/>
-                </a:solidFill>
-                <a:latin typeface="+mn-lt"/>
-                <a:ea typeface="+mn-ea"/>
-                <a:cs typeface="+mn-cs"/>
-              </a:defRPr>
-            </a:lvl3pPr>
-            <a:lvl4pPr marL="1200150" indent="-171450" algn="l" defTabSz="342900" rtl="0" eaLnBrk="1" latinLnBrk="0" hangingPunct="1">
-              <a:spcBef>
-                <a:spcPct val="20000"/>
-              </a:spcBef>
-              <a:buFont typeface="Arial"/>
-              <a:buChar char="–"/>
-              <a:defRPr sz="1500" kern="1200">
-                <a:solidFill>
-                  <a:schemeClr val="tx1"/>
-                </a:solidFill>
-                <a:latin typeface="+mn-lt"/>
-                <a:ea typeface="+mn-ea"/>
-                <a:cs typeface="+mn-cs"/>
-              </a:defRPr>
-            </a:lvl4pPr>
-            <a:lvl5pPr marL="1543050" indent="-171450" algn="l" defTabSz="342900" rtl="0" eaLnBrk="1" latinLnBrk="0" hangingPunct="1">
-              <a:spcBef>
-                <a:spcPct val="20000"/>
-              </a:spcBef>
-              <a:buFont typeface="Arial"/>
-              <a:buChar char="»"/>
-              <a:defRPr sz="1500" kern="1200">
-                <a:solidFill>
-                  <a:schemeClr val="tx1"/>
-                </a:solidFill>
-                <a:latin typeface="+mn-lt"/>
-                <a:ea typeface="+mn-ea"/>
-                <a:cs typeface="+mn-cs"/>
-              </a:defRPr>
-            </a:lvl5pPr>
-            <a:lvl6pPr marL="1885950" indent="-171450" algn="l" defTabSz="342900" rtl="0" eaLnBrk="1" latinLnBrk="0" hangingPunct="1">
-              <a:spcBef>
-                <a:spcPct val="20000"/>
-              </a:spcBef>
-              <a:buFont typeface="Arial"/>
-              <a:buChar char="•"/>
-              <a:defRPr sz="1500" kern="1200">
-                <a:solidFill>
-                  <a:schemeClr val="tx1"/>
-                </a:solidFill>
-                <a:latin typeface="+mn-lt"/>
-                <a:ea typeface="+mn-ea"/>
-                <a:cs typeface="+mn-cs"/>
-              </a:defRPr>
-            </a:lvl6pPr>
-            <a:lvl7pPr marL="2228850" indent="-171450" algn="l" defTabSz="342900" rtl="0" eaLnBrk="1" latinLnBrk="0" hangingPunct="1">
-              <a:spcBef>
-                <a:spcPct val="20000"/>
-              </a:spcBef>
-              <a:buFont typeface="Arial"/>
-              <a:buChar char="•"/>
-              <a:defRPr sz="1500" kern="1200">
-                <a:solidFill>
-                  <a:schemeClr val="tx1"/>
-                </a:solidFill>
-                <a:latin typeface="+mn-lt"/>
-                <a:ea typeface="+mn-ea"/>
-                <a:cs typeface="+mn-cs"/>
-              </a:defRPr>
-            </a:lvl7pPr>
-            <a:lvl8pPr marL="2571750" indent="-171450" algn="l" defTabSz="342900" rtl="0" eaLnBrk="1" latinLnBrk="0" hangingPunct="1">
-              <a:spcBef>
-                <a:spcPct val="20000"/>
-              </a:spcBef>
-              <a:buFont typeface="Arial"/>
-              <a:buChar char="•"/>
-              <a:defRPr sz="1500" kern="1200">
-                <a:solidFill>
-                  <a:schemeClr val="tx1"/>
-                </a:solidFill>
-                <a:latin typeface="+mn-lt"/>
-                <a:ea typeface="+mn-ea"/>
-                <a:cs typeface="+mn-cs"/>
-              </a:defRPr>
-            </a:lvl8pPr>
-            <a:lvl9pPr marL="2914650" indent="-171450" algn="l" defTabSz="342900" rtl="0" eaLnBrk="1" latinLnBrk="0" hangingPunct="1">
-              <a:spcBef>
-                <a:spcPct val="20000"/>
-              </a:spcBef>
-              <a:buFont typeface="Arial"/>
-              <a:buChar char="•"/>
-              <a:defRPr sz="1500" kern="1200">
-                <a:solidFill>
-                  <a:schemeClr val="tx1"/>
-                </a:solidFill>
-                <a:latin typeface="+mn-lt"/>
-                <a:ea typeface="+mn-ea"/>
-                <a:cs typeface="+mn-cs"/>
-              </a:defRPr>
-            </a:lvl9pPr>
-          </a:lstStyle>
-          <a:p>
-            <a:pPr marL="173736" lvl="2" indent="-173736">
-              <a:lnSpc>
-                <a:spcPct val="110000"/>
-              </a:lnSpc>
-              <a:spcBef>
-                <a:spcPts val="0"/>
-              </a:spcBef>
-              <a:spcAft>
-                <a:spcPts val="1300"/>
-              </a:spcAft>
-              <a:buClr>
-                <a:srgbClr val="2FC2D9"/>
-              </a:buClr>
-              <a:defRPr/>
-            </a:pPr>
-            <a:r>
-              <a:rPr lang="en-US" sz="2300" b="1" dirty="0"/>
-              <a:t>Creating a Data Flow Task</a:t>
-            </a:r>
-          </a:p>
-          <a:p>
-            <a:pPr marL="173736" lvl="2" indent="-173736">
-              <a:lnSpc>
-                <a:spcPct val="110000"/>
-              </a:lnSpc>
-              <a:spcBef>
-                <a:spcPts val="0"/>
-              </a:spcBef>
-              <a:spcAft>
-                <a:spcPts val="1300"/>
-              </a:spcAft>
-              <a:buClr>
-                <a:srgbClr val="2FC2D9"/>
-              </a:buClr>
-              <a:defRPr/>
-            </a:pPr>
-            <a:r>
-              <a:rPr lang="en-US" sz="2300" b="1" dirty="0"/>
-              <a:t>Defining Data Flow Source Adapters</a:t>
-            </a:r>
-          </a:p>
-          <a:p>
-            <a:pPr marL="173736" lvl="2" indent="-173736">
-              <a:lnSpc>
-                <a:spcPct val="110000"/>
-              </a:lnSpc>
-              <a:spcBef>
-                <a:spcPts val="0"/>
-              </a:spcBef>
-              <a:spcAft>
-                <a:spcPts val="1300"/>
-              </a:spcAft>
-              <a:buClr>
-                <a:srgbClr val="2FC2D9"/>
-              </a:buClr>
-              <a:defRPr/>
-            </a:pPr>
-            <a:r>
-              <a:rPr lang="en-US" sz="2300" b="1" dirty="0"/>
-              <a:t>Defining Data Flow Destination Adapters</a:t>
-            </a:r>
-          </a:p>
-          <a:p>
-            <a:pPr marL="173736" lvl="2" indent="-173736">
-              <a:lnSpc>
-                <a:spcPct val="110000"/>
-              </a:lnSpc>
-              <a:spcBef>
-                <a:spcPts val="0"/>
-              </a:spcBef>
-              <a:spcAft>
-                <a:spcPts val="1300"/>
-              </a:spcAft>
-              <a:buClr>
-                <a:srgbClr val="2FC2D9"/>
-              </a:buClr>
-              <a:defRPr/>
-            </a:pPr>
-            <a:r>
-              <a:rPr lang="en-US" sz="2300" b="1" dirty="0"/>
-              <a:t>SSIS Data Types</a:t>
+          <a:bodyPr wrap="square">
+            <a:spAutoFit/>
+          </a:bodyPr>
+          <a:lstStyle/>
+          <a:p>
+            <a:r>
+              <a:rPr lang="it-IT" sz="6000" b="1" dirty="0">
+                <a:solidFill>
+                  <a:srgbClr val="1A9CB0"/>
+                </a:solidFill>
+              </a:rPr>
+              <a:t>CrimeStat BI solution case scenario</a:t>
             </a:r>
           </a:p>
         </p:txBody>
       </p:sp>
+      <p:cxnSp>
+        <p:nvCxnSpPr>
+          <p:cNvPr id="5" name="Straight Connector 4"/>
+          <p:cNvCxnSpPr/>
+          <p:nvPr/>
+        </p:nvCxnSpPr>
+        <p:spPr>
+          <a:xfrm>
+            <a:off x="1814122" y="1371856"/>
+            <a:ext cx="0" cy="2881198"/>
+          </a:xfrm>
+          <a:prstGeom prst="line">
+            <a:avLst/>
+          </a:prstGeom>
+        </p:spPr>
+        <p:style>
+          <a:lnRef idx="3">
+            <a:schemeClr val="accent2"/>
+          </a:lnRef>
+          <a:fillRef idx="0">
+            <a:schemeClr val="accent2"/>
+          </a:fillRef>
+          <a:effectRef idx="2">
+            <a:schemeClr val="accent2"/>
+          </a:effectRef>
+          <a:fontRef idx="minor">
+            <a:schemeClr val="tx1"/>
+          </a:fontRef>
+        </p:style>
+      </p:cxnSp>
     </p:spTree>
     <p:extLst>
       <p:ext uri="{BB962C8B-B14F-4D97-AF65-F5344CB8AC3E}">
-        <p14:creationId xmlns:p14="http://schemas.microsoft.com/office/powerpoint/2010/main" val="2349140021"/>
+        <p14:creationId xmlns:p14="http://schemas.microsoft.com/office/powerpoint/2010/main" val="3576249363"/>
       </p:ext>
     </p:extLst>
   </p:cSld>
@@ -7654,14 +6122,14 @@
           <a:p>
             <a:r>
               <a:rPr lang="en-US" b="1" dirty="0"/>
-              <a:t>Designing and Implementing Data Flow</a:t>
+              <a:t>Determining Appropriate ETL Strategy and Tools</a:t>
             </a:r>
           </a:p>
         </p:txBody>
       </p:sp>
       <p:sp>
         <p:nvSpPr>
-          <p:cNvPr id="7" name="Content Placeholder 2"/>
+          <p:cNvPr id="5" name="Content Placeholder 2"/>
           <p:cNvSpPr txBox="1">
             <a:spLocks/>
           </p:cNvSpPr>
@@ -7669,7 +6137,7 @@
         </p:nvSpPr>
         <p:spPr>
           <a:xfrm>
-            <a:off x="139448" y="862937"/>
+            <a:off x="294570" y="960908"/>
             <a:ext cx="8326259" cy="3124438"/>
           </a:xfrm>
           <a:prstGeom prst="rect">
@@ -7832,16 +6300,84 @@
               <a:defRPr/>
             </a:pPr>
             <a:r>
-              <a:rPr lang="en-US" sz="2300" b="1" dirty="0"/>
-              <a:t>SSIS Data Types</a:t>
-            </a:r>
+              <a:rPr lang="en-US" sz="2000" b="1" dirty="0"/>
+              <a:t>ETL Strategy</a:t>
+            </a:r>
+          </a:p>
+          <a:p>
+            <a:pPr marL="516636" lvl="3" indent="-173736">
+              <a:lnSpc>
+                <a:spcPct val="110000"/>
+              </a:lnSpc>
+              <a:spcBef>
+                <a:spcPts val="0"/>
+              </a:spcBef>
+              <a:spcAft>
+                <a:spcPts val="1300"/>
+              </a:spcAft>
+              <a:buClr>
+                <a:srgbClr val="2FC2D9"/>
+              </a:buClr>
+              <a:defRPr/>
+            </a:pPr>
+            <a:r>
+              <a:rPr lang="en-US" sz="1800" dirty="0"/>
+              <a:t>Defining the architecture for ETL</a:t>
+            </a:r>
+          </a:p>
+          <a:p>
+            <a:pPr marL="516636" lvl="3" indent="-173736">
+              <a:lnSpc>
+                <a:spcPct val="110000"/>
+              </a:lnSpc>
+              <a:spcBef>
+                <a:spcPts val="0"/>
+              </a:spcBef>
+              <a:spcAft>
+                <a:spcPts val="1300"/>
+              </a:spcAft>
+              <a:buClr>
+                <a:srgbClr val="2FC2D9"/>
+              </a:buClr>
+              <a:defRPr/>
+            </a:pPr>
+            <a:r>
+              <a:rPr lang="en-US" sz="1800" dirty="0"/>
+              <a:t>Deciding what to do in the SSIS and what to push down to the database layer</a:t>
+            </a:r>
+            <a:r>
+              <a:rPr lang="en-US" sz="1800" i="1" dirty="0"/>
+              <a:t>	</a:t>
+            </a:r>
+          </a:p>
+          <a:p>
+            <a:pPr marL="516636" lvl="3" indent="-173736">
+              <a:lnSpc>
+                <a:spcPct val="110000"/>
+              </a:lnSpc>
+              <a:spcBef>
+                <a:spcPts val="0"/>
+              </a:spcBef>
+              <a:spcAft>
+                <a:spcPts val="1300"/>
+              </a:spcAft>
+              <a:buClr>
+                <a:srgbClr val="2FC2D9"/>
+              </a:buClr>
+              <a:defRPr/>
+            </a:pPr>
+            <a:r>
+              <a:rPr lang="en-US" sz="1800" dirty="0"/>
+              <a:t>Managing the whole ETL process</a:t>
+            </a:r>
+            <a:endParaRPr lang="en-US" sz="1700" b="1" dirty="0"/>
           </a:p>
         </p:txBody>
       </p:sp>
     </p:spTree>
     <p:extLst>
       <p:ext uri="{BB962C8B-B14F-4D97-AF65-F5344CB8AC3E}">
-        <p14:creationId xmlns:p14="http://schemas.microsoft.com/office/powerpoint/2010/main" val="2347233858"/>
+        <p14:creationId xmlns:p14="http://schemas.microsoft.com/office/powerpoint/2010/main" val="2274578861"/>
       </p:ext>
     </p:extLst>
   </p:cSld>
@@ -7885,22 +6421,16 @@
           </a:bodyPr>
           <a:lstStyle/>
           <a:p>
-            <a:pPr>
-              <a:buClr>
-                <a:schemeClr val="bg1"/>
-              </a:buClr>
-              <a:buSzPct val="140000"/>
-            </a:pPr>
             <a:r>
               <a:rPr lang="en-US" b="1" dirty="0"/>
-              <a:t>Designing and Implementing Data Flow</a:t>
+              <a:t>Determining Appropriate ETL Strategy and Tools</a:t>
             </a:r>
           </a:p>
         </p:txBody>
       </p:sp>
       <p:sp>
         <p:nvSpPr>
-          <p:cNvPr id="6" name="Text Placeholder 4"/>
+          <p:cNvPr id="5" name="Content Placeholder 2"/>
           <p:cNvSpPr txBox="1">
             <a:spLocks/>
           </p:cNvSpPr>
@@ -7908,473 +6438,390 @@
         </p:nvSpPr>
         <p:spPr>
           <a:xfrm>
-            <a:off x="236117" y="907598"/>
-            <a:ext cx="4098686" cy="387798"/>
-          </a:xfrm>
-          <a:prstGeom prst="rect">
-            <a:avLst/>
-          </a:prstGeom>
-          <a:solidFill>
-            <a:srgbClr val="39C2D7"/>
-          </a:solidFill>
-          <a:ln>
-            <a:noFill/>
-          </a:ln>
-        </p:spPr>
-        <p:txBody>
-          <a:bodyPr wrap="none" lIns="68580" tIns="54864" rIns="68580" bIns="54864" anchor="ctr" anchorCtr="0">
-            <a:spAutoFit/>
-          </a:bodyPr>
-          <a:lstStyle>
-            <a:lvl1pPr marL="0" indent="0" algn="l" defTabSz="457200" rtl="0" eaLnBrk="1" latinLnBrk="0" hangingPunct="1">
-              <a:spcBef>
-                <a:spcPts val="0"/>
-              </a:spcBef>
-              <a:buClr>
-                <a:schemeClr val="accent2"/>
-              </a:buClr>
-              <a:buFont typeface="Arial"/>
-              <a:buNone/>
-              <a:defRPr sz="1200" kern="1200">
-                <a:solidFill>
-                  <a:schemeClr val="bg1"/>
-                </a:solidFill>
-                <a:latin typeface="Arial Black"/>
-                <a:ea typeface="+mn-ea"/>
-                <a:cs typeface="Arial Black"/>
-              </a:defRPr>
-            </a:lvl1pPr>
-            <a:lvl2pPr marL="742950" indent="-285750" algn="l" defTabSz="457200" rtl="0" eaLnBrk="1" latinLnBrk="0" hangingPunct="1">
-              <a:spcBef>
-                <a:spcPct val="20000"/>
-              </a:spcBef>
-              <a:buFont typeface="Arial"/>
-              <a:buChar char="–"/>
-              <a:defRPr sz="1800" kern="1200">
-                <a:solidFill>
-                  <a:schemeClr val="tx1"/>
-                </a:solidFill>
-                <a:latin typeface="Trebuchet MS"/>
-                <a:ea typeface="+mn-ea"/>
-                <a:cs typeface="Trebuchet MS"/>
-              </a:defRPr>
-            </a:lvl2pPr>
-            <a:lvl3pPr marL="1143000" indent="-228600" algn="l" defTabSz="457200" rtl="0" eaLnBrk="1" latinLnBrk="0" hangingPunct="1">
-              <a:spcBef>
-                <a:spcPct val="20000"/>
-              </a:spcBef>
-              <a:buFont typeface="Arial"/>
-              <a:buChar char="•"/>
-              <a:defRPr sz="1600" kern="1200">
-                <a:solidFill>
-                  <a:schemeClr val="tx1"/>
-                </a:solidFill>
-                <a:latin typeface="Trebuchet MS"/>
-                <a:ea typeface="+mn-ea"/>
-                <a:cs typeface="Trebuchet MS"/>
-              </a:defRPr>
-            </a:lvl3pPr>
-            <a:lvl4pPr marL="1600200" indent="-228600" algn="l" defTabSz="457200" rtl="0" eaLnBrk="1" latinLnBrk="0" hangingPunct="1">
-              <a:spcBef>
-                <a:spcPct val="20000"/>
-              </a:spcBef>
-              <a:buFont typeface="Arial"/>
-              <a:buChar char="–"/>
-              <a:defRPr sz="1300" kern="1200">
-                <a:solidFill>
-                  <a:schemeClr val="tx1"/>
-                </a:solidFill>
-                <a:latin typeface="Trebuchet MS"/>
-                <a:ea typeface="+mn-ea"/>
-                <a:cs typeface="Trebuchet MS"/>
-              </a:defRPr>
-            </a:lvl4pPr>
-            <a:lvl5pPr marL="2057400" indent="-228600" algn="l" defTabSz="457200" rtl="0" eaLnBrk="1" latinLnBrk="0" hangingPunct="1">
-              <a:spcBef>
-                <a:spcPct val="20000"/>
-              </a:spcBef>
-              <a:buFont typeface="Arial"/>
-              <a:buChar char="»"/>
-              <a:defRPr sz="1100" kern="1200">
-                <a:solidFill>
-                  <a:schemeClr val="tx1"/>
-                </a:solidFill>
-                <a:latin typeface="Trebuchet MS"/>
-                <a:ea typeface="+mn-ea"/>
-                <a:cs typeface="Trebuchet MS"/>
-              </a:defRPr>
-            </a:lvl5pPr>
-            <a:lvl6pPr marL="2514600" indent="-228600" algn="l" defTabSz="457200" rtl="0" eaLnBrk="1" latinLnBrk="0" hangingPunct="1">
-              <a:spcBef>
-                <a:spcPct val="20000"/>
-              </a:spcBef>
-              <a:buFont typeface="Arial"/>
-              <a:buChar char="•"/>
-              <a:defRPr sz="2000" kern="1200">
-                <a:solidFill>
-                  <a:schemeClr val="tx1"/>
-                </a:solidFill>
-                <a:latin typeface="+mn-lt"/>
-                <a:ea typeface="+mn-ea"/>
-                <a:cs typeface="+mn-cs"/>
-              </a:defRPr>
-            </a:lvl6pPr>
-            <a:lvl7pPr marL="2971800" indent="-228600" algn="l" defTabSz="457200" rtl="0" eaLnBrk="1" latinLnBrk="0" hangingPunct="1">
-              <a:spcBef>
-                <a:spcPct val="20000"/>
-              </a:spcBef>
-              <a:buFont typeface="Arial"/>
-              <a:buChar char="•"/>
-              <a:defRPr sz="2000" kern="1200">
-                <a:solidFill>
-                  <a:schemeClr val="tx1"/>
-                </a:solidFill>
-                <a:latin typeface="+mn-lt"/>
-                <a:ea typeface="+mn-ea"/>
-                <a:cs typeface="+mn-cs"/>
-              </a:defRPr>
-            </a:lvl7pPr>
-            <a:lvl8pPr marL="3429000" indent="-228600" algn="l" defTabSz="457200" rtl="0" eaLnBrk="1" latinLnBrk="0" hangingPunct="1">
-              <a:spcBef>
-                <a:spcPct val="20000"/>
-              </a:spcBef>
-              <a:buFont typeface="Arial"/>
-              <a:buChar char="•"/>
-              <a:defRPr sz="2000" kern="1200">
-                <a:solidFill>
-                  <a:schemeClr val="tx1"/>
-                </a:solidFill>
-                <a:latin typeface="+mn-lt"/>
-                <a:ea typeface="+mn-ea"/>
-                <a:cs typeface="+mn-cs"/>
-              </a:defRPr>
-            </a:lvl8pPr>
-            <a:lvl9pPr marL="3886200" indent="-228600" algn="l" defTabSz="457200" rtl="0" eaLnBrk="1" latinLnBrk="0" hangingPunct="1">
-              <a:spcBef>
-                <a:spcPct val="20000"/>
-              </a:spcBef>
-              <a:buFont typeface="Arial"/>
-              <a:buChar char="•"/>
-              <a:defRPr sz="2000" kern="1200">
-                <a:solidFill>
-                  <a:schemeClr val="tx1"/>
-                </a:solidFill>
-                <a:latin typeface="+mn-lt"/>
-                <a:ea typeface="+mn-ea"/>
-                <a:cs typeface="+mn-cs"/>
-              </a:defRPr>
-            </a:lvl9pPr>
-          </a:lstStyle>
-          <a:p>
-            <a:r>
-              <a:rPr lang="en-US" sz="1800" dirty="0"/>
-              <a:t>Using a Lookup Transformation</a:t>
-            </a:r>
-            <a:endParaRPr lang="en-US" sz="1800" b="1" dirty="0"/>
-          </a:p>
-        </p:txBody>
-      </p:sp>
-      <p:sp>
-        <p:nvSpPr>
-          <p:cNvPr id="3" name="Rectangle 2"/>
-          <p:cNvSpPr/>
-          <p:nvPr/>
-        </p:nvSpPr>
-        <p:spPr>
-          <a:xfrm>
-            <a:off x="4182613" y="1583871"/>
-            <a:ext cx="4567019" cy="307777"/>
+            <a:off x="319063" y="699516"/>
+            <a:ext cx="8326259" cy="3124438"/>
           </a:xfrm>
           <a:prstGeom prst="rect">
             <a:avLst/>
           </a:prstGeom>
         </p:spPr>
         <p:txBody>
-          <a:bodyPr wrap="none">
-            <a:spAutoFit/>
-          </a:bodyPr>
-          <a:lstStyle/>
-          <a:p>
-            <a:r>
-              <a:rPr lang="en-US" b="1" dirty="0">
-                <a:latin typeface="Segoe-Bold"/>
-              </a:rPr>
-              <a:t>Lookup Transformation Case Sensitivity and others</a:t>
-            </a:r>
-            <a:endParaRPr lang="en-US" dirty="0"/>
+          <a:bodyPr/>
+          <a:lstStyle>
+            <a:lvl1pPr marL="257175" indent="-257175" algn="l" defTabSz="342900" rtl="0" eaLnBrk="1" latinLnBrk="0" hangingPunct="1">
+              <a:spcBef>
+                <a:spcPct val="20000"/>
+              </a:spcBef>
+              <a:buFont typeface="Arial"/>
+              <a:buChar char="•"/>
+              <a:defRPr sz="2400" kern="1200">
+                <a:solidFill>
+                  <a:schemeClr val="tx1"/>
+                </a:solidFill>
+                <a:latin typeface="+mn-lt"/>
+                <a:ea typeface="+mn-ea"/>
+                <a:cs typeface="+mn-cs"/>
+              </a:defRPr>
+            </a:lvl1pPr>
+            <a:lvl2pPr marL="557213" indent="-214313" algn="l" defTabSz="342900" rtl="0" eaLnBrk="1" latinLnBrk="0" hangingPunct="1">
+              <a:spcBef>
+                <a:spcPct val="20000"/>
+              </a:spcBef>
+              <a:buFont typeface="Arial"/>
+              <a:buChar char="–"/>
+              <a:defRPr sz="2100" kern="1200">
+                <a:solidFill>
+                  <a:schemeClr val="tx1"/>
+                </a:solidFill>
+                <a:latin typeface="+mn-lt"/>
+                <a:ea typeface="+mn-ea"/>
+                <a:cs typeface="+mn-cs"/>
+              </a:defRPr>
+            </a:lvl2pPr>
+            <a:lvl3pPr marL="857250" indent="-171450" algn="l" defTabSz="342900" rtl="0" eaLnBrk="1" latinLnBrk="0" hangingPunct="1">
+              <a:spcBef>
+                <a:spcPct val="20000"/>
+              </a:spcBef>
+              <a:buFont typeface="Arial"/>
+              <a:buChar char="•"/>
+              <a:defRPr sz="1800" kern="1200">
+                <a:solidFill>
+                  <a:schemeClr val="tx1"/>
+                </a:solidFill>
+                <a:latin typeface="+mn-lt"/>
+                <a:ea typeface="+mn-ea"/>
+                <a:cs typeface="+mn-cs"/>
+              </a:defRPr>
+            </a:lvl3pPr>
+            <a:lvl4pPr marL="1200150" indent="-171450" algn="l" defTabSz="342900" rtl="0" eaLnBrk="1" latinLnBrk="0" hangingPunct="1">
+              <a:spcBef>
+                <a:spcPct val="20000"/>
+              </a:spcBef>
+              <a:buFont typeface="Arial"/>
+              <a:buChar char="–"/>
+              <a:defRPr sz="1500" kern="1200">
+                <a:solidFill>
+                  <a:schemeClr val="tx1"/>
+                </a:solidFill>
+                <a:latin typeface="+mn-lt"/>
+                <a:ea typeface="+mn-ea"/>
+                <a:cs typeface="+mn-cs"/>
+              </a:defRPr>
+            </a:lvl4pPr>
+            <a:lvl5pPr marL="1543050" indent="-171450" algn="l" defTabSz="342900" rtl="0" eaLnBrk="1" latinLnBrk="0" hangingPunct="1">
+              <a:spcBef>
+                <a:spcPct val="20000"/>
+              </a:spcBef>
+              <a:buFont typeface="Arial"/>
+              <a:buChar char="»"/>
+              <a:defRPr sz="1500" kern="1200">
+                <a:solidFill>
+                  <a:schemeClr val="tx1"/>
+                </a:solidFill>
+                <a:latin typeface="+mn-lt"/>
+                <a:ea typeface="+mn-ea"/>
+                <a:cs typeface="+mn-cs"/>
+              </a:defRPr>
+            </a:lvl5pPr>
+            <a:lvl6pPr marL="1885950" indent="-171450" algn="l" defTabSz="342900" rtl="0" eaLnBrk="1" latinLnBrk="0" hangingPunct="1">
+              <a:spcBef>
+                <a:spcPct val="20000"/>
+              </a:spcBef>
+              <a:buFont typeface="Arial"/>
+              <a:buChar char="•"/>
+              <a:defRPr sz="1500" kern="1200">
+                <a:solidFill>
+                  <a:schemeClr val="tx1"/>
+                </a:solidFill>
+                <a:latin typeface="+mn-lt"/>
+                <a:ea typeface="+mn-ea"/>
+                <a:cs typeface="+mn-cs"/>
+              </a:defRPr>
+            </a:lvl6pPr>
+            <a:lvl7pPr marL="2228850" indent="-171450" algn="l" defTabSz="342900" rtl="0" eaLnBrk="1" latinLnBrk="0" hangingPunct="1">
+              <a:spcBef>
+                <a:spcPct val="20000"/>
+              </a:spcBef>
+              <a:buFont typeface="Arial"/>
+              <a:buChar char="•"/>
+              <a:defRPr sz="1500" kern="1200">
+                <a:solidFill>
+                  <a:schemeClr val="tx1"/>
+                </a:solidFill>
+                <a:latin typeface="+mn-lt"/>
+                <a:ea typeface="+mn-ea"/>
+                <a:cs typeface="+mn-cs"/>
+              </a:defRPr>
+            </a:lvl7pPr>
+            <a:lvl8pPr marL="2571750" indent="-171450" algn="l" defTabSz="342900" rtl="0" eaLnBrk="1" latinLnBrk="0" hangingPunct="1">
+              <a:spcBef>
+                <a:spcPct val="20000"/>
+              </a:spcBef>
+              <a:buFont typeface="Arial"/>
+              <a:buChar char="•"/>
+              <a:defRPr sz="1500" kern="1200">
+                <a:solidFill>
+                  <a:schemeClr val="tx1"/>
+                </a:solidFill>
+                <a:latin typeface="+mn-lt"/>
+                <a:ea typeface="+mn-ea"/>
+                <a:cs typeface="+mn-cs"/>
+              </a:defRPr>
+            </a:lvl8pPr>
+            <a:lvl9pPr marL="2914650" indent="-171450" algn="l" defTabSz="342900" rtl="0" eaLnBrk="1" latinLnBrk="0" hangingPunct="1">
+              <a:spcBef>
+                <a:spcPct val="20000"/>
+              </a:spcBef>
+              <a:buFont typeface="Arial"/>
+              <a:buChar char="•"/>
+              <a:defRPr sz="1500" kern="1200">
+                <a:solidFill>
+                  <a:schemeClr val="tx1"/>
+                </a:solidFill>
+                <a:latin typeface="+mn-lt"/>
+                <a:ea typeface="+mn-ea"/>
+                <a:cs typeface="+mn-cs"/>
+              </a:defRPr>
+            </a:lvl9pPr>
+          </a:lstStyle>
+          <a:p>
+            <a:pPr marL="173736" lvl="2" indent="-173736">
+              <a:lnSpc>
+                <a:spcPct val="110000"/>
+              </a:lnSpc>
+              <a:spcBef>
+                <a:spcPts val="0"/>
+              </a:spcBef>
+              <a:spcAft>
+                <a:spcPts val="1300"/>
+              </a:spcAft>
+              <a:buClr>
+                <a:srgbClr val="2FC2D9"/>
+              </a:buClr>
+              <a:defRPr/>
+            </a:pPr>
+            <a:r>
+              <a:rPr lang="en-US" sz="2000" b="1" dirty="0"/>
+              <a:t>ETL Architecture</a:t>
+            </a:r>
+          </a:p>
+          <a:p>
+            <a:pPr marL="516636" lvl="3" indent="-173736">
+              <a:lnSpc>
+                <a:spcPct val="110000"/>
+              </a:lnSpc>
+              <a:spcBef>
+                <a:spcPts val="0"/>
+              </a:spcBef>
+              <a:spcAft>
+                <a:spcPts val="1300"/>
+              </a:spcAft>
+              <a:buClr>
+                <a:srgbClr val="2FC2D9"/>
+              </a:buClr>
+              <a:defRPr/>
+            </a:pPr>
+            <a:r>
+              <a:rPr lang="en-US" sz="1200" dirty="0"/>
+              <a:t>Extract the data (process)</a:t>
+            </a:r>
+          </a:p>
+          <a:p>
+            <a:pPr marL="516636" lvl="3" indent="-173736">
+              <a:lnSpc>
+                <a:spcPct val="110000"/>
+              </a:lnSpc>
+              <a:spcBef>
+                <a:spcPts val="0"/>
+              </a:spcBef>
+              <a:spcAft>
+                <a:spcPts val="1300"/>
+              </a:spcAft>
+              <a:buClr>
+                <a:srgbClr val="2FC2D9"/>
+              </a:buClr>
+              <a:defRPr/>
+            </a:pPr>
+            <a:r>
+              <a:rPr lang="en-US" sz="1200" dirty="0"/>
+              <a:t>Initial Staging (landing zone)</a:t>
+            </a:r>
+          </a:p>
+          <a:p>
+            <a:pPr marL="516636" lvl="3" indent="-173736">
+              <a:lnSpc>
+                <a:spcPct val="110000"/>
+              </a:lnSpc>
+              <a:spcBef>
+                <a:spcPts val="0"/>
+              </a:spcBef>
+              <a:spcAft>
+                <a:spcPts val="1300"/>
+              </a:spcAft>
+              <a:buClr>
+                <a:srgbClr val="2FC2D9"/>
+              </a:buClr>
+              <a:defRPr/>
+            </a:pPr>
+            <a:r>
+              <a:rPr lang="en-US" sz="1200" dirty="0"/>
+              <a:t>Data Quality (process)</a:t>
+            </a:r>
+          </a:p>
+          <a:p>
+            <a:pPr marL="516636" lvl="3" indent="-173736">
+              <a:lnSpc>
+                <a:spcPct val="110000"/>
+              </a:lnSpc>
+              <a:spcBef>
+                <a:spcPts val="0"/>
+              </a:spcBef>
+              <a:spcAft>
+                <a:spcPts val="1300"/>
+              </a:spcAft>
+              <a:buClr>
+                <a:srgbClr val="2FC2D9"/>
+              </a:buClr>
+              <a:defRPr/>
+            </a:pPr>
+            <a:r>
+              <a:rPr lang="en-US" sz="1200" dirty="0"/>
+              <a:t>Clean Staging (landing zone)</a:t>
+            </a:r>
+          </a:p>
+          <a:p>
+            <a:pPr marL="516636" lvl="3" indent="-173736">
+              <a:lnSpc>
+                <a:spcPct val="110000"/>
+              </a:lnSpc>
+              <a:spcBef>
+                <a:spcPts val="0"/>
+              </a:spcBef>
+              <a:spcAft>
+                <a:spcPts val="1300"/>
+              </a:spcAft>
+              <a:buClr>
+                <a:srgbClr val="2FC2D9"/>
+              </a:buClr>
+              <a:defRPr/>
+            </a:pPr>
+            <a:r>
+              <a:rPr lang="en-US" sz="1200" dirty="0"/>
+              <a:t>Transformation (process)</a:t>
+            </a:r>
+          </a:p>
+          <a:p>
+            <a:pPr marL="516636" lvl="3" indent="-173736">
+              <a:lnSpc>
+                <a:spcPct val="110000"/>
+              </a:lnSpc>
+              <a:spcBef>
+                <a:spcPts val="0"/>
+              </a:spcBef>
+              <a:spcAft>
+                <a:spcPts val="1300"/>
+              </a:spcAft>
+              <a:buClr>
+                <a:srgbClr val="2FC2D9"/>
+              </a:buClr>
+              <a:defRPr/>
+            </a:pPr>
+            <a:r>
+              <a:rPr lang="en-US" sz="1200" dirty="0"/>
+              <a:t>Load-ready Publish (landing zone)</a:t>
+            </a:r>
+          </a:p>
+          <a:p>
+            <a:pPr marL="516636" lvl="3" indent="-173736">
+              <a:lnSpc>
+                <a:spcPct val="110000"/>
+              </a:lnSpc>
+              <a:spcBef>
+                <a:spcPts val="0"/>
+              </a:spcBef>
+              <a:spcAft>
+                <a:spcPts val="1300"/>
+              </a:spcAft>
+              <a:buClr>
+                <a:srgbClr val="2FC2D9"/>
+              </a:buClr>
+              <a:defRPr/>
+            </a:pPr>
+            <a:r>
+              <a:rPr lang="en-US" sz="1200" dirty="0"/>
+              <a:t>Load Enterprise Data Warehouse (process)</a:t>
+            </a:r>
+          </a:p>
+          <a:p>
+            <a:pPr marL="516636" lvl="3" indent="-173736">
+              <a:lnSpc>
+                <a:spcPct val="110000"/>
+              </a:lnSpc>
+              <a:spcBef>
+                <a:spcPts val="0"/>
+              </a:spcBef>
+              <a:spcAft>
+                <a:spcPts val="1300"/>
+              </a:spcAft>
+              <a:buClr>
+                <a:srgbClr val="2FC2D9"/>
+              </a:buClr>
+              <a:defRPr/>
+            </a:pPr>
+            <a:r>
+              <a:rPr lang="en-US" sz="1200" dirty="0"/>
+              <a:t>Enterprise Data Warehouse (landing zone)</a:t>
+            </a:r>
+          </a:p>
+          <a:p>
+            <a:pPr marL="516636" lvl="3" indent="-173736">
+              <a:lnSpc>
+                <a:spcPct val="110000"/>
+              </a:lnSpc>
+              <a:spcBef>
+                <a:spcPts val="0"/>
+              </a:spcBef>
+              <a:spcAft>
+                <a:spcPts val="1300"/>
+              </a:spcAft>
+              <a:buClr>
+                <a:srgbClr val="2FC2D9"/>
+              </a:buClr>
+              <a:defRPr/>
+            </a:pPr>
+            <a:r>
+              <a:rPr lang="en-US" sz="1200" dirty="0"/>
+              <a:t>Load Data Marts (process)</a:t>
+            </a:r>
+          </a:p>
+          <a:p>
+            <a:pPr marL="516636" lvl="3" indent="-173736">
+              <a:lnSpc>
+                <a:spcPct val="110000"/>
+              </a:lnSpc>
+              <a:spcBef>
+                <a:spcPts val="0"/>
+              </a:spcBef>
+              <a:spcAft>
+                <a:spcPts val="1300"/>
+              </a:spcAft>
+              <a:buClr>
+                <a:srgbClr val="2FC2D9"/>
+              </a:buClr>
+              <a:defRPr/>
+            </a:pPr>
+            <a:r>
+              <a:rPr lang="en-US" sz="1200" dirty="0"/>
+              <a:t>Data Marts (landing zone)</a:t>
+            </a:r>
+            <a:endParaRPr lang="en-US" sz="1200" b="1" dirty="0"/>
           </a:p>
         </p:txBody>
       </p:sp>
-      <p:pic>
-        <p:nvPicPr>
-          <p:cNvPr id="5" name="Picture 4"/>
-          <p:cNvPicPr>
-            <a:picLocks noChangeAspect="1"/>
-          </p:cNvPicPr>
-          <p:nvPr/>
-        </p:nvPicPr>
-        <p:blipFill>
-          <a:blip r:embed="rId3"/>
-          <a:stretch>
-            <a:fillRect/>
-          </a:stretch>
-        </p:blipFill>
-        <p:spPr>
-          <a:xfrm>
-            <a:off x="236117" y="1583871"/>
-            <a:ext cx="3053611" cy="2542510"/>
-          </a:xfrm>
-          <a:prstGeom prst="rect">
-            <a:avLst/>
-          </a:prstGeom>
-        </p:spPr>
-      </p:pic>
     </p:spTree>
     <p:extLst>
       <p:ext uri="{BB962C8B-B14F-4D97-AF65-F5344CB8AC3E}">
-        <p14:creationId xmlns:p14="http://schemas.microsoft.com/office/powerpoint/2010/main" val="1424264268"/>
-      </p:ext>
-    </p:extLst>
-  </p:cSld>
-  <p:clrMapOvr>
-    <a:masterClrMapping/>
-  </p:clrMapOvr>
-</p:sld>
-</file>
-
-<file path=ppt/slides/slide19.xml><?xml version="1.0" encoding="utf-8"?>
-<p:sld xmlns:a="http://schemas.openxmlformats.org/drawingml/2006/main" xmlns:r="http://schemas.openxmlformats.org/officeDocument/2006/relationships" xmlns:p="http://schemas.openxmlformats.org/presentationml/2006/main">
-  <p:cSld>
-    <p:spTree>
-      <p:nvGrpSpPr>
-        <p:cNvPr id="1" name=""/>
-        <p:cNvGrpSpPr/>
-        <p:nvPr/>
-      </p:nvGrpSpPr>
-      <p:grpSpPr>
-        <a:xfrm>
-          <a:off x="0" y="0"/>
-          <a:ext cx="0" cy="0"/>
-          <a:chOff x="0" y="0"/>
-          <a:chExt cx="0" cy="0"/>
-        </a:xfrm>
-      </p:grpSpPr>
-      <p:sp>
-        <p:nvSpPr>
-          <p:cNvPr id="13" name="Text Placeholder 12"/>
-          <p:cNvSpPr>
-            <a:spLocks noGrp="1"/>
-          </p:cNvSpPr>
-          <p:nvPr>
-            <p:ph type="body" sz="quarter" idx="10"/>
-          </p:nvPr>
-        </p:nvSpPr>
-        <p:spPr/>
-        <p:txBody>
-          <a:bodyPr>
-            <a:normAutofit/>
-          </a:bodyPr>
-          <a:lstStyle/>
-          <a:p>
-            <a:pPr>
-              <a:buClr>
-                <a:schemeClr val="bg1"/>
-              </a:buClr>
-              <a:buSzPct val="140000"/>
-            </a:pPr>
-            <a:r>
-              <a:rPr lang="en-US" b="1" dirty="0"/>
-              <a:t>Designing and Implementing Data Flow</a:t>
-            </a:r>
-          </a:p>
-        </p:txBody>
-      </p:sp>
-      <p:sp>
-        <p:nvSpPr>
-          <p:cNvPr id="6" name="Text Placeholder 4"/>
-          <p:cNvSpPr txBox="1">
-            <a:spLocks/>
-          </p:cNvSpPr>
-          <p:nvPr/>
-        </p:nvSpPr>
-        <p:spPr>
-          <a:xfrm>
-            <a:off x="236117" y="769100"/>
-            <a:ext cx="7712624" cy="664797"/>
-          </a:xfrm>
-          <a:prstGeom prst="rect">
-            <a:avLst/>
-          </a:prstGeom>
-          <a:solidFill>
-            <a:srgbClr val="39C2D7"/>
-          </a:solidFill>
-          <a:ln>
-            <a:noFill/>
-          </a:ln>
-        </p:spPr>
-        <p:txBody>
-          <a:bodyPr wrap="none" lIns="68580" tIns="54864" rIns="68580" bIns="54864" anchor="ctr" anchorCtr="0">
-            <a:spAutoFit/>
-          </a:bodyPr>
-          <a:lstStyle>
-            <a:lvl1pPr marL="0" indent="0" algn="l" defTabSz="457200" rtl="0" eaLnBrk="1" latinLnBrk="0" hangingPunct="1">
-              <a:spcBef>
-                <a:spcPts val="0"/>
-              </a:spcBef>
-              <a:buClr>
-                <a:schemeClr val="accent2"/>
-              </a:buClr>
-              <a:buFont typeface="Arial"/>
-              <a:buNone/>
-              <a:defRPr sz="1200" kern="1200">
-                <a:solidFill>
-                  <a:schemeClr val="bg1"/>
-                </a:solidFill>
-                <a:latin typeface="Arial Black"/>
-                <a:ea typeface="+mn-ea"/>
-                <a:cs typeface="Arial Black"/>
-              </a:defRPr>
-            </a:lvl1pPr>
-            <a:lvl2pPr marL="742950" indent="-285750" algn="l" defTabSz="457200" rtl="0" eaLnBrk="1" latinLnBrk="0" hangingPunct="1">
-              <a:spcBef>
-                <a:spcPct val="20000"/>
-              </a:spcBef>
-              <a:buFont typeface="Arial"/>
-              <a:buChar char="–"/>
-              <a:defRPr sz="1800" kern="1200">
-                <a:solidFill>
-                  <a:schemeClr val="tx1"/>
-                </a:solidFill>
-                <a:latin typeface="Trebuchet MS"/>
-                <a:ea typeface="+mn-ea"/>
-                <a:cs typeface="Trebuchet MS"/>
-              </a:defRPr>
-            </a:lvl2pPr>
-            <a:lvl3pPr marL="1143000" indent="-228600" algn="l" defTabSz="457200" rtl="0" eaLnBrk="1" latinLnBrk="0" hangingPunct="1">
-              <a:spcBef>
-                <a:spcPct val="20000"/>
-              </a:spcBef>
-              <a:buFont typeface="Arial"/>
-              <a:buChar char="•"/>
-              <a:defRPr sz="1600" kern="1200">
-                <a:solidFill>
-                  <a:schemeClr val="tx1"/>
-                </a:solidFill>
-                <a:latin typeface="Trebuchet MS"/>
-                <a:ea typeface="+mn-ea"/>
-                <a:cs typeface="Trebuchet MS"/>
-              </a:defRPr>
-            </a:lvl3pPr>
-            <a:lvl4pPr marL="1600200" indent="-228600" algn="l" defTabSz="457200" rtl="0" eaLnBrk="1" latinLnBrk="0" hangingPunct="1">
-              <a:spcBef>
-                <a:spcPct val="20000"/>
-              </a:spcBef>
-              <a:buFont typeface="Arial"/>
-              <a:buChar char="–"/>
-              <a:defRPr sz="1300" kern="1200">
-                <a:solidFill>
-                  <a:schemeClr val="tx1"/>
-                </a:solidFill>
-                <a:latin typeface="Trebuchet MS"/>
-                <a:ea typeface="+mn-ea"/>
-                <a:cs typeface="Trebuchet MS"/>
-              </a:defRPr>
-            </a:lvl4pPr>
-            <a:lvl5pPr marL="2057400" indent="-228600" algn="l" defTabSz="457200" rtl="0" eaLnBrk="1" latinLnBrk="0" hangingPunct="1">
-              <a:spcBef>
-                <a:spcPct val="20000"/>
-              </a:spcBef>
-              <a:buFont typeface="Arial"/>
-              <a:buChar char="»"/>
-              <a:defRPr sz="1100" kern="1200">
-                <a:solidFill>
-                  <a:schemeClr val="tx1"/>
-                </a:solidFill>
-                <a:latin typeface="Trebuchet MS"/>
-                <a:ea typeface="+mn-ea"/>
-                <a:cs typeface="Trebuchet MS"/>
-              </a:defRPr>
-            </a:lvl5pPr>
-            <a:lvl6pPr marL="2514600" indent="-228600" algn="l" defTabSz="457200" rtl="0" eaLnBrk="1" latinLnBrk="0" hangingPunct="1">
-              <a:spcBef>
-                <a:spcPct val="20000"/>
-              </a:spcBef>
-              <a:buFont typeface="Arial"/>
-              <a:buChar char="•"/>
-              <a:defRPr sz="2000" kern="1200">
-                <a:solidFill>
-                  <a:schemeClr val="tx1"/>
-                </a:solidFill>
-                <a:latin typeface="+mn-lt"/>
-                <a:ea typeface="+mn-ea"/>
-                <a:cs typeface="+mn-cs"/>
-              </a:defRPr>
-            </a:lvl6pPr>
-            <a:lvl7pPr marL="2971800" indent="-228600" algn="l" defTabSz="457200" rtl="0" eaLnBrk="1" latinLnBrk="0" hangingPunct="1">
-              <a:spcBef>
-                <a:spcPct val="20000"/>
-              </a:spcBef>
-              <a:buFont typeface="Arial"/>
-              <a:buChar char="•"/>
-              <a:defRPr sz="2000" kern="1200">
-                <a:solidFill>
-                  <a:schemeClr val="tx1"/>
-                </a:solidFill>
-                <a:latin typeface="+mn-lt"/>
-                <a:ea typeface="+mn-ea"/>
-                <a:cs typeface="+mn-cs"/>
-              </a:defRPr>
-            </a:lvl7pPr>
-            <a:lvl8pPr marL="3429000" indent="-228600" algn="l" defTabSz="457200" rtl="0" eaLnBrk="1" latinLnBrk="0" hangingPunct="1">
-              <a:spcBef>
-                <a:spcPct val="20000"/>
-              </a:spcBef>
-              <a:buFont typeface="Arial"/>
-              <a:buChar char="•"/>
-              <a:defRPr sz="2000" kern="1200">
-                <a:solidFill>
-                  <a:schemeClr val="tx1"/>
-                </a:solidFill>
-                <a:latin typeface="+mn-lt"/>
-                <a:ea typeface="+mn-ea"/>
-                <a:cs typeface="+mn-cs"/>
-              </a:defRPr>
-            </a:lvl8pPr>
-            <a:lvl9pPr marL="3886200" indent="-228600" algn="l" defTabSz="457200" rtl="0" eaLnBrk="1" latinLnBrk="0" hangingPunct="1">
-              <a:spcBef>
-                <a:spcPct val="20000"/>
-              </a:spcBef>
-              <a:buFont typeface="Arial"/>
-              <a:buChar char="•"/>
-              <a:defRPr sz="2000" kern="1200">
-                <a:solidFill>
-                  <a:schemeClr val="tx1"/>
-                </a:solidFill>
-                <a:latin typeface="+mn-lt"/>
-                <a:ea typeface="+mn-ea"/>
-                <a:cs typeface="+mn-cs"/>
-              </a:defRPr>
-            </a:lvl9pPr>
-          </a:lstStyle>
-          <a:p>
-            <a:r>
-              <a:rPr lang="en-US" sz="1800" dirty="0"/>
-              <a:t>Using the Cache Transform Transformation with the Lookup</a:t>
-            </a:r>
-          </a:p>
-          <a:p>
-            <a:r>
-              <a:rPr lang="en-US" sz="1800" dirty="0"/>
-              <a:t>Transformation</a:t>
-            </a:r>
-            <a:endParaRPr lang="en-US" sz="1800" b="1" dirty="0"/>
-          </a:p>
-        </p:txBody>
-      </p:sp>
-    </p:spTree>
-    <p:extLst>
-      <p:ext uri="{BB962C8B-B14F-4D97-AF65-F5344CB8AC3E}">
-        <p14:creationId xmlns:p14="http://schemas.microsoft.com/office/powerpoint/2010/main" val="3236834230"/>
+        <p14:creationId xmlns:p14="http://schemas.microsoft.com/office/powerpoint/2010/main" val="3023709748"/>
       </p:ext>
     </p:extLst>
   </p:cSld>
@@ -9277,2832 +7724,6 @@
     <p:extLst>
       <p:ext uri="{BB962C8B-B14F-4D97-AF65-F5344CB8AC3E}">
         <p14:creationId xmlns:p14="http://schemas.microsoft.com/office/powerpoint/2010/main" val="1632982961"/>
-      </p:ext>
-    </p:extLst>
-  </p:cSld>
-  <p:clrMapOvr>
-    <a:masterClrMapping/>
-  </p:clrMapOvr>
-</p:sld>
-</file>
-
-<file path=ppt/slides/slide20.xml><?xml version="1.0" encoding="utf-8"?>
-<p:sld xmlns:a="http://schemas.openxmlformats.org/drawingml/2006/main" xmlns:r="http://schemas.openxmlformats.org/officeDocument/2006/relationships" xmlns:p="http://schemas.openxmlformats.org/presentationml/2006/main">
-  <p:cSld>
-    <p:spTree>
-      <p:nvGrpSpPr>
-        <p:cNvPr id="1" name=""/>
-        <p:cNvGrpSpPr/>
-        <p:nvPr/>
-      </p:nvGrpSpPr>
-      <p:grpSpPr>
-        <a:xfrm>
-          <a:off x="0" y="0"/>
-          <a:ext cx="0" cy="0"/>
-          <a:chOff x="0" y="0"/>
-          <a:chExt cx="0" cy="0"/>
-        </a:xfrm>
-      </p:grpSpPr>
-      <p:sp>
-        <p:nvSpPr>
-          <p:cNvPr id="13" name="Text Placeholder 12"/>
-          <p:cNvSpPr>
-            <a:spLocks noGrp="1"/>
-          </p:cNvSpPr>
-          <p:nvPr>
-            <p:ph type="body" sz="quarter" idx="10"/>
-          </p:nvPr>
-        </p:nvSpPr>
-        <p:spPr/>
-        <p:txBody>
-          <a:bodyPr>
-            <a:normAutofit/>
-          </a:bodyPr>
-          <a:lstStyle/>
-          <a:p>
-            <a:pPr>
-              <a:buClr>
-                <a:schemeClr val="bg1"/>
-              </a:buClr>
-              <a:buSzPct val="140000"/>
-            </a:pPr>
-            <a:r>
-              <a:rPr lang="en-US" b="1" dirty="0"/>
-              <a:t>Designing and Implementing Data Flow</a:t>
-            </a:r>
-          </a:p>
-        </p:txBody>
-      </p:sp>
-      <p:sp>
-        <p:nvSpPr>
-          <p:cNvPr id="6" name="Text Placeholder 4"/>
-          <p:cNvSpPr txBox="1">
-            <a:spLocks/>
-          </p:cNvSpPr>
-          <p:nvPr/>
-        </p:nvSpPr>
-        <p:spPr>
-          <a:xfrm>
-            <a:off x="236117" y="907599"/>
-            <a:ext cx="2210670" cy="387798"/>
-          </a:xfrm>
-          <a:prstGeom prst="rect">
-            <a:avLst/>
-          </a:prstGeom>
-          <a:solidFill>
-            <a:srgbClr val="39C2D7"/>
-          </a:solidFill>
-          <a:ln>
-            <a:noFill/>
-          </a:ln>
-        </p:spPr>
-        <p:txBody>
-          <a:bodyPr wrap="none" lIns="68580" tIns="54864" rIns="68580" bIns="54864" anchor="ctr" anchorCtr="0">
-            <a:spAutoFit/>
-          </a:bodyPr>
-          <a:lstStyle>
-            <a:lvl1pPr marL="0" indent="0" algn="l" defTabSz="457200" rtl="0" eaLnBrk="1" latinLnBrk="0" hangingPunct="1">
-              <a:spcBef>
-                <a:spcPts val="0"/>
-              </a:spcBef>
-              <a:buClr>
-                <a:schemeClr val="accent2"/>
-              </a:buClr>
-              <a:buFont typeface="Arial"/>
-              <a:buNone/>
-              <a:defRPr sz="1200" kern="1200">
-                <a:solidFill>
-                  <a:schemeClr val="bg1"/>
-                </a:solidFill>
-                <a:latin typeface="Arial Black"/>
-                <a:ea typeface="+mn-ea"/>
-                <a:cs typeface="Arial Black"/>
-              </a:defRPr>
-            </a:lvl1pPr>
-            <a:lvl2pPr marL="742950" indent="-285750" algn="l" defTabSz="457200" rtl="0" eaLnBrk="1" latinLnBrk="0" hangingPunct="1">
-              <a:spcBef>
-                <a:spcPct val="20000"/>
-              </a:spcBef>
-              <a:buFont typeface="Arial"/>
-              <a:buChar char="–"/>
-              <a:defRPr sz="1800" kern="1200">
-                <a:solidFill>
-                  <a:schemeClr val="tx1"/>
-                </a:solidFill>
-                <a:latin typeface="Trebuchet MS"/>
-                <a:ea typeface="+mn-ea"/>
-                <a:cs typeface="Trebuchet MS"/>
-              </a:defRPr>
-            </a:lvl2pPr>
-            <a:lvl3pPr marL="1143000" indent="-228600" algn="l" defTabSz="457200" rtl="0" eaLnBrk="1" latinLnBrk="0" hangingPunct="1">
-              <a:spcBef>
-                <a:spcPct val="20000"/>
-              </a:spcBef>
-              <a:buFont typeface="Arial"/>
-              <a:buChar char="•"/>
-              <a:defRPr sz="1600" kern="1200">
-                <a:solidFill>
-                  <a:schemeClr val="tx1"/>
-                </a:solidFill>
-                <a:latin typeface="Trebuchet MS"/>
-                <a:ea typeface="+mn-ea"/>
-                <a:cs typeface="Trebuchet MS"/>
-              </a:defRPr>
-            </a:lvl3pPr>
-            <a:lvl4pPr marL="1600200" indent="-228600" algn="l" defTabSz="457200" rtl="0" eaLnBrk="1" latinLnBrk="0" hangingPunct="1">
-              <a:spcBef>
-                <a:spcPct val="20000"/>
-              </a:spcBef>
-              <a:buFont typeface="Arial"/>
-              <a:buChar char="–"/>
-              <a:defRPr sz="1300" kern="1200">
-                <a:solidFill>
-                  <a:schemeClr val="tx1"/>
-                </a:solidFill>
-                <a:latin typeface="Trebuchet MS"/>
-                <a:ea typeface="+mn-ea"/>
-                <a:cs typeface="Trebuchet MS"/>
-              </a:defRPr>
-            </a:lvl4pPr>
-            <a:lvl5pPr marL="2057400" indent="-228600" algn="l" defTabSz="457200" rtl="0" eaLnBrk="1" latinLnBrk="0" hangingPunct="1">
-              <a:spcBef>
-                <a:spcPct val="20000"/>
-              </a:spcBef>
-              <a:buFont typeface="Arial"/>
-              <a:buChar char="»"/>
-              <a:defRPr sz="1100" kern="1200">
-                <a:solidFill>
-                  <a:schemeClr val="tx1"/>
-                </a:solidFill>
-                <a:latin typeface="Trebuchet MS"/>
-                <a:ea typeface="+mn-ea"/>
-                <a:cs typeface="Trebuchet MS"/>
-              </a:defRPr>
-            </a:lvl5pPr>
-            <a:lvl6pPr marL="2514600" indent="-228600" algn="l" defTabSz="457200" rtl="0" eaLnBrk="1" latinLnBrk="0" hangingPunct="1">
-              <a:spcBef>
-                <a:spcPct val="20000"/>
-              </a:spcBef>
-              <a:buFont typeface="Arial"/>
-              <a:buChar char="•"/>
-              <a:defRPr sz="2000" kern="1200">
-                <a:solidFill>
-                  <a:schemeClr val="tx1"/>
-                </a:solidFill>
-                <a:latin typeface="+mn-lt"/>
-                <a:ea typeface="+mn-ea"/>
-                <a:cs typeface="+mn-cs"/>
-              </a:defRPr>
-            </a:lvl6pPr>
-            <a:lvl7pPr marL="2971800" indent="-228600" algn="l" defTabSz="457200" rtl="0" eaLnBrk="1" latinLnBrk="0" hangingPunct="1">
-              <a:spcBef>
-                <a:spcPct val="20000"/>
-              </a:spcBef>
-              <a:buFont typeface="Arial"/>
-              <a:buChar char="•"/>
-              <a:defRPr sz="2000" kern="1200">
-                <a:solidFill>
-                  <a:schemeClr val="tx1"/>
-                </a:solidFill>
-                <a:latin typeface="+mn-lt"/>
-                <a:ea typeface="+mn-ea"/>
-                <a:cs typeface="+mn-cs"/>
-              </a:defRPr>
-            </a:lvl7pPr>
-            <a:lvl8pPr marL="3429000" indent="-228600" algn="l" defTabSz="457200" rtl="0" eaLnBrk="1" latinLnBrk="0" hangingPunct="1">
-              <a:spcBef>
-                <a:spcPct val="20000"/>
-              </a:spcBef>
-              <a:buFont typeface="Arial"/>
-              <a:buChar char="•"/>
-              <a:defRPr sz="2000" kern="1200">
-                <a:solidFill>
-                  <a:schemeClr val="tx1"/>
-                </a:solidFill>
-                <a:latin typeface="+mn-lt"/>
-                <a:ea typeface="+mn-ea"/>
-                <a:cs typeface="+mn-cs"/>
-              </a:defRPr>
-            </a:lvl8pPr>
-            <a:lvl9pPr marL="3886200" indent="-228600" algn="l" defTabSz="457200" rtl="0" eaLnBrk="1" latinLnBrk="0" hangingPunct="1">
-              <a:spcBef>
-                <a:spcPct val="20000"/>
-              </a:spcBef>
-              <a:buFont typeface="Arial"/>
-              <a:buChar char="•"/>
-              <a:defRPr sz="2000" kern="1200">
-                <a:solidFill>
-                  <a:schemeClr val="tx1"/>
-                </a:solidFill>
-                <a:latin typeface="+mn-lt"/>
-                <a:ea typeface="+mn-ea"/>
-                <a:cs typeface="+mn-cs"/>
-              </a:defRPr>
-            </a:lvl9pPr>
-          </a:lstStyle>
-          <a:p>
-            <a:r>
-              <a:rPr lang="en-US" sz="1800" dirty="0"/>
-              <a:t>Sorting the Data</a:t>
-            </a:r>
-            <a:endParaRPr lang="en-US" sz="1800" b="1" dirty="0"/>
-          </a:p>
-        </p:txBody>
-      </p:sp>
-      <p:sp>
-        <p:nvSpPr>
-          <p:cNvPr id="4" name="Text Placeholder 4"/>
-          <p:cNvSpPr txBox="1">
-            <a:spLocks/>
-          </p:cNvSpPr>
-          <p:nvPr/>
-        </p:nvSpPr>
-        <p:spPr>
-          <a:xfrm>
-            <a:off x="236117" y="1933577"/>
-            <a:ext cx="2340256" cy="387798"/>
-          </a:xfrm>
-          <a:prstGeom prst="rect">
-            <a:avLst/>
-          </a:prstGeom>
-          <a:solidFill>
-            <a:srgbClr val="39C2D7"/>
-          </a:solidFill>
-          <a:ln>
-            <a:noFill/>
-          </a:ln>
-        </p:spPr>
-        <p:txBody>
-          <a:bodyPr wrap="none" lIns="68580" tIns="54864" rIns="68580" bIns="54864" anchor="ctr" anchorCtr="0">
-            <a:spAutoFit/>
-          </a:bodyPr>
-          <a:lstStyle>
-            <a:lvl1pPr marL="0" indent="0" algn="l" defTabSz="457200" rtl="0" eaLnBrk="1" latinLnBrk="0" hangingPunct="1">
-              <a:spcBef>
-                <a:spcPts val="0"/>
-              </a:spcBef>
-              <a:buClr>
-                <a:schemeClr val="accent2"/>
-              </a:buClr>
-              <a:buFont typeface="Arial"/>
-              <a:buNone/>
-              <a:defRPr sz="1200" kern="1200">
-                <a:solidFill>
-                  <a:schemeClr val="bg1"/>
-                </a:solidFill>
-                <a:latin typeface="Arial Black"/>
-                <a:ea typeface="+mn-ea"/>
-                <a:cs typeface="Arial Black"/>
-              </a:defRPr>
-            </a:lvl1pPr>
-            <a:lvl2pPr marL="742950" indent="-285750" algn="l" defTabSz="457200" rtl="0" eaLnBrk="1" latinLnBrk="0" hangingPunct="1">
-              <a:spcBef>
-                <a:spcPct val="20000"/>
-              </a:spcBef>
-              <a:buFont typeface="Arial"/>
-              <a:buChar char="–"/>
-              <a:defRPr sz="1800" kern="1200">
-                <a:solidFill>
-                  <a:schemeClr val="tx1"/>
-                </a:solidFill>
-                <a:latin typeface="Trebuchet MS"/>
-                <a:ea typeface="+mn-ea"/>
-                <a:cs typeface="Trebuchet MS"/>
-              </a:defRPr>
-            </a:lvl2pPr>
-            <a:lvl3pPr marL="1143000" indent="-228600" algn="l" defTabSz="457200" rtl="0" eaLnBrk="1" latinLnBrk="0" hangingPunct="1">
-              <a:spcBef>
-                <a:spcPct val="20000"/>
-              </a:spcBef>
-              <a:buFont typeface="Arial"/>
-              <a:buChar char="•"/>
-              <a:defRPr sz="1600" kern="1200">
-                <a:solidFill>
-                  <a:schemeClr val="tx1"/>
-                </a:solidFill>
-                <a:latin typeface="Trebuchet MS"/>
-                <a:ea typeface="+mn-ea"/>
-                <a:cs typeface="Trebuchet MS"/>
-              </a:defRPr>
-            </a:lvl3pPr>
-            <a:lvl4pPr marL="1600200" indent="-228600" algn="l" defTabSz="457200" rtl="0" eaLnBrk="1" latinLnBrk="0" hangingPunct="1">
-              <a:spcBef>
-                <a:spcPct val="20000"/>
-              </a:spcBef>
-              <a:buFont typeface="Arial"/>
-              <a:buChar char="–"/>
-              <a:defRPr sz="1300" kern="1200">
-                <a:solidFill>
-                  <a:schemeClr val="tx1"/>
-                </a:solidFill>
-                <a:latin typeface="Trebuchet MS"/>
-                <a:ea typeface="+mn-ea"/>
-                <a:cs typeface="Trebuchet MS"/>
-              </a:defRPr>
-            </a:lvl4pPr>
-            <a:lvl5pPr marL="2057400" indent="-228600" algn="l" defTabSz="457200" rtl="0" eaLnBrk="1" latinLnBrk="0" hangingPunct="1">
-              <a:spcBef>
-                <a:spcPct val="20000"/>
-              </a:spcBef>
-              <a:buFont typeface="Arial"/>
-              <a:buChar char="»"/>
-              <a:defRPr sz="1100" kern="1200">
-                <a:solidFill>
-                  <a:schemeClr val="tx1"/>
-                </a:solidFill>
-                <a:latin typeface="Trebuchet MS"/>
-                <a:ea typeface="+mn-ea"/>
-                <a:cs typeface="Trebuchet MS"/>
-              </a:defRPr>
-            </a:lvl5pPr>
-            <a:lvl6pPr marL="2514600" indent="-228600" algn="l" defTabSz="457200" rtl="0" eaLnBrk="1" latinLnBrk="0" hangingPunct="1">
-              <a:spcBef>
-                <a:spcPct val="20000"/>
-              </a:spcBef>
-              <a:buFont typeface="Arial"/>
-              <a:buChar char="•"/>
-              <a:defRPr sz="2000" kern="1200">
-                <a:solidFill>
-                  <a:schemeClr val="tx1"/>
-                </a:solidFill>
-                <a:latin typeface="+mn-lt"/>
-                <a:ea typeface="+mn-ea"/>
-                <a:cs typeface="+mn-cs"/>
-              </a:defRPr>
-            </a:lvl6pPr>
-            <a:lvl7pPr marL="2971800" indent="-228600" algn="l" defTabSz="457200" rtl="0" eaLnBrk="1" latinLnBrk="0" hangingPunct="1">
-              <a:spcBef>
-                <a:spcPct val="20000"/>
-              </a:spcBef>
-              <a:buFont typeface="Arial"/>
-              <a:buChar char="•"/>
-              <a:defRPr sz="2000" kern="1200">
-                <a:solidFill>
-                  <a:schemeClr val="tx1"/>
-                </a:solidFill>
-                <a:latin typeface="+mn-lt"/>
-                <a:ea typeface="+mn-ea"/>
-                <a:cs typeface="+mn-cs"/>
-              </a:defRPr>
-            </a:lvl7pPr>
-            <a:lvl8pPr marL="3429000" indent="-228600" algn="l" defTabSz="457200" rtl="0" eaLnBrk="1" latinLnBrk="0" hangingPunct="1">
-              <a:spcBef>
-                <a:spcPct val="20000"/>
-              </a:spcBef>
-              <a:buFont typeface="Arial"/>
-              <a:buChar char="•"/>
-              <a:defRPr sz="2000" kern="1200">
-                <a:solidFill>
-                  <a:schemeClr val="tx1"/>
-                </a:solidFill>
-                <a:latin typeface="+mn-lt"/>
-                <a:ea typeface="+mn-ea"/>
-                <a:cs typeface="+mn-cs"/>
-              </a:defRPr>
-            </a:lvl8pPr>
-            <a:lvl9pPr marL="3886200" indent="-228600" algn="l" defTabSz="457200" rtl="0" eaLnBrk="1" latinLnBrk="0" hangingPunct="1">
-              <a:spcBef>
-                <a:spcPct val="20000"/>
-              </a:spcBef>
-              <a:buFont typeface="Arial"/>
-              <a:buChar char="•"/>
-              <a:defRPr sz="2000" kern="1200">
-                <a:solidFill>
-                  <a:schemeClr val="tx1"/>
-                </a:solidFill>
-                <a:latin typeface="+mn-lt"/>
-                <a:ea typeface="+mn-ea"/>
-                <a:cs typeface="+mn-cs"/>
-              </a:defRPr>
-            </a:lvl9pPr>
-          </a:lstStyle>
-          <a:p>
-            <a:r>
-              <a:rPr lang="en-US" sz="1800" dirty="0"/>
-              <a:t>Set based update</a:t>
-            </a:r>
-            <a:endParaRPr lang="en-US" sz="1800" b="1" dirty="0"/>
-          </a:p>
-        </p:txBody>
-      </p:sp>
-    </p:spTree>
-    <p:extLst>
-      <p:ext uri="{BB962C8B-B14F-4D97-AF65-F5344CB8AC3E}">
-        <p14:creationId xmlns:p14="http://schemas.microsoft.com/office/powerpoint/2010/main" val="1544896722"/>
-      </p:ext>
-    </p:extLst>
-  </p:cSld>
-  <p:clrMapOvr>
-    <a:masterClrMapping/>
-  </p:clrMapOvr>
-</p:sld>
-</file>
-
-<file path=ppt/slides/slide21.xml><?xml version="1.0" encoding="utf-8"?>
-<p:sld xmlns:a="http://schemas.openxmlformats.org/drawingml/2006/main" xmlns:r="http://schemas.openxmlformats.org/officeDocument/2006/relationships" xmlns:p="http://schemas.openxmlformats.org/presentationml/2006/main">
-  <p:cSld>
-    <p:spTree>
-      <p:nvGrpSpPr>
-        <p:cNvPr id="1" name=""/>
-        <p:cNvGrpSpPr/>
-        <p:nvPr/>
-      </p:nvGrpSpPr>
-      <p:grpSpPr>
-        <a:xfrm>
-          <a:off x="0" y="0"/>
-          <a:ext cx="0" cy="0"/>
-          <a:chOff x="0" y="0"/>
-          <a:chExt cx="0" cy="0"/>
-        </a:xfrm>
-      </p:grpSpPr>
-      <p:sp>
-        <p:nvSpPr>
-          <p:cNvPr id="13" name="Text Placeholder 12"/>
-          <p:cNvSpPr>
-            <a:spLocks noGrp="1"/>
-          </p:cNvSpPr>
-          <p:nvPr>
-            <p:ph type="body" sz="quarter" idx="10"/>
-          </p:nvPr>
-        </p:nvSpPr>
-        <p:spPr/>
-        <p:txBody>
-          <a:bodyPr>
-            <a:normAutofit/>
-          </a:bodyPr>
-          <a:lstStyle/>
-          <a:p>
-            <a:pPr>
-              <a:buClr>
-                <a:schemeClr val="bg1"/>
-              </a:buClr>
-              <a:buSzPct val="140000"/>
-            </a:pPr>
-            <a:r>
-              <a:rPr lang="en-US" b="1" dirty="0"/>
-              <a:t>Designing and Implementing Data Flow</a:t>
-            </a:r>
-          </a:p>
-        </p:txBody>
-      </p:sp>
-      <p:sp>
-        <p:nvSpPr>
-          <p:cNvPr id="6" name="Text Placeholder 4"/>
-          <p:cNvSpPr txBox="1">
-            <a:spLocks/>
-          </p:cNvSpPr>
-          <p:nvPr/>
-        </p:nvSpPr>
-        <p:spPr>
-          <a:xfrm>
-            <a:off x="236117" y="907598"/>
-            <a:ext cx="5286704" cy="387798"/>
-          </a:xfrm>
-          <a:prstGeom prst="rect">
-            <a:avLst/>
-          </a:prstGeom>
-          <a:solidFill>
-            <a:srgbClr val="39C2D7"/>
-          </a:solidFill>
-          <a:ln>
-            <a:noFill/>
-          </a:ln>
-        </p:spPr>
-        <p:txBody>
-          <a:bodyPr wrap="none" lIns="68580" tIns="54864" rIns="68580" bIns="54864" anchor="ctr" anchorCtr="0">
-            <a:spAutoFit/>
-          </a:bodyPr>
-          <a:lstStyle>
-            <a:lvl1pPr marL="0" indent="0" algn="l" defTabSz="457200" rtl="0" eaLnBrk="1" latinLnBrk="0" hangingPunct="1">
-              <a:spcBef>
-                <a:spcPts val="0"/>
-              </a:spcBef>
-              <a:buClr>
-                <a:schemeClr val="accent2"/>
-              </a:buClr>
-              <a:buFont typeface="Arial"/>
-              <a:buNone/>
-              <a:defRPr sz="1200" kern="1200">
-                <a:solidFill>
-                  <a:schemeClr val="bg1"/>
-                </a:solidFill>
-                <a:latin typeface="Arial Black"/>
-                <a:ea typeface="+mn-ea"/>
-                <a:cs typeface="Arial Black"/>
-              </a:defRPr>
-            </a:lvl1pPr>
-            <a:lvl2pPr marL="742950" indent="-285750" algn="l" defTabSz="457200" rtl="0" eaLnBrk="1" latinLnBrk="0" hangingPunct="1">
-              <a:spcBef>
-                <a:spcPct val="20000"/>
-              </a:spcBef>
-              <a:buFont typeface="Arial"/>
-              <a:buChar char="–"/>
-              <a:defRPr sz="1800" kern="1200">
-                <a:solidFill>
-                  <a:schemeClr val="tx1"/>
-                </a:solidFill>
-                <a:latin typeface="Trebuchet MS"/>
-                <a:ea typeface="+mn-ea"/>
-                <a:cs typeface="Trebuchet MS"/>
-              </a:defRPr>
-            </a:lvl2pPr>
-            <a:lvl3pPr marL="1143000" indent="-228600" algn="l" defTabSz="457200" rtl="0" eaLnBrk="1" latinLnBrk="0" hangingPunct="1">
-              <a:spcBef>
-                <a:spcPct val="20000"/>
-              </a:spcBef>
-              <a:buFont typeface="Arial"/>
-              <a:buChar char="•"/>
-              <a:defRPr sz="1600" kern="1200">
-                <a:solidFill>
-                  <a:schemeClr val="tx1"/>
-                </a:solidFill>
-                <a:latin typeface="Trebuchet MS"/>
-                <a:ea typeface="+mn-ea"/>
-                <a:cs typeface="Trebuchet MS"/>
-              </a:defRPr>
-            </a:lvl3pPr>
-            <a:lvl4pPr marL="1600200" indent="-228600" algn="l" defTabSz="457200" rtl="0" eaLnBrk="1" latinLnBrk="0" hangingPunct="1">
-              <a:spcBef>
-                <a:spcPct val="20000"/>
-              </a:spcBef>
-              <a:buFont typeface="Arial"/>
-              <a:buChar char="–"/>
-              <a:defRPr sz="1300" kern="1200">
-                <a:solidFill>
-                  <a:schemeClr val="tx1"/>
-                </a:solidFill>
-                <a:latin typeface="Trebuchet MS"/>
-                <a:ea typeface="+mn-ea"/>
-                <a:cs typeface="Trebuchet MS"/>
-              </a:defRPr>
-            </a:lvl4pPr>
-            <a:lvl5pPr marL="2057400" indent="-228600" algn="l" defTabSz="457200" rtl="0" eaLnBrk="1" latinLnBrk="0" hangingPunct="1">
-              <a:spcBef>
-                <a:spcPct val="20000"/>
-              </a:spcBef>
-              <a:buFont typeface="Arial"/>
-              <a:buChar char="»"/>
-              <a:defRPr sz="1100" kern="1200">
-                <a:solidFill>
-                  <a:schemeClr val="tx1"/>
-                </a:solidFill>
-                <a:latin typeface="Trebuchet MS"/>
-                <a:ea typeface="+mn-ea"/>
-                <a:cs typeface="Trebuchet MS"/>
-              </a:defRPr>
-            </a:lvl5pPr>
-            <a:lvl6pPr marL="2514600" indent="-228600" algn="l" defTabSz="457200" rtl="0" eaLnBrk="1" latinLnBrk="0" hangingPunct="1">
-              <a:spcBef>
-                <a:spcPct val="20000"/>
-              </a:spcBef>
-              <a:buFont typeface="Arial"/>
-              <a:buChar char="•"/>
-              <a:defRPr sz="2000" kern="1200">
-                <a:solidFill>
-                  <a:schemeClr val="tx1"/>
-                </a:solidFill>
-                <a:latin typeface="+mn-lt"/>
-                <a:ea typeface="+mn-ea"/>
-                <a:cs typeface="+mn-cs"/>
-              </a:defRPr>
-            </a:lvl6pPr>
-            <a:lvl7pPr marL="2971800" indent="-228600" algn="l" defTabSz="457200" rtl="0" eaLnBrk="1" latinLnBrk="0" hangingPunct="1">
-              <a:spcBef>
-                <a:spcPct val="20000"/>
-              </a:spcBef>
-              <a:buFont typeface="Arial"/>
-              <a:buChar char="•"/>
-              <a:defRPr sz="2000" kern="1200">
-                <a:solidFill>
-                  <a:schemeClr val="tx1"/>
-                </a:solidFill>
-                <a:latin typeface="+mn-lt"/>
-                <a:ea typeface="+mn-ea"/>
-                <a:cs typeface="+mn-cs"/>
-              </a:defRPr>
-            </a:lvl7pPr>
-            <a:lvl8pPr marL="3429000" indent="-228600" algn="l" defTabSz="457200" rtl="0" eaLnBrk="1" latinLnBrk="0" hangingPunct="1">
-              <a:spcBef>
-                <a:spcPct val="20000"/>
-              </a:spcBef>
-              <a:buFont typeface="Arial"/>
-              <a:buChar char="•"/>
-              <a:defRPr sz="2000" kern="1200">
-                <a:solidFill>
-                  <a:schemeClr val="tx1"/>
-                </a:solidFill>
-                <a:latin typeface="+mn-lt"/>
-                <a:ea typeface="+mn-ea"/>
-                <a:cs typeface="+mn-cs"/>
-              </a:defRPr>
-            </a:lvl8pPr>
-            <a:lvl9pPr marL="3886200" indent="-228600" algn="l" defTabSz="457200" rtl="0" eaLnBrk="1" latinLnBrk="0" hangingPunct="1">
-              <a:spcBef>
-                <a:spcPct val="20000"/>
-              </a:spcBef>
-              <a:buFont typeface="Arial"/>
-              <a:buChar char="•"/>
-              <a:defRPr sz="2000" kern="1200">
-                <a:solidFill>
-                  <a:schemeClr val="tx1"/>
-                </a:solidFill>
-                <a:latin typeface="+mn-lt"/>
-                <a:ea typeface="+mn-ea"/>
-                <a:cs typeface="+mn-cs"/>
-              </a:defRPr>
-            </a:lvl9pPr>
-          </a:lstStyle>
-          <a:p>
-            <a:r>
-              <a:rPr lang="en-US" sz="1800" b="1" dirty="0"/>
-              <a:t>Working with Data Flow Transformations</a:t>
-            </a:r>
-          </a:p>
-        </p:txBody>
-      </p:sp>
-      <p:sp>
-        <p:nvSpPr>
-          <p:cNvPr id="5" name="Content Placeholder 2"/>
-          <p:cNvSpPr txBox="1">
-            <a:spLocks/>
-          </p:cNvSpPr>
-          <p:nvPr/>
-        </p:nvSpPr>
-        <p:spPr>
-          <a:xfrm>
-            <a:off x="327227" y="1458930"/>
-            <a:ext cx="8326259" cy="3124438"/>
-          </a:xfrm>
-          <a:prstGeom prst="rect">
-            <a:avLst/>
-          </a:prstGeom>
-        </p:spPr>
-        <p:txBody>
-          <a:bodyPr/>
-          <a:lstStyle>
-            <a:lvl1pPr marL="257175" indent="-257175" algn="l" defTabSz="342900" rtl="0" eaLnBrk="1" latinLnBrk="0" hangingPunct="1">
-              <a:spcBef>
-                <a:spcPct val="20000"/>
-              </a:spcBef>
-              <a:buFont typeface="Arial"/>
-              <a:buChar char="•"/>
-              <a:defRPr sz="2400" kern="1200">
-                <a:solidFill>
-                  <a:schemeClr val="tx1"/>
-                </a:solidFill>
-                <a:latin typeface="+mn-lt"/>
-                <a:ea typeface="+mn-ea"/>
-                <a:cs typeface="+mn-cs"/>
-              </a:defRPr>
-            </a:lvl1pPr>
-            <a:lvl2pPr marL="557213" indent="-214313" algn="l" defTabSz="342900" rtl="0" eaLnBrk="1" latinLnBrk="0" hangingPunct="1">
-              <a:spcBef>
-                <a:spcPct val="20000"/>
-              </a:spcBef>
-              <a:buFont typeface="Arial"/>
-              <a:buChar char="–"/>
-              <a:defRPr sz="2100" kern="1200">
-                <a:solidFill>
-                  <a:schemeClr val="tx1"/>
-                </a:solidFill>
-                <a:latin typeface="+mn-lt"/>
-                <a:ea typeface="+mn-ea"/>
-                <a:cs typeface="+mn-cs"/>
-              </a:defRPr>
-            </a:lvl2pPr>
-            <a:lvl3pPr marL="857250" indent="-171450" algn="l" defTabSz="342900" rtl="0" eaLnBrk="1" latinLnBrk="0" hangingPunct="1">
-              <a:spcBef>
-                <a:spcPct val="20000"/>
-              </a:spcBef>
-              <a:buFont typeface="Arial"/>
-              <a:buChar char="•"/>
-              <a:defRPr sz="1800" kern="1200">
-                <a:solidFill>
-                  <a:schemeClr val="tx1"/>
-                </a:solidFill>
-                <a:latin typeface="+mn-lt"/>
-                <a:ea typeface="+mn-ea"/>
-                <a:cs typeface="+mn-cs"/>
-              </a:defRPr>
-            </a:lvl3pPr>
-            <a:lvl4pPr marL="1200150" indent="-171450" algn="l" defTabSz="342900" rtl="0" eaLnBrk="1" latinLnBrk="0" hangingPunct="1">
-              <a:spcBef>
-                <a:spcPct val="20000"/>
-              </a:spcBef>
-              <a:buFont typeface="Arial"/>
-              <a:buChar char="–"/>
-              <a:defRPr sz="1500" kern="1200">
-                <a:solidFill>
-                  <a:schemeClr val="tx1"/>
-                </a:solidFill>
-                <a:latin typeface="+mn-lt"/>
-                <a:ea typeface="+mn-ea"/>
-                <a:cs typeface="+mn-cs"/>
-              </a:defRPr>
-            </a:lvl4pPr>
-            <a:lvl5pPr marL="1543050" indent="-171450" algn="l" defTabSz="342900" rtl="0" eaLnBrk="1" latinLnBrk="0" hangingPunct="1">
-              <a:spcBef>
-                <a:spcPct val="20000"/>
-              </a:spcBef>
-              <a:buFont typeface="Arial"/>
-              <a:buChar char="»"/>
-              <a:defRPr sz="1500" kern="1200">
-                <a:solidFill>
-                  <a:schemeClr val="tx1"/>
-                </a:solidFill>
-                <a:latin typeface="+mn-lt"/>
-                <a:ea typeface="+mn-ea"/>
-                <a:cs typeface="+mn-cs"/>
-              </a:defRPr>
-            </a:lvl5pPr>
-            <a:lvl6pPr marL="1885950" indent="-171450" algn="l" defTabSz="342900" rtl="0" eaLnBrk="1" latinLnBrk="0" hangingPunct="1">
-              <a:spcBef>
-                <a:spcPct val="20000"/>
-              </a:spcBef>
-              <a:buFont typeface="Arial"/>
-              <a:buChar char="•"/>
-              <a:defRPr sz="1500" kern="1200">
-                <a:solidFill>
-                  <a:schemeClr val="tx1"/>
-                </a:solidFill>
-                <a:latin typeface="+mn-lt"/>
-                <a:ea typeface="+mn-ea"/>
-                <a:cs typeface="+mn-cs"/>
-              </a:defRPr>
-            </a:lvl6pPr>
-            <a:lvl7pPr marL="2228850" indent="-171450" algn="l" defTabSz="342900" rtl="0" eaLnBrk="1" latinLnBrk="0" hangingPunct="1">
-              <a:spcBef>
-                <a:spcPct val="20000"/>
-              </a:spcBef>
-              <a:buFont typeface="Arial"/>
-              <a:buChar char="•"/>
-              <a:defRPr sz="1500" kern="1200">
-                <a:solidFill>
-                  <a:schemeClr val="tx1"/>
-                </a:solidFill>
-                <a:latin typeface="+mn-lt"/>
-                <a:ea typeface="+mn-ea"/>
-                <a:cs typeface="+mn-cs"/>
-              </a:defRPr>
-            </a:lvl7pPr>
-            <a:lvl8pPr marL="2571750" indent="-171450" algn="l" defTabSz="342900" rtl="0" eaLnBrk="1" latinLnBrk="0" hangingPunct="1">
-              <a:spcBef>
-                <a:spcPct val="20000"/>
-              </a:spcBef>
-              <a:buFont typeface="Arial"/>
-              <a:buChar char="•"/>
-              <a:defRPr sz="1500" kern="1200">
-                <a:solidFill>
-                  <a:schemeClr val="tx1"/>
-                </a:solidFill>
-                <a:latin typeface="+mn-lt"/>
-                <a:ea typeface="+mn-ea"/>
-                <a:cs typeface="+mn-cs"/>
-              </a:defRPr>
-            </a:lvl8pPr>
-            <a:lvl9pPr marL="2914650" indent="-171450" algn="l" defTabSz="342900" rtl="0" eaLnBrk="1" latinLnBrk="0" hangingPunct="1">
-              <a:spcBef>
-                <a:spcPct val="20000"/>
-              </a:spcBef>
-              <a:buFont typeface="Arial"/>
-              <a:buChar char="•"/>
-              <a:defRPr sz="1500" kern="1200">
-                <a:solidFill>
-                  <a:schemeClr val="tx1"/>
-                </a:solidFill>
-                <a:latin typeface="+mn-lt"/>
-                <a:ea typeface="+mn-ea"/>
-                <a:cs typeface="+mn-cs"/>
-              </a:defRPr>
-            </a:lvl9pPr>
-          </a:lstStyle>
-          <a:p>
-            <a:pPr marL="173736" lvl="2" indent="-173736">
-              <a:lnSpc>
-                <a:spcPct val="110000"/>
-              </a:lnSpc>
-              <a:spcBef>
-                <a:spcPts val="0"/>
-              </a:spcBef>
-              <a:spcAft>
-                <a:spcPts val="1300"/>
-              </a:spcAft>
-              <a:buClr>
-                <a:srgbClr val="2FC2D9"/>
-              </a:buClr>
-              <a:defRPr/>
-            </a:pPr>
-            <a:r>
-              <a:rPr lang="en-US" sz="2000" b="1" dirty="0"/>
-              <a:t>Selecting Transformations</a:t>
-            </a:r>
-          </a:p>
-          <a:p>
-            <a:pPr marL="516636" lvl="3" indent="-173736">
-              <a:lnSpc>
-                <a:spcPct val="110000"/>
-              </a:lnSpc>
-              <a:spcBef>
-                <a:spcPts val="0"/>
-              </a:spcBef>
-              <a:spcAft>
-                <a:spcPts val="1300"/>
-              </a:spcAft>
-              <a:buClr>
-                <a:srgbClr val="2FC2D9"/>
-              </a:buClr>
-              <a:defRPr/>
-            </a:pPr>
-            <a:r>
-              <a:rPr lang="en-US" sz="1700" i="1" dirty="0"/>
-              <a:t>non-blocking transformations</a:t>
-            </a:r>
-          </a:p>
-          <a:p>
-            <a:pPr marL="516636" lvl="3" indent="-173736">
-              <a:lnSpc>
-                <a:spcPct val="110000"/>
-              </a:lnSpc>
-              <a:spcBef>
-                <a:spcPts val="0"/>
-              </a:spcBef>
-              <a:spcAft>
-                <a:spcPts val="1300"/>
-              </a:spcAft>
-              <a:buClr>
-                <a:srgbClr val="2FC2D9"/>
-              </a:buClr>
-              <a:defRPr/>
-            </a:pPr>
-            <a:r>
-              <a:rPr lang="en-US" sz="1800" i="1" dirty="0"/>
-              <a:t>partial-blocking transformation	</a:t>
-            </a:r>
-          </a:p>
-          <a:p>
-            <a:pPr marL="516636" lvl="3" indent="-173736">
-              <a:lnSpc>
-                <a:spcPct val="110000"/>
-              </a:lnSpc>
-              <a:spcBef>
-                <a:spcPts val="0"/>
-              </a:spcBef>
-              <a:spcAft>
-                <a:spcPts val="1300"/>
-              </a:spcAft>
-              <a:buClr>
-                <a:srgbClr val="2FC2D9"/>
-              </a:buClr>
-              <a:defRPr/>
-            </a:pPr>
-            <a:r>
-              <a:rPr lang="en-US" sz="1800" i="1" dirty="0"/>
-              <a:t>blocking transformation</a:t>
-            </a:r>
-            <a:endParaRPr lang="en-US" sz="1700" b="1" dirty="0"/>
-          </a:p>
-        </p:txBody>
-      </p:sp>
-    </p:spTree>
-    <p:extLst>
-      <p:ext uri="{BB962C8B-B14F-4D97-AF65-F5344CB8AC3E}">
-        <p14:creationId xmlns:p14="http://schemas.microsoft.com/office/powerpoint/2010/main" val="2306266205"/>
-      </p:ext>
-    </p:extLst>
-  </p:cSld>
-  <p:clrMapOvr>
-    <a:masterClrMapping/>
-  </p:clrMapOvr>
-</p:sld>
-</file>
-
-<file path=ppt/slides/slide22.xml><?xml version="1.0" encoding="utf-8"?>
-<p:sld xmlns:a="http://schemas.openxmlformats.org/drawingml/2006/main" xmlns:r="http://schemas.openxmlformats.org/officeDocument/2006/relationships" xmlns:p="http://schemas.openxmlformats.org/presentationml/2006/main">
-  <p:cSld>
-    <p:spTree>
-      <p:nvGrpSpPr>
-        <p:cNvPr id="1" name=""/>
-        <p:cNvGrpSpPr/>
-        <p:nvPr/>
-      </p:nvGrpSpPr>
-      <p:grpSpPr>
-        <a:xfrm>
-          <a:off x="0" y="0"/>
-          <a:ext cx="0" cy="0"/>
-          <a:chOff x="0" y="0"/>
-          <a:chExt cx="0" cy="0"/>
-        </a:xfrm>
-      </p:grpSpPr>
-      <p:sp>
-        <p:nvSpPr>
-          <p:cNvPr id="13" name="Text Placeholder 12"/>
-          <p:cNvSpPr>
-            <a:spLocks noGrp="1"/>
-          </p:cNvSpPr>
-          <p:nvPr>
-            <p:ph type="body" sz="quarter" idx="10"/>
-          </p:nvPr>
-        </p:nvSpPr>
-        <p:spPr/>
-        <p:txBody>
-          <a:bodyPr>
-            <a:normAutofit/>
-          </a:bodyPr>
-          <a:lstStyle/>
-          <a:p>
-            <a:pPr>
-              <a:buClr>
-                <a:schemeClr val="bg1"/>
-              </a:buClr>
-              <a:buSzPct val="140000"/>
-            </a:pPr>
-            <a:r>
-              <a:rPr lang="en-US" b="1" dirty="0"/>
-              <a:t>Designing and Implementing Data Flow</a:t>
-            </a:r>
-          </a:p>
-        </p:txBody>
-      </p:sp>
-      <p:sp>
-        <p:nvSpPr>
-          <p:cNvPr id="6" name="Text Placeholder 4"/>
-          <p:cNvSpPr txBox="1">
-            <a:spLocks/>
-          </p:cNvSpPr>
-          <p:nvPr/>
-        </p:nvSpPr>
-        <p:spPr>
-          <a:xfrm>
-            <a:off x="236117" y="907598"/>
-            <a:ext cx="4576766" cy="387798"/>
-          </a:xfrm>
-          <a:prstGeom prst="rect">
-            <a:avLst/>
-          </a:prstGeom>
-          <a:solidFill>
-            <a:srgbClr val="39C2D7"/>
-          </a:solidFill>
-          <a:ln>
-            <a:noFill/>
-          </a:ln>
-        </p:spPr>
-        <p:txBody>
-          <a:bodyPr wrap="none" lIns="68580" tIns="54864" rIns="68580" bIns="54864" anchor="ctr" anchorCtr="0">
-            <a:spAutoFit/>
-          </a:bodyPr>
-          <a:lstStyle>
-            <a:lvl1pPr marL="0" indent="0" algn="l" defTabSz="457200" rtl="0" eaLnBrk="1" latinLnBrk="0" hangingPunct="1">
-              <a:spcBef>
-                <a:spcPts val="0"/>
-              </a:spcBef>
-              <a:buClr>
-                <a:schemeClr val="accent2"/>
-              </a:buClr>
-              <a:buFont typeface="Arial"/>
-              <a:buNone/>
-              <a:defRPr sz="1200" kern="1200">
-                <a:solidFill>
-                  <a:schemeClr val="bg1"/>
-                </a:solidFill>
-                <a:latin typeface="Arial Black"/>
-                <a:ea typeface="+mn-ea"/>
-                <a:cs typeface="Arial Black"/>
-              </a:defRPr>
-            </a:lvl1pPr>
-            <a:lvl2pPr marL="742950" indent="-285750" algn="l" defTabSz="457200" rtl="0" eaLnBrk="1" latinLnBrk="0" hangingPunct="1">
-              <a:spcBef>
-                <a:spcPct val="20000"/>
-              </a:spcBef>
-              <a:buFont typeface="Arial"/>
-              <a:buChar char="–"/>
-              <a:defRPr sz="1800" kern="1200">
-                <a:solidFill>
-                  <a:schemeClr val="tx1"/>
-                </a:solidFill>
-                <a:latin typeface="Trebuchet MS"/>
-                <a:ea typeface="+mn-ea"/>
-                <a:cs typeface="Trebuchet MS"/>
-              </a:defRPr>
-            </a:lvl2pPr>
-            <a:lvl3pPr marL="1143000" indent="-228600" algn="l" defTabSz="457200" rtl="0" eaLnBrk="1" latinLnBrk="0" hangingPunct="1">
-              <a:spcBef>
-                <a:spcPct val="20000"/>
-              </a:spcBef>
-              <a:buFont typeface="Arial"/>
-              <a:buChar char="•"/>
-              <a:defRPr sz="1600" kern="1200">
-                <a:solidFill>
-                  <a:schemeClr val="tx1"/>
-                </a:solidFill>
-                <a:latin typeface="Trebuchet MS"/>
-                <a:ea typeface="+mn-ea"/>
-                <a:cs typeface="Trebuchet MS"/>
-              </a:defRPr>
-            </a:lvl3pPr>
-            <a:lvl4pPr marL="1600200" indent="-228600" algn="l" defTabSz="457200" rtl="0" eaLnBrk="1" latinLnBrk="0" hangingPunct="1">
-              <a:spcBef>
-                <a:spcPct val="20000"/>
-              </a:spcBef>
-              <a:buFont typeface="Arial"/>
-              <a:buChar char="–"/>
-              <a:defRPr sz="1300" kern="1200">
-                <a:solidFill>
-                  <a:schemeClr val="tx1"/>
-                </a:solidFill>
-                <a:latin typeface="Trebuchet MS"/>
-                <a:ea typeface="+mn-ea"/>
-                <a:cs typeface="Trebuchet MS"/>
-              </a:defRPr>
-            </a:lvl4pPr>
-            <a:lvl5pPr marL="2057400" indent="-228600" algn="l" defTabSz="457200" rtl="0" eaLnBrk="1" latinLnBrk="0" hangingPunct="1">
-              <a:spcBef>
-                <a:spcPct val="20000"/>
-              </a:spcBef>
-              <a:buFont typeface="Arial"/>
-              <a:buChar char="»"/>
-              <a:defRPr sz="1100" kern="1200">
-                <a:solidFill>
-                  <a:schemeClr val="tx1"/>
-                </a:solidFill>
-                <a:latin typeface="Trebuchet MS"/>
-                <a:ea typeface="+mn-ea"/>
-                <a:cs typeface="Trebuchet MS"/>
-              </a:defRPr>
-            </a:lvl5pPr>
-            <a:lvl6pPr marL="2514600" indent="-228600" algn="l" defTabSz="457200" rtl="0" eaLnBrk="1" latinLnBrk="0" hangingPunct="1">
-              <a:spcBef>
-                <a:spcPct val="20000"/>
-              </a:spcBef>
-              <a:buFont typeface="Arial"/>
-              <a:buChar char="•"/>
-              <a:defRPr sz="2000" kern="1200">
-                <a:solidFill>
-                  <a:schemeClr val="tx1"/>
-                </a:solidFill>
-                <a:latin typeface="+mn-lt"/>
-                <a:ea typeface="+mn-ea"/>
-                <a:cs typeface="+mn-cs"/>
-              </a:defRPr>
-            </a:lvl6pPr>
-            <a:lvl7pPr marL="2971800" indent="-228600" algn="l" defTabSz="457200" rtl="0" eaLnBrk="1" latinLnBrk="0" hangingPunct="1">
-              <a:spcBef>
-                <a:spcPct val="20000"/>
-              </a:spcBef>
-              <a:buFont typeface="Arial"/>
-              <a:buChar char="•"/>
-              <a:defRPr sz="2000" kern="1200">
-                <a:solidFill>
-                  <a:schemeClr val="tx1"/>
-                </a:solidFill>
-                <a:latin typeface="+mn-lt"/>
-                <a:ea typeface="+mn-ea"/>
-                <a:cs typeface="+mn-cs"/>
-              </a:defRPr>
-            </a:lvl7pPr>
-            <a:lvl8pPr marL="3429000" indent="-228600" algn="l" defTabSz="457200" rtl="0" eaLnBrk="1" latinLnBrk="0" hangingPunct="1">
-              <a:spcBef>
-                <a:spcPct val="20000"/>
-              </a:spcBef>
-              <a:buFont typeface="Arial"/>
-              <a:buChar char="•"/>
-              <a:defRPr sz="2000" kern="1200">
-                <a:solidFill>
-                  <a:schemeClr val="tx1"/>
-                </a:solidFill>
-                <a:latin typeface="+mn-lt"/>
-                <a:ea typeface="+mn-ea"/>
-                <a:cs typeface="+mn-cs"/>
-              </a:defRPr>
-            </a:lvl8pPr>
-            <a:lvl9pPr marL="3886200" indent="-228600" algn="l" defTabSz="457200" rtl="0" eaLnBrk="1" latinLnBrk="0" hangingPunct="1">
-              <a:spcBef>
-                <a:spcPct val="20000"/>
-              </a:spcBef>
-              <a:buFont typeface="Arial"/>
-              <a:buChar char="•"/>
-              <a:defRPr sz="2000" kern="1200">
-                <a:solidFill>
-                  <a:schemeClr val="tx1"/>
-                </a:solidFill>
-                <a:latin typeface="+mn-lt"/>
-                <a:ea typeface="+mn-ea"/>
-                <a:cs typeface="+mn-cs"/>
-              </a:defRPr>
-            </a:lvl9pPr>
-          </a:lstStyle>
-          <a:p>
-            <a:r>
-              <a:rPr lang="en-US" sz="1800" dirty="0"/>
-              <a:t>Logical Row-Level Transformations</a:t>
-            </a:r>
-            <a:endParaRPr lang="en-US" sz="1800" b="1" dirty="0"/>
-          </a:p>
-        </p:txBody>
-      </p:sp>
-      <p:pic>
-        <p:nvPicPr>
-          <p:cNvPr id="2" name="Picture 1"/>
-          <p:cNvPicPr>
-            <a:picLocks noChangeAspect="1"/>
-          </p:cNvPicPr>
-          <p:nvPr/>
-        </p:nvPicPr>
-        <p:blipFill>
-          <a:blip r:embed="rId3"/>
-          <a:stretch>
-            <a:fillRect/>
-          </a:stretch>
-        </p:blipFill>
-        <p:spPr>
-          <a:xfrm>
-            <a:off x="1133475" y="1295396"/>
-            <a:ext cx="6877050" cy="3495675"/>
-          </a:xfrm>
-          <a:prstGeom prst="rect">
-            <a:avLst/>
-          </a:prstGeom>
-        </p:spPr>
-      </p:pic>
-    </p:spTree>
-    <p:extLst>
-      <p:ext uri="{BB962C8B-B14F-4D97-AF65-F5344CB8AC3E}">
-        <p14:creationId xmlns:p14="http://schemas.microsoft.com/office/powerpoint/2010/main" val="4199164743"/>
-      </p:ext>
-    </p:extLst>
-  </p:cSld>
-  <p:clrMapOvr>
-    <a:masterClrMapping/>
-  </p:clrMapOvr>
-</p:sld>
-</file>
-
-<file path=ppt/slides/slide23.xml><?xml version="1.0" encoding="utf-8"?>
-<p:sld xmlns:a="http://schemas.openxmlformats.org/drawingml/2006/main" xmlns:r="http://schemas.openxmlformats.org/officeDocument/2006/relationships" xmlns:p="http://schemas.openxmlformats.org/presentationml/2006/main">
-  <p:cSld>
-    <p:spTree>
-      <p:nvGrpSpPr>
-        <p:cNvPr id="1" name=""/>
-        <p:cNvGrpSpPr/>
-        <p:nvPr/>
-      </p:nvGrpSpPr>
-      <p:grpSpPr>
-        <a:xfrm>
-          <a:off x="0" y="0"/>
-          <a:ext cx="0" cy="0"/>
-          <a:chOff x="0" y="0"/>
-          <a:chExt cx="0" cy="0"/>
-        </a:xfrm>
-      </p:grpSpPr>
-      <p:sp>
-        <p:nvSpPr>
-          <p:cNvPr id="13" name="Text Placeholder 12"/>
-          <p:cNvSpPr>
-            <a:spLocks noGrp="1"/>
-          </p:cNvSpPr>
-          <p:nvPr>
-            <p:ph type="body" sz="quarter" idx="10"/>
-          </p:nvPr>
-        </p:nvSpPr>
-        <p:spPr/>
-        <p:txBody>
-          <a:bodyPr>
-            <a:normAutofit/>
-          </a:bodyPr>
-          <a:lstStyle/>
-          <a:p>
-            <a:pPr>
-              <a:buClr>
-                <a:schemeClr val="bg1"/>
-              </a:buClr>
-              <a:buSzPct val="140000"/>
-            </a:pPr>
-            <a:r>
-              <a:rPr lang="en-US" b="1" dirty="0"/>
-              <a:t>Designing and Implementing Data Flow</a:t>
-            </a:r>
-          </a:p>
-        </p:txBody>
-      </p:sp>
-      <p:sp>
-        <p:nvSpPr>
-          <p:cNvPr id="6" name="Text Placeholder 4"/>
-          <p:cNvSpPr txBox="1">
-            <a:spLocks/>
-          </p:cNvSpPr>
-          <p:nvPr/>
-        </p:nvSpPr>
-        <p:spPr>
-          <a:xfrm>
-            <a:off x="236117" y="907598"/>
-            <a:ext cx="4576766" cy="387798"/>
-          </a:xfrm>
-          <a:prstGeom prst="rect">
-            <a:avLst/>
-          </a:prstGeom>
-          <a:solidFill>
-            <a:srgbClr val="39C2D7"/>
-          </a:solidFill>
-          <a:ln>
-            <a:noFill/>
-          </a:ln>
-        </p:spPr>
-        <p:txBody>
-          <a:bodyPr wrap="none" lIns="68580" tIns="54864" rIns="68580" bIns="54864" anchor="ctr" anchorCtr="0">
-            <a:spAutoFit/>
-          </a:bodyPr>
-          <a:lstStyle>
-            <a:lvl1pPr marL="0" indent="0" algn="l" defTabSz="457200" rtl="0" eaLnBrk="1" latinLnBrk="0" hangingPunct="1">
-              <a:spcBef>
-                <a:spcPts val="0"/>
-              </a:spcBef>
-              <a:buClr>
-                <a:schemeClr val="accent2"/>
-              </a:buClr>
-              <a:buFont typeface="Arial"/>
-              <a:buNone/>
-              <a:defRPr sz="1200" kern="1200">
-                <a:solidFill>
-                  <a:schemeClr val="bg1"/>
-                </a:solidFill>
-                <a:latin typeface="Arial Black"/>
-                <a:ea typeface="+mn-ea"/>
-                <a:cs typeface="Arial Black"/>
-              </a:defRPr>
-            </a:lvl1pPr>
-            <a:lvl2pPr marL="742950" indent="-285750" algn="l" defTabSz="457200" rtl="0" eaLnBrk="1" latinLnBrk="0" hangingPunct="1">
-              <a:spcBef>
-                <a:spcPct val="20000"/>
-              </a:spcBef>
-              <a:buFont typeface="Arial"/>
-              <a:buChar char="–"/>
-              <a:defRPr sz="1800" kern="1200">
-                <a:solidFill>
-                  <a:schemeClr val="tx1"/>
-                </a:solidFill>
-                <a:latin typeface="Trebuchet MS"/>
-                <a:ea typeface="+mn-ea"/>
-                <a:cs typeface="Trebuchet MS"/>
-              </a:defRPr>
-            </a:lvl2pPr>
-            <a:lvl3pPr marL="1143000" indent="-228600" algn="l" defTabSz="457200" rtl="0" eaLnBrk="1" latinLnBrk="0" hangingPunct="1">
-              <a:spcBef>
-                <a:spcPct val="20000"/>
-              </a:spcBef>
-              <a:buFont typeface="Arial"/>
-              <a:buChar char="•"/>
-              <a:defRPr sz="1600" kern="1200">
-                <a:solidFill>
-                  <a:schemeClr val="tx1"/>
-                </a:solidFill>
-                <a:latin typeface="Trebuchet MS"/>
-                <a:ea typeface="+mn-ea"/>
-                <a:cs typeface="Trebuchet MS"/>
-              </a:defRPr>
-            </a:lvl3pPr>
-            <a:lvl4pPr marL="1600200" indent="-228600" algn="l" defTabSz="457200" rtl="0" eaLnBrk="1" latinLnBrk="0" hangingPunct="1">
-              <a:spcBef>
-                <a:spcPct val="20000"/>
-              </a:spcBef>
-              <a:buFont typeface="Arial"/>
-              <a:buChar char="–"/>
-              <a:defRPr sz="1300" kern="1200">
-                <a:solidFill>
-                  <a:schemeClr val="tx1"/>
-                </a:solidFill>
-                <a:latin typeface="Trebuchet MS"/>
-                <a:ea typeface="+mn-ea"/>
-                <a:cs typeface="Trebuchet MS"/>
-              </a:defRPr>
-            </a:lvl4pPr>
-            <a:lvl5pPr marL="2057400" indent="-228600" algn="l" defTabSz="457200" rtl="0" eaLnBrk="1" latinLnBrk="0" hangingPunct="1">
-              <a:spcBef>
-                <a:spcPct val="20000"/>
-              </a:spcBef>
-              <a:buFont typeface="Arial"/>
-              <a:buChar char="»"/>
-              <a:defRPr sz="1100" kern="1200">
-                <a:solidFill>
-                  <a:schemeClr val="tx1"/>
-                </a:solidFill>
-                <a:latin typeface="Trebuchet MS"/>
-                <a:ea typeface="+mn-ea"/>
-                <a:cs typeface="Trebuchet MS"/>
-              </a:defRPr>
-            </a:lvl5pPr>
-            <a:lvl6pPr marL="2514600" indent="-228600" algn="l" defTabSz="457200" rtl="0" eaLnBrk="1" latinLnBrk="0" hangingPunct="1">
-              <a:spcBef>
-                <a:spcPct val="20000"/>
-              </a:spcBef>
-              <a:buFont typeface="Arial"/>
-              <a:buChar char="•"/>
-              <a:defRPr sz="2000" kern="1200">
-                <a:solidFill>
-                  <a:schemeClr val="tx1"/>
-                </a:solidFill>
-                <a:latin typeface="+mn-lt"/>
-                <a:ea typeface="+mn-ea"/>
-                <a:cs typeface="+mn-cs"/>
-              </a:defRPr>
-            </a:lvl6pPr>
-            <a:lvl7pPr marL="2971800" indent="-228600" algn="l" defTabSz="457200" rtl="0" eaLnBrk="1" latinLnBrk="0" hangingPunct="1">
-              <a:spcBef>
-                <a:spcPct val="20000"/>
-              </a:spcBef>
-              <a:buFont typeface="Arial"/>
-              <a:buChar char="•"/>
-              <a:defRPr sz="2000" kern="1200">
-                <a:solidFill>
-                  <a:schemeClr val="tx1"/>
-                </a:solidFill>
-                <a:latin typeface="+mn-lt"/>
-                <a:ea typeface="+mn-ea"/>
-                <a:cs typeface="+mn-cs"/>
-              </a:defRPr>
-            </a:lvl7pPr>
-            <a:lvl8pPr marL="3429000" indent="-228600" algn="l" defTabSz="457200" rtl="0" eaLnBrk="1" latinLnBrk="0" hangingPunct="1">
-              <a:spcBef>
-                <a:spcPct val="20000"/>
-              </a:spcBef>
-              <a:buFont typeface="Arial"/>
-              <a:buChar char="•"/>
-              <a:defRPr sz="2000" kern="1200">
-                <a:solidFill>
-                  <a:schemeClr val="tx1"/>
-                </a:solidFill>
-                <a:latin typeface="+mn-lt"/>
-                <a:ea typeface="+mn-ea"/>
-                <a:cs typeface="+mn-cs"/>
-              </a:defRPr>
-            </a:lvl8pPr>
-            <a:lvl9pPr marL="3886200" indent="-228600" algn="l" defTabSz="457200" rtl="0" eaLnBrk="1" latinLnBrk="0" hangingPunct="1">
-              <a:spcBef>
-                <a:spcPct val="20000"/>
-              </a:spcBef>
-              <a:buFont typeface="Arial"/>
-              <a:buChar char="•"/>
-              <a:defRPr sz="2000" kern="1200">
-                <a:solidFill>
-                  <a:schemeClr val="tx1"/>
-                </a:solidFill>
-                <a:latin typeface="+mn-lt"/>
-                <a:ea typeface="+mn-ea"/>
-                <a:cs typeface="+mn-cs"/>
-              </a:defRPr>
-            </a:lvl9pPr>
-          </a:lstStyle>
-          <a:p>
-            <a:r>
-              <a:rPr lang="en-US" sz="1800" dirty="0"/>
-              <a:t>Logical Row-Level Transformations</a:t>
-            </a:r>
-            <a:endParaRPr lang="en-US" sz="1800" b="1" dirty="0"/>
-          </a:p>
-        </p:txBody>
-      </p:sp>
-      <p:pic>
-        <p:nvPicPr>
-          <p:cNvPr id="3" name="Picture 2"/>
-          <p:cNvPicPr>
-            <a:picLocks noChangeAspect="1"/>
-          </p:cNvPicPr>
-          <p:nvPr/>
-        </p:nvPicPr>
-        <p:blipFill>
-          <a:blip r:embed="rId3"/>
-          <a:stretch>
-            <a:fillRect/>
-          </a:stretch>
-        </p:blipFill>
-        <p:spPr>
-          <a:xfrm>
-            <a:off x="1152525" y="1385887"/>
-            <a:ext cx="6838950" cy="2943225"/>
-          </a:xfrm>
-          <a:prstGeom prst="rect">
-            <a:avLst/>
-          </a:prstGeom>
-        </p:spPr>
-      </p:pic>
-    </p:spTree>
-    <p:extLst>
-      <p:ext uri="{BB962C8B-B14F-4D97-AF65-F5344CB8AC3E}">
-        <p14:creationId xmlns:p14="http://schemas.microsoft.com/office/powerpoint/2010/main" val="732667845"/>
-      </p:ext>
-    </p:extLst>
-  </p:cSld>
-  <p:clrMapOvr>
-    <a:masterClrMapping/>
-  </p:clrMapOvr>
-</p:sld>
-</file>
-
-<file path=ppt/slides/slide24.xml><?xml version="1.0" encoding="utf-8"?>
-<p:sld xmlns:a="http://schemas.openxmlformats.org/drawingml/2006/main" xmlns:r="http://schemas.openxmlformats.org/officeDocument/2006/relationships" xmlns:p="http://schemas.openxmlformats.org/presentationml/2006/main">
-  <p:cSld>
-    <p:spTree>
-      <p:nvGrpSpPr>
-        <p:cNvPr id="1" name=""/>
-        <p:cNvGrpSpPr/>
-        <p:nvPr/>
-      </p:nvGrpSpPr>
-      <p:grpSpPr>
-        <a:xfrm>
-          <a:off x="0" y="0"/>
-          <a:ext cx="0" cy="0"/>
-          <a:chOff x="0" y="0"/>
-          <a:chExt cx="0" cy="0"/>
-        </a:xfrm>
-      </p:grpSpPr>
-      <p:sp>
-        <p:nvSpPr>
-          <p:cNvPr id="13" name="Text Placeholder 12"/>
-          <p:cNvSpPr>
-            <a:spLocks noGrp="1"/>
-          </p:cNvSpPr>
-          <p:nvPr>
-            <p:ph type="body" sz="quarter" idx="10"/>
-          </p:nvPr>
-        </p:nvSpPr>
-        <p:spPr/>
-        <p:txBody>
-          <a:bodyPr>
-            <a:normAutofit/>
-          </a:bodyPr>
-          <a:lstStyle/>
-          <a:p>
-            <a:pPr>
-              <a:buClr>
-                <a:schemeClr val="bg1"/>
-              </a:buClr>
-              <a:buSzPct val="140000"/>
-            </a:pPr>
-            <a:r>
-              <a:rPr lang="en-US" b="1" dirty="0"/>
-              <a:t>Designing and Implementing Data Flow</a:t>
-            </a:r>
-          </a:p>
-        </p:txBody>
-      </p:sp>
-      <p:sp>
-        <p:nvSpPr>
-          <p:cNvPr id="6" name="Text Placeholder 4"/>
-          <p:cNvSpPr txBox="1">
-            <a:spLocks/>
-          </p:cNvSpPr>
-          <p:nvPr/>
-        </p:nvSpPr>
-        <p:spPr>
-          <a:xfrm>
-            <a:off x="236117" y="907598"/>
-            <a:ext cx="5829929" cy="387798"/>
-          </a:xfrm>
-          <a:prstGeom prst="rect">
-            <a:avLst/>
-          </a:prstGeom>
-          <a:solidFill>
-            <a:srgbClr val="39C2D7"/>
-          </a:solidFill>
-          <a:ln>
-            <a:noFill/>
-          </a:ln>
-        </p:spPr>
-        <p:txBody>
-          <a:bodyPr wrap="none" lIns="68580" tIns="54864" rIns="68580" bIns="54864" anchor="ctr" anchorCtr="0">
-            <a:spAutoFit/>
-          </a:bodyPr>
-          <a:lstStyle>
-            <a:lvl1pPr marL="0" indent="0" algn="l" defTabSz="457200" rtl="0" eaLnBrk="1" latinLnBrk="0" hangingPunct="1">
-              <a:spcBef>
-                <a:spcPts val="0"/>
-              </a:spcBef>
-              <a:buClr>
-                <a:schemeClr val="accent2"/>
-              </a:buClr>
-              <a:buFont typeface="Arial"/>
-              <a:buNone/>
-              <a:defRPr sz="1200" kern="1200">
-                <a:solidFill>
-                  <a:schemeClr val="bg1"/>
-                </a:solidFill>
-                <a:latin typeface="Arial Black"/>
-                <a:ea typeface="+mn-ea"/>
-                <a:cs typeface="Arial Black"/>
-              </a:defRPr>
-            </a:lvl1pPr>
-            <a:lvl2pPr marL="742950" indent="-285750" algn="l" defTabSz="457200" rtl="0" eaLnBrk="1" latinLnBrk="0" hangingPunct="1">
-              <a:spcBef>
-                <a:spcPct val="20000"/>
-              </a:spcBef>
-              <a:buFont typeface="Arial"/>
-              <a:buChar char="–"/>
-              <a:defRPr sz="1800" kern="1200">
-                <a:solidFill>
-                  <a:schemeClr val="tx1"/>
-                </a:solidFill>
-                <a:latin typeface="Trebuchet MS"/>
-                <a:ea typeface="+mn-ea"/>
-                <a:cs typeface="Trebuchet MS"/>
-              </a:defRPr>
-            </a:lvl2pPr>
-            <a:lvl3pPr marL="1143000" indent="-228600" algn="l" defTabSz="457200" rtl="0" eaLnBrk="1" latinLnBrk="0" hangingPunct="1">
-              <a:spcBef>
-                <a:spcPct val="20000"/>
-              </a:spcBef>
-              <a:buFont typeface="Arial"/>
-              <a:buChar char="•"/>
-              <a:defRPr sz="1600" kern="1200">
-                <a:solidFill>
-                  <a:schemeClr val="tx1"/>
-                </a:solidFill>
-                <a:latin typeface="Trebuchet MS"/>
-                <a:ea typeface="+mn-ea"/>
-                <a:cs typeface="Trebuchet MS"/>
-              </a:defRPr>
-            </a:lvl3pPr>
-            <a:lvl4pPr marL="1600200" indent="-228600" algn="l" defTabSz="457200" rtl="0" eaLnBrk="1" latinLnBrk="0" hangingPunct="1">
-              <a:spcBef>
-                <a:spcPct val="20000"/>
-              </a:spcBef>
-              <a:buFont typeface="Arial"/>
-              <a:buChar char="–"/>
-              <a:defRPr sz="1300" kern="1200">
-                <a:solidFill>
-                  <a:schemeClr val="tx1"/>
-                </a:solidFill>
-                <a:latin typeface="Trebuchet MS"/>
-                <a:ea typeface="+mn-ea"/>
-                <a:cs typeface="Trebuchet MS"/>
-              </a:defRPr>
-            </a:lvl4pPr>
-            <a:lvl5pPr marL="2057400" indent="-228600" algn="l" defTabSz="457200" rtl="0" eaLnBrk="1" latinLnBrk="0" hangingPunct="1">
-              <a:spcBef>
-                <a:spcPct val="20000"/>
-              </a:spcBef>
-              <a:buFont typeface="Arial"/>
-              <a:buChar char="»"/>
-              <a:defRPr sz="1100" kern="1200">
-                <a:solidFill>
-                  <a:schemeClr val="tx1"/>
-                </a:solidFill>
-                <a:latin typeface="Trebuchet MS"/>
-                <a:ea typeface="+mn-ea"/>
-                <a:cs typeface="Trebuchet MS"/>
-              </a:defRPr>
-            </a:lvl5pPr>
-            <a:lvl6pPr marL="2514600" indent="-228600" algn="l" defTabSz="457200" rtl="0" eaLnBrk="1" latinLnBrk="0" hangingPunct="1">
-              <a:spcBef>
-                <a:spcPct val="20000"/>
-              </a:spcBef>
-              <a:buFont typeface="Arial"/>
-              <a:buChar char="•"/>
-              <a:defRPr sz="2000" kern="1200">
-                <a:solidFill>
-                  <a:schemeClr val="tx1"/>
-                </a:solidFill>
-                <a:latin typeface="+mn-lt"/>
-                <a:ea typeface="+mn-ea"/>
-                <a:cs typeface="+mn-cs"/>
-              </a:defRPr>
-            </a:lvl6pPr>
-            <a:lvl7pPr marL="2971800" indent="-228600" algn="l" defTabSz="457200" rtl="0" eaLnBrk="1" latinLnBrk="0" hangingPunct="1">
-              <a:spcBef>
-                <a:spcPct val="20000"/>
-              </a:spcBef>
-              <a:buFont typeface="Arial"/>
-              <a:buChar char="•"/>
-              <a:defRPr sz="2000" kern="1200">
-                <a:solidFill>
-                  <a:schemeClr val="tx1"/>
-                </a:solidFill>
-                <a:latin typeface="+mn-lt"/>
-                <a:ea typeface="+mn-ea"/>
-                <a:cs typeface="+mn-cs"/>
-              </a:defRPr>
-            </a:lvl7pPr>
-            <a:lvl8pPr marL="3429000" indent="-228600" algn="l" defTabSz="457200" rtl="0" eaLnBrk="1" latinLnBrk="0" hangingPunct="1">
-              <a:spcBef>
-                <a:spcPct val="20000"/>
-              </a:spcBef>
-              <a:buFont typeface="Arial"/>
-              <a:buChar char="•"/>
-              <a:defRPr sz="2000" kern="1200">
-                <a:solidFill>
-                  <a:schemeClr val="tx1"/>
-                </a:solidFill>
-                <a:latin typeface="+mn-lt"/>
-                <a:ea typeface="+mn-ea"/>
-                <a:cs typeface="+mn-cs"/>
-              </a:defRPr>
-            </a:lvl8pPr>
-            <a:lvl9pPr marL="3886200" indent="-228600" algn="l" defTabSz="457200" rtl="0" eaLnBrk="1" latinLnBrk="0" hangingPunct="1">
-              <a:spcBef>
-                <a:spcPct val="20000"/>
-              </a:spcBef>
-              <a:buFont typeface="Arial"/>
-              <a:buChar char="•"/>
-              <a:defRPr sz="2000" kern="1200">
-                <a:solidFill>
-                  <a:schemeClr val="tx1"/>
-                </a:solidFill>
-                <a:latin typeface="+mn-lt"/>
-                <a:ea typeface="+mn-ea"/>
-                <a:cs typeface="+mn-cs"/>
-              </a:defRPr>
-            </a:lvl9pPr>
-          </a:lstStyle>
-          <a:p>
-            <a:r>
-              <a:rPr lang="en-US" sz="1800" dirty="0"/>
-              <a:t>Multi-Input and Multi-Output Transformations</a:t>
-            </a:r>
-            <a:endParaRPr lang="en-US" sz="1800" b="1" dirty="0"/>
-          </a:p>
-        </p:txBody>
-      </p:sp>
-      <p:pic>
-        <p:nvPicPr>
-          <p:cNvPr id="2" name="Picture 1"/>
-          <p:cNvPicPr>
-            <a:picLocks noChangeAspect="1"/>
-          </p:cNvPicPr>
-          <p:nvPr/>
-        </p:nvPicPr>
-        <p:blipFill>
-          <a:blip r:embed="rId3"/>
-          <a:stretch>
-            <a:fillRect/>
-          </a:stretch>
-        </p:blipFill>
-        <p:spPr>
-          <a:xfrm>
-            <a:off x="1223962" y="1503478"/>
-            <a:ext cx="6924675" cy="3028950"/>
-          </a:xfrm>
-          <a:prstGeom prst="rect">
-            <a:avLst/>
-          </a:prstGeom>
-        </p:spPr>
-      </p:pic>
-    </p:spTree>
-    <p:extLst>
-      <p:ext uri="{BB962C8B-B14F-4D97-AF65-F5344CB8AC3E}">
-        <p14:creationId xmlns:p14="http://schemas.microsoft.com/office/powerpoint/2010/main" val="471017393"/>
-      </p:ext>
-    </p:extLst>
-  </p:cSld>
-  <p:clrMapOvr>
-    <a:masterClrMapping/>
-  </p:clrMapOvr>
-</p:sld>
-</file>
-
-<file path=ppt/slides/slide25.xml><?xml version="1.0" encoding="utf-8"?>
-<p:sld xmlns:a="http://schemas.openxmlformats.org/drawingml/2006/main" xmlns:r="http://schemas.openxmlformats.org/officeDocument/2006/relationships" xmlns:p="http://schemas.openxmlformats.org/presentationml/2006/main">
-  <p:cSld>
-    <p:spTree>
-      <p:nvGrpSpPr>
-        <p:cNvPr id="1" name=""/>
-        <p:cNvGrpSpPr/>
-        <p:nvPr/>
-      </p:nvGrpSpPr>
-      <p:grpSpPr>
-        <a:xfrm>
-          <a:off x="0" y="0"/>
-          <a:ext cx="0" cy="0"/>
-          <a:chOff x="0" y="0"/>
-          <a:chExt cx="0" cy="0"/>
-        </a:xfrm>
-      </p:grpSpPr>
-      <p:sp>
-        <p:nvSpPr>
-          <p:cNvPr id="13" name="Text Placeholder 12"/>
-          <p:cNvSpPr>
-            <a:spLocks noGrp="1"/>
-          </p:cNvSpPr>
-          <p:nvPr>
-            <p:ph type="body" sz="quarter" idx="10"/>
-          </p:nvPr>
-        </p:nvSpPr>
-        <p:spPr/>
-        <p:txBody>
-          <a:bodyPr>
-            <a:normAutofit/>
-          </a:bodyPr>
-          <a:lstStyle/>
-          <a:p>
-            <a:pPr>
-              <a:buClr>
-                <a:schemeClr val="bg1"/>
-              </a:buClr>
-              <a:buSzPct val="140000"/>
-            </a:pPr>
-            <a:r>
-              <a:rPr lang="en-US" b="1" dirty="0"/>
-              <a:t>Designing and Implementing Data Flow</a:t>
-            </a:r>
-          </a:p>
-        </p:txBody>
-      </p:sp>
-      <p:sp>
-        <p:nvSpPr>
-          <p:cNvPr id="6" name="Text Placeholder 4"/>
-          <p:cNvSpPr txBox="1">
-            <a:spLocks/>
-          </p:cNvSpPr>
-          <p:nvPr/>
-        </p:nvSpPr>
-        <p:spPr>
-          <a:xfrm>
-            <a:off x="236117" y="907598"/>
-            <a:ext cx="5829929" cy="387798"/>
-          </a:xfrm>
-          <a:prstGeom prst="rect">
-            <a:avLst/>
-          </a:prstGeom>
-          <a:solidFill>
-            <a:srgbClr val="39C2D7"/>
-          </a:solidFill>
-          <a:ln>
-            <a:noFill/>
-          </a:ln>
-        </p:spPr>
-        <p:txBody>
-          <a:bodyPr wrap="none" lIns="68580" tIns="54864" rIns="68580" bIns="54864" anchor="ctr" anchorCtr="0">
-            <a:spAutoFit/>
-          </a:bodyPr>
-          <a:lstStyle>
-            <a:lvl1pPr marL="0" indent="0" algn="l" defTabSz="457200" rtl="0" eaLnBrk="1" latinLnBrk="0" hangingPunct="1">
-              <a:spcBef>
-                <a:spcPts val="0"/>
-              </a:spcBef>
-              <a:buClr>
-                <a:schemeClr val="accent2"/>
-              </a:buClr>
-              <a:buFont typeface="Arial"/>
-              <a:buNone/>
-              <a:defRPr sz="1200" kern="1200">
-                <a:solidFill>
-                  <a:schemeClr val="bg1"/>
-                </a:solidFill>
-                <a:latin typeface="Arial Black"/>
-                <a:ea typeface="+mn-ea"/>
-                <a:cs typeface="Arial Black"/>
-              </a:defRPr>
-            </a:lvl1pPr>
-            <a:lvl2pPr marL="742950" indent="-285750" algn="l" defTabSz="457200" rtl="0" eaLnBrk="1" latinLnBrk="0" hangingPunct="1">
-              <a:spcBef>
-                <a:spcPct val="20000"/>
-              </a:spcBef>
-              <a:buFont typeface="Arial"/>
-              <a:buChar char="–"/>
-              <a:defRPr sz="1800" kern="1200">
-                <a:solidFill>
-                  <a:schemeClr val="tx1"/>
-                </a:solidFill>
-                <a:latin typeface="Trebuchet MS"/>
-                <a:ea typeface="+mn-ea"/>
-                <a:cs typeface="Trebuchet MS"/>
-              </a:defRPr>
-            </a:lvl2pPr>
-            <a:lvl3pPr marL="1143000" indent="-228600" algn="l" defTabSz="457200" rtl="0" eaLnBrk="1" latinLnBrk="0" hangingPunct="1">
-              <a:spcBef>
-                <a:spcPct val="20000"/>
-              </a:spcBef>
-              <a:buFont typeface="Arial"/>
-              <a:buChar char="•"/>
-              <a:defRPr sz="1600" kern="1200">
-                <a:solidFill>
-                  <a:schemeClr val="tx1"/>
-                </a:solidFill>
-                <a:latin typeface="Trebuchet MS"/>
-                <a:ea typeface="+mn-ea"/>
-                <a:cs typeface="Trebuchet MS"/>
-              </a:defRPr>
-            </a:lvl3pPr>
-            <a:lvl4pPr marL="1600200" indent="-228600" algn="l" defTabSz="457200" rtl="0" eaLnBrk="1" latinLnBrk="0" hangingPunct="1">
-              <a:spcBef>
-                <a:spcPct val="20000"/>
-              </a:spcBef>
-              <a:buFont typeface="Arial"/>
-              <a:buChar char="–"/>
-              <a:defRPr sz="1300" kern="1200">
-                <a:solidFill>
-                  <a:schemeClr val="tx1"/>
-                </a:solidFill>
-                <a:latin typeface="Trebuchet MS"/>
-                <a:ea typeface="+mn-ea"/>
-                <a:cs typeface="Trebuchet MS"/>
-              </a:defRPr>
-            </a:lvl4pPr>
-            <a:lvl5pPr marL="2057400" indent="-228600" algn="l" defTabSz="457200" rtl="0" eaLnBrk="1" latinLnBrk="0" hangingPunct="1">
-              <a:spcBef>
-                <a:spcPct val="20000"/>
-              </a:spcBef>
-              <a:buFont typeface="Arial"/>
-              <a:buChar char="»"/>
-              <a:defRPr sz="1100" kern="1200">
-                <a:solidFill>
-                  <a:schemeClr val="tx1"/>
-                </a:solidFill>
-                <a:latin typeface="Trebuchet MS"/>
-                <a:ea typeface="+mn-ea"/>
-                <a:cs typeface="Trebuchet MS"/>
-              </a:defRPr>
-            </a:lvl5pPr>
-            <a:lvl6pPr marL="2514600" indent="-228600" algn="l" defTabSz="457200" rtl="0" eaLnBrk="1" latinLnBrk="0" hangingPunct="1">
-              <a:spcBef>
-                <a:spcPct val="20000"/>
-              </a:spcBef>
-              <a:buFont typeface="Arial"/>
-              <a:buChar char="•"/>
-              <a:defRPr sz="2000" kern="1200">
-                <a:solidFill>
-                  <a:schemeClr val="tx1"/>
-                </a:solidFill>
-                <a:latin typeface="+mn-lt"/>
-                <a:ea typeface="+mn-ea"/>
-                <a:cs typeface="+mn-cs"/>
-              </a:defRPr>
-            </a:lvl6pPr>
-            <a:lvl7pPr marL="2971800" indent="-228600" algn="l" defTabSz="457200" rtl="0" eaLnBrk="1" latinLnBrk="0" hangingPunct="1">
-              <a:spcBef>
-                <a:spcPct val="20000"/>
-              </a:spcBef>
-              <a:buFont typeface="Arial"/>
-              <a:buChar char="•"/>
-              <a:defRPr sz="2000" kern="1200">
-                <a:solidFill>
-                  <a:schemeClr val="tx1"/>
-                </a:solidFill>
-                <a:latin typeface="+mn-lt"/>
-                <a:ea typeface="+mn-ea"/>
-                <a:cs typeface="+mn-cs"/>
-              </a:defRPr>
-            </a:lvl7pPr>
-            <a:lvl8pPr marL="3429000" indent="-228600" algn="l" defTabSz="457200" rtl="0" eaLnBrk="1" latinLnBrk="0" hangingPunct="1">
-              <a:spcBef>
-                <a:spcPct val="20000"/>
-              </a:spcBef>
-              <a:buFont typeface="Arial"/>
-              <a:buChar char="•"/>
-              <a:defRPr sz="2000" kern="1200">
-                <a:solidFill>
-                  <a:schemeClr val="tx1"/>
-                </a:solidFill>
-                <a:latin typeface="+mn-lt"/>
-                <a:ea typeface="+mn-ea"/>
-                <a:cs typeface="+mn-cs"/>
-              </a:defRPr>
-            </a:lvl8pPr>
-            <a:lvl9pPr marL="3886200" indent="-228600" algn="l" defTabSz="457200" rtl="0" eaLnBrk="1" latinLnBrk="0" hangingPunct="1">
-              <a:spcBef>
-                <a:spcPct val="20000"/>
-              </a:spcBef>
-              <a:buFont typeface="Arial"/>
-              <a:buChar char="•"/>
-              <a:defRPr sz="2000" kern="1200">
-                <a:solidFill>
-                  <a:schemeClr val="tx1"/>
-                </a:solidFill>
-                <a:latin typeface="+mn-lt"/>
-                <a:ea typeface="+mn-ea"/>
-                <a:cs typeface="+mn-cs"/>
-              </a:defRPr>
-            </a:lvl9pPr>
-          </a:lstStyle>
-          <a:p>
-            <a:r>
-              <a:rPr lang="en-US" sz="1800" dirty="0"/>
-              <a:t>Multi-Input and Multi-Output Transformations</a:t>
-            </a:r>
-            <a:endParaRPr lang="en-US" sz="1800" b="1" dirty="0"/>
-          </a:p>
-        </p:txBody>
-      </p:sp>
-      <p:pic>
-        <p:nvPicPr>
-          <p:cNvPr id="4" name="Picture 3"/>
-          <p:cNvPicPr>
-            <a:picLocks noChangeAspect="1"/>
-          </p:cNvPicPr>
-          <p:nvPr/>
-        </p:nvPicPr>
-        <p:blipFill>
-          <a:blip r:embed="rId3"/>
-          <a:stretch>
-            <a:fillRect/>
-          </a:stretch>
-        </p:blipFill>
-        <p:spPr>
-          <a:xfrm>
-            <a:off x="528637" y="1377043"/>
-            <a:ext cx="8086725" cy="3238500"/>
-          </a:xfrm>
-          <a:prstGeom prst="rect">
-            <a:avLst/>
-          </a:prstGeom>
-        </p:spPr>
-      </p:pic>
-    </p:spTree>
-    <p:extLst>
-      <p:ext uri="{BB962C8B-B14F-4D97-AF65-F5344CB8AC3E}">
-        <p14:creationId xmlns:p14="http://schemas.microsoft.com/office/powerpoint/2010/main" val="4213871174"/>
-      </p:ext>
-    </p:extLst>
-  </p:cSld>
-  <p:clrMapOvr>
-    <a:masterClrMapping/>
-  </p:clrMapOvr>
-</p:sld>
-</file>
-
-<file path=ppt/slides/slide26.xml><?xml version="1.0" encoding="utf-8"?>
-<p:sld xmlns:a="http://schemas.openxmlformats.org/drawingml/2006/main" xmlns:r="http://schemas.openxmlformats.org/officeDocument/2006/relationships" xmlns:p="http://schemas.openxmlformats.org/presentationml/2006/main">
-  <p:cSld>
-    <p:spTree>
-      <p:nvGrpSpPr>
-        <p:cNvPr id="1" name=""/>
-        <p:cNvGrpSpPr/>
-        <p:nvPr/>
-      </p:nvGrpSpPr>
-      <p:grpSpPr>
-        <a:xfrm>
-          <a:off x="0" y="0"/>
-          <a:ext cx="0" cy="0"/>
-          <a:chOff x="0" y="0"/>
-          <a:chExt cx="0" cy="0"/>
-        </a:xfrm>
-      </p:grpSpPr>
-      <p:sp>
-        <p:nvSpPr>
-          <p:cNvPr id="13" name="Text Placeholder 12"/>
-          <p:cNvSpPr>
-            <a:spLocks noGrp="1"/>
-          </p:cNvSpPr>
-          <p:nvPr>
-            <p:ph type="body" sz="quarter" idx="10"/>
-          </p:nvPr>
-        </p:nvSpPr>
-        <p:spPr/>
-        <p:txBody>
-          <a:bodyPr>
-            <a:normAutofit/>
-          </a:bodyPr>
-          <a:lstStyle/>
-          <a:p>
-            <a:pPr>
-              <a:buClr>
-                <a:schemeClr val="bg1"/>
-              </a:buClr>
-              <a:buSzPct val="140000"/>
-            </a:pPr>
-            <a:r>
-              <a:rPr lang="en-US" b="1" dirty="0"/>
-              <a:t>Designing and Implementing Data Flow</a:t>
-            </a:r>
-          </a:p>
-        </p:txBody>
-      </p:sp>
-      <p:sp>
-        <p:nvSpPr>
-          <p:cNvPr id="6" name="Text Placeholder 4"/>
-          <p:cNvSpPr txBox="1">
-            <a:spLocks/>
-          </p:cNvSpPr>
-          <p:nvPr/>
-        </p:nvSpPr>
-        <p:spPr>
-          <a:xfrm>
-            <a:off x="236117" y="907598"/>
-            <a:ext cx="3537122" cy="387798"/>
-          </a:xfrm>
-          <a:prstGeom prst="rect">
-            <a:avLst/>
-          </a:prstGeom>
-          <a:solidFill>
-            <a:srgbClr val="39C2D7"/>
-          </a:solidFill>
-          <a:ln>
-            <a:noFill/>
-          </a:ln>
-        </p:spPr>
-        <p:txBody>
-          <a:bodyPr wrap="none" lIns="68580" tIns="54864" rIns="68580" bIns="54864" anchor="ctr" anchorCtr="0">
-            <a:spAutoFit/>
-          </a:bodyPr>
-          <a:lstStyle>
-            <a:lvl1pPr marL="0" indent="0" algn="l" defTabSz="457200" rtl="0" eaLnBrk="1" latinLnBrk="0" hangingPunct="1">
-              <a:spcBef>
-                <a:spcPts val="0"/>
-              </a:spcBef>
-              <a:buClr>
-                <a:schemeClr val="accent2"/>
-              </a:buClr>
-              <a:buFont typeface="Arial"/>
-              <a:buNone/>
-              <a:defRPr sz="1200" kern="1200">
-                <a:solidFill>
-                  <a:schemeClr val="bg1"/>
-                </a:solidFill>
-                <a:latin typeface="Arial Black"/>
-                <a:ea typeface="+mn-ea"/>
-                <a:cs typeface="Arial Black"/>
-              </a:defRPr>
-            </a:lvl1pPr>
-            <a:lvl2pPr marL="742950" indent="-285750" algn="l" defTabSz="457200" rtl="0" eaLnBrk="1" latinLnBrk="0" hangingPunct="1">
-              <a:spcBef>
-                <a:spcPct val="20000"/>
-              </a:spcBef>
-              <a:buFont typeface="Arial"/>
-              <a:buChar char="–"/>
-              <a:defRPr sz="1800" kern="1200">
-                <a:solidFill>
-                  <a:schemeClr val="tx1"/>
-                </a:solidFill>
-                <a:latin typeface="Trebuchet MS"/>
-                <a:ea typeface="+mn-ea"/>
-                <a:cs typeface="Trebuchet MS"/>
-              </a:defRPr>
-            </a:lvl2pPr>
-            <a:lvl3pPr marL="1143000" indent="-228600" algn="l" defTabSz="457200" rtl="0" eaLnBrk="1" latinLnBrk="0" hangingPunct="1">
-              <a:spcBef>
-                <a:spcPct val="20000"/>
-              </a:spcBef>
-              <a:buFont typeface="Arial"/>
-              <a:buChar char="•"/>
-              <a:defRPr sz="1600" kern="1200">
-                <a:solidFill>
-                  <a:schemeClr val="tx1"/>
-                </a:solidFill>
-                <a:latin typeface="Trebuchet MS"/>
-                <a:ea typeface="+mn-ea"/>
-                <a:cs typeface="Trebuchet MS"/>
-              </a:defRPr>
-            </a:lvl3pPr>
-            <a:lvl4pPr marL="1600200" indent="-228600" algn="l" defTabSz="457200" rtl="0" eaLnBrk="1" latinLnBrk="0" hangingPunct="1">
-              <a:spcBef>
-                <a:spcPct val="20000"/>
-              </a:spcBef>
-              <a:buFont typeface="Arial"/>
-              <a:buChar char="–"/>
-              <a:defRPr sz="1300" kern="1200">
-                <a:solidFill>
-                  <a:schemeClr val="tx1"/>
-                </a:solidFill>
-                <a:latin typeface="Trebuchet MS"/>
-                <a:ea typeface="+mn-ea"/>
-                <a:cs typeface="Trebuchet MS"/>
-              </a:defRPr>
-            </a:lvl4pPr>
-            <a:lvl5pPr marL="2057400" indent="-228600" algn="l" defTabSz="457200" rtl="0" eaLnBrk="1" latinLnBrk="0" hangingPunct="1">
-              <a:spcBef>
-                <a:spcPct val="20000"/>
-              </a:spcBef>
-              <a:buFont typeface="Arial"/>
-              <a:buChar char="»"/>
-              <a:defRPr sz="1100" kern="1200">
-                <a:solidFill>
-                  <a:schemeClr val="tx1"/>
-                </a:solidFill>
-                <a:latin typeface="Trebuchet MS"/>
-                <a:ea typeface="+mn-ea"/>
-                <a:cs typeface="Trebuchet MS"/>
-              </a:defRPr>
-            </a:lvl5pPr>
-            <a:lvl6pPr marL="2514600" indent="-228600" algn="l" defTabSz="457200" rtl="0" eaLnBrk="1" latinLnBrk="0" hangingPunct="1">
-              <a:spcBef>
-                <a:spcPct val="20000"/>
-              </a:spcBef>
-              <a:buFont typeface="Arial"/>
-              <a:buChar char="•"/>
-              <a:defRPr sz="2000" kern="1200">
-                <a:solidFill>
-                  <a:schemeClr val="tx1"/>
-                </a:solidFill>
-                <a:latin typeface="+mn-lt"/>
-                <a:ea typeface="+mn-ea"/>
-                <a:cs typeface="+mn-cs"/>
-              </a:defRPr>
-            </a:lvl6pPr>
-            <a:lvl7pPr marL="2971800" indent="-228600" algn="l" defTabSz="457200" rtl="0" eaLnBrk="1" latinLnBrk="0" hangingPunct="1">
-              <a:spcBef>
-                <a:spcPct val="20000"/>
-              </a:spcBef>
-              <a:buFont typeface="Arial"/>
-              <a:buChar char="•"/>
-              <a:defRPr sz="2000" kern="1200">
-                <a:solidFill>
-                  <a:schemeClr val="tx1"/>
-                </a:solidFill>
-                <a:latin typeface="+mn-lt"/>
-                <a:ea typeface="+mn-ea"/>
-                <a:cs typeface="+mn-cs"/>
-              </a:defRPr>
-            </a:lvl7pPr>
-            <a:lvl8pPr marL="3429000" indent="-228600" algn="l" defTabSz="457200" rtl="0" eaLnBrk="1" latinLnBrk="0" hangingPunct="1">
-              <a:spcBef>
-                <a:spcPct val="20000"/>
-              </a:spcBef>
-              <a:buFont typeface="Arial"/>
-              <a:buChar char="•"/>
-              <a:defRPr sz="2000" kern="1200">
-                <a:solidFill>
-                  <a:schemeClr val="tx1"/>
-                </a:solidFill>
-                <a:latin typeface="+mn-lt"/>
-                <a:ea typeface="+mn-ea"/>
-                <a:cs typeface="+mn-cs"/>
-              </a:defRPr>
-            </a:lvl8pPr>
-            <a:lvl9pPr marL="3886200" indent="-228600" algn="l" defTabSz="457200" rtl="0" eaLnBrk="1" latinLnBrk="0" hangingPunct="1">
-              <a:spcBef>
-                <a:spcPct val="20000"/>
-              </a:spcBef>
-              <a:buFont typeface="Arial"/>
-              <a:buChar char="•"/>
-              <a:defRPr sz="2000" kern="1200">
-                <a:solidFill>
-                  <a:schemeClr val="tx1"/>
-                </a:solidFill>
-                <a:latin typeface="+mn-lt"/>
-                <a:ea typeface="+mn-ea"/>
-                <a:cs typeface="+mn-cs"/>
-              </a:defRPr>
-            </a:lvl9pPr>
-          </a:lstStyle>
-          <a:p>
-            <a:r>
-              <a:rPr lang="en-US" sz="1800" dirty="0"/>
-              <a:t>Multi-Row Transformations</a:t>
-            </a:r>
-            <a:endParaRPr lang="en-US" sz="1800" b="1" dirty="0"/>
-          </a:p>
-        </p:txBody>
-      </p:sp>
-      <p:pic>
-        <p:nvPicPr>
-          <p:cNvPr id="2" name="Picture 1"/>
-          <p:cNvPicPr>
-            <a:picLocks noChangeAspect="1"/>
-          </p:cNvPicPr>
-          <p:nvPr/>
-        </p:nvPicPr>
-        <p:blipFill>
-          <a:blip r:embed="rId3"/>
-          <a:stretch>
-            <a:fillRect/>
-          </a:stretch>
-        </p:blipFill>
-        <p:spPr>
-          <a:xfrm>
-            <a:off x="1157287" y="1366837"/>
-            <a:ext cx="6829425" cy="3438525"/>
-          </a:xfrm>
-          <a:prstGeom prst="rect">
-            <a:avLst/>
-          </a:prstGeom>
-        </p:spPr>
-      </p:pic>
-    </p:spTree>
-    <p:extLst>
-      <p:ext uri="{BB962C8B-B14F-4D97-AF65-F5344CB8AC3E}">
-        <p14:creationId xmlns:p14="http://schemas.microsoft.com/office/powerpoint/2010/main" val="1180387500"/>
-      </p:ext>
-    </p:extLst>
-  </p:cSld>
-  <p:clrMapOvr>
-    <a:masterClrMapping/>
-  </p:clrMapOvr>
-</p:sld>
-</file>
-
-<file path=ppt/slides/slide27.xml><?xml version="1.0" encoding="utf-8"?>
-<p:sld xmlns:a="http://schemas.openxmlformats.org/drawingml/2006/main" xmlns:r="http://schemas.openxmlformats.org/officeDocument/2006/relationships" xmlns:p="http://schemas.openxmlformats.org/presentationml/2006/main">
-  <p:cSld>
-    <p:spTree>
-      <p:nvGrpSpPr>
-        <p:cNvPr id="1" name=""/>
-        <p:cNvGrpSpPr/>
-        <p:nvPr/>
-      </p:nvGrpSpPr>
-      <p:grpSpPr>
-        <a:xfrm>
-          <a:off x="0" y="0"/>
-          <a:ext cx="0" cy="0"/>
-          <a:chOff x="0" y="0"/>
-          <a:chExt cx="0" cy="0"/>
-        </a:xfrm>
-      </p:grpSpPr>
-      <p:sp>
-        <p:nvSpPr>
-          <p:cNvPr id="13" name="Text Placeholder 12"/>
-          <p:cNvSpPr>
-            <a:spLocks noGrp="1"/>
-          </p:cNvSpPr>
-          <p:nvPr>
-            <p:ph type="body" sz="quarter" idx="10"/>
-          </p:nvPr>
-        </p:nvSpPr>
-        <p:spPr/>
-        <p:txBody>
-          <a:bodyPr>
-            <a:normAutofit/>
-          </a:bodyPr>
-          <a:lstStyle/>
-          <a:p>
-            <a:pPr>
-              <a:buClr>
-                <a:schemeClr val="bg1"/>
-              </a:buClr>
-              <a:buSzPct val="140000"/>
-            </a:pPr>
-            <a:r>
-              <a:rPr lang="en-US" b="1" dirty="0"/>
-              <a:t>Designing and Implementing Data Flow</a:t>
-            </a:r>
-          </a:p>
-        </p:txBody>
-      </p:sp>
-      <p:sp>
-        <p:nvSpPr>
-          <p:cNvPr id="6" name="Text Placeholder 4"/>
-          <p:cNvSpPr txBox="1">
-            <a:spLocks/>
-          </p:cNvSpPr>
-          <p:nvPr/>
-        </p:nvSpPr>
-        <p:spPr>
-          <a:xfrm>
-            <a:off x="236117" y="907598"/>
-            <a:ext cx="5752729" cy="387798"/>
-          </a:xfrm>
-          <a:prstGeom prst="rect">
-            <a:avLst/>
-          </a:prstGeom>
-          <a:solidFill>
-            <a:srgbClr val="39C2D7"/>
-          </a:solidFill>
-          <a:ln>
-            <a:noFill/>
-          </a:ln>
-        </p:spPr>
-        <p:txBody>
-          <a:bodyPr wrap="none" lIns="68580" tIns="54864" rIns="68580" bIns="54864" anchor="ctr" anchorCtr="0">
-            <a:spAutoFit/>
-          </a:bodyPr>
-          <a:lstStyle>
-            <a:lvl1pPr marL="0" indent="0" algn="l" defTabSz="457200" rtl="0" eaLnBrk="1" latinLnBrk="0" hangingPunct="1">
-              <a:spcBef>
-                <a:spcPts val="0"/>
-              </a:spcBef>
-              <a:buClr>
-                <a:schemeClr val="accent2"/>
-              </a:buClr>
-              <a:buFont typeface="Arial"/>
-              <a:buNone/>
-              <a:defRPr sz="1200" kern="1200">
-                <a:solidFill>
-                  <a:schemeClr val="bg1"/>
-                </a:solidFill>
-                <a:latin typeface="Arial Black"/>
-                <a:ea typeface="+mn-ea"/>
-                <a:cs typeface="Arial Black"/>
-              </a:defRPr>
-            </a:lvl1pPr>
-            <a:lvl2pPr marL="742950" indent="-285750" algn="l" defTabSz="457200" rtl="0" eaLnBrk="1" latinLnBrk="0" hangingPunct="1">
-              <a:spcBef>
-                <a:spcPct val="20000"/>
-              </a:spcBef>
-              <a:buFont typeface="Arial"/>
-              <a:buChar char="–"/>
-              <a:defRPr sz="1800" kern="1200">
-                <a:solidFill>
-                  <a:schemeClr val="tx1"/>
-                </a:solidFill>
-                <a:latin typeface="Trebuchet MS"/>
-                <a:ea typeface="+mn-ea"/>
-                <a:cs typeface="Trebuchet MS"/>
-              </a:defRPr>
-            </a:lvl2pPr>
-            <a:lvl3pPr marL="1143000" indent="-228600" algn="l" defTabSz="457200" rtl="0" eaLnBrk="1" latinLnBrk="0" hangingPunct="1">
-              <a:spcBef>
-                <a:spcPct val="20000"/>
-              </a:spcBef>
-              <a:buFont typeface="Arial"/>
-              <a:buChar char="•"/>
-              <a:defRPr sz="1600" kern="1200">
-                <a:solidFill>
-                  <a:schemeClr val="tx1"/>
-                </a:solidFill>
-                <a:latin typeface="Trebuchet MS"/>
-                <a:ea typeface="+mn-ea"/>
-                <a:cs typeface="Trebuchet MS"/>
-              </a:defRPr>
-            </a:lvl3pPr>
-            <a:lvl4pPr marL="1600200" indent="-228600" algn="l" defTabSz="457200" rtl="0" eaLnBrk="1" latinLnBrk="0" hangingPunct="1">
-              <a:spcBef>
-                <a:spcPct val="20000"/>
-              </a:spcBef>
-              <a:buFont typeface="Arial"/>
-              <a:buChar char="–"/>
-              <a:defRPr sz="1300" kern="1200">
-                <a:solidFill>
-                  <a:schemeClr val="tx1"/>
-                </a:solidFill>
-                <a:latin typeface="Trebuchet MS"/>
-                <a:ea typeface="+mn-ea"/>
-                <a:cs typeface="Trebuchet MS"/>
-              </a:defRPr>
-            </a:lvl4pPr>
-            <a:lvl5pPr marL="2057400" indent="-228600" algn="l" defTabSz="457200" rtl="0" eaLnBrk="1" latinLnBrk="0" hangingPunct="1">
-              <a:spcBef>
-                <a:spcPct val="20000"/>
-              </a:spcBef>
-              <a:buFont typeface="Arial"/>
-              <a:buChar char="»"/>
-              <a:defRPr sz="1100" kern="1200">
-                <a:solidFill>
-                  <a:schemeClr val="tx1"/>
-                </a:solidFill>
-                <a:latin typeface="Trebuchet MS"/>
-                <a:ea typeface="+mn-ea"/>
-                <a:cs typeface="Trebuchet MS"/>
-              </a:defRPr>
-            </a:lvl5pPr>
-            <a:lvl6pPr marL="2514600" indent="-228600" algn="l" defTabSz="457200" rtl="0" eaLnBrk="1" latinLnBrk="0" hangingPunct="1">
-              <a:spcBef>
-                <a:spcPct val="20000"/>
-              </a:spcBef>
-              <a:buFont typeface="Arial"/>
-              <a:buChar char="•"/>
-              <a:defRPr sz="2000" kern="1200">
-                <a:solidFill>
-                  <a:schemeClr val="tx1"/>
-                </a:solidFill>
-                <a:latin typeface="+mn-lt"/>
-                <a:ea typeface="+mn-ea"/>
-                <a:cs typeface="+mn-cs"/>
-              </a:defRPr>
-            </a:lvl6pPr>
-            <a:lvl7pPr marL="2971800" indent="-228600" algn="l" defTabSz="457200" rtl="0" eaLnBrk="1" latinLnBrk="0" hangingPunct="1">
-              <a:spcBef>
-                <a:spcPct val="20000"/>
-              </a:spcBef>
-              <a:buFont typeface="Arial"/>
-              <a:buChar char="•"/>
-              <a:defRPr sz="2000" kern="1200">
-                <a:solidFill>
-                  <a:schemeClr val="tx1"/>
-                </a:solidFill>
-                <a:latin typeface="+mn-lt"/>
-                <a:ea typeface="+mn-ea"/>
-                <a:cs typeface="+mn-cs"/>
-              </a:defRPr>
-            </a:lvl7pPr>
-            <a:lvl8pPr marL="3429000" indent="-228600" algn="l" defTabSz="457200" rtl="0" eaLnBrk="1" latinLnBrk="0" hangingPunct="1">
-              <a:spcBef>
-                <a:spcPct val="20000"/>
-              </a:spcBef>
-              <a:buFont typeface="Arial"/>
-              <a:buChar char="•"/>
-              <a:defRPr sz="2000" kern="1200">
-                <a:solidFill>
-                  <a:schemeClr val="tx1"/>
-                </a:solidFill>
-                <a:latin typeface="+mn-lt"/>
-                <a:ea typeface="+mn-ea"/>
-                <a:cs typeface="+mn-cs"/>
-              </a:defRPr>
-            </a:lvl8pPr>
-            <a:lvl9pPr marL="3886200" indent="-228600" algn="l" defTabSz="457200" rtl="0" eaLnBrk="1" latinLnBrk="0" hangingPunct="1">
-              <a:spcBef>
-                <a:spcPct val="20000"/>
-              </a:spcBef>
-              <a:buFont typeface="Arial"/>
-              <a:buChar char="•"/>
-              <a:defRPr sz="2000" kern="1200">
-                <a:solidFill>
-                  <a:schemeClr val="tx1"/>
-                </a:solidFill>
-                <a:latin typeface="+mn-lt"/>
-                <a:ea typeface="+mn-ea"/>
-                <a:cs typeface="+mn-cs"/>
-              </a:defRPr>
-            </a:lvl9pPr>
-          </a:lstStyle>
-          <a:p>
-            <a:r>
-              <a:rPr lang="en-US" sz="1800" dirty="0"/>
-              <a:t>Advanced Data-Preparation Transformations</a:t>
-            </a:r>
-            <a:endParaRPr lang="en-US" sz="1800" b="1" dirty="0"/>
-          </a:p>
-        </p:txBody>
-      </p:sp>
-      <p:pic>
-        <p:nvPicPr>
-          <p:cNvPr id="3" name="Picture 2"/>
-          <p:cNvPicPr>
-            <a:picLocks noChangeAspect="1"/>
-          </p:cNvPicPr>
-          <p:nvPr/>
-        </p:nvPicPr>
-        <p:blipFill>
-          <a:blip r:embed="rId3"/>
-          <a:stretch>
-            <a:fillRect/>
-          </a:stretch>
-        </p:blipFill>
-        <p:spPr>
-          <a:xfrm>
-            <a:off x="1859416" y="1372493"/>
-            <a:ext cx="4631192" cy="3341021"/>
-          </a:xfrm>
-          <a:prstGeom prst="rect">
-            <a:avLst/>
-          </a:prstGeom>
-        </p:spPr>
-      </p:pic>
-    </p:spTree>
-    <p:extLst>
-      <p:ext uri="{BB962C8B-B14F-4D97-AF65-F5344CB8AC3E}">
-        <p14:creationId xmlns:p14="http://schemas.microsoft.com/office/powerpoint/2010/main" val="225448676"/>
-      </p:ext>
-    </p:extLst>
-  </p:cSld>
-  <p:clrMapOvr>
-    <a:masterClrMapping/>
-  </p:clrMapOvr>
-</p:sld>
-</file>
-
-<file path=ppt/slides/slide28.xml><?xml version="1.0" encoding="utf-8"?>
-<p:sld xmlns:a="http://schemas.openxmlformats.org/drawingml/2006/main" xmlns:r="http://schemas.openxmlformats.org/officeDocument/2006/relationships" xmlns:p="http://schemas.openxmlformats.org/presentationml/2006/main">
-  <p:cSld>
-    <p:spTree>
-      <p:nvGrpSpPr>
-        <p:cNvPr id="1" name=""/>
-        <p:cNvGrpSpPr/>
-        <p:nvPr/>
-      </p:nvGrpSpPr>
-      <p:grpSpPr>
-        <a:xfrm>
-          <a:off x="0" y="0"/>
-          <a:ext cx="0" cy="0"/>
-          <a:chOff x="0" y="0"/>
-          <a:chExt cx="0" cy="0"/>
-        </a:xfrm>
-      </p:grpSpPr>
-      <p:sp>
-        <p:nvSpPr>
-          <p:cNvPr id="13" name="Text Placeholder 12"/>
-          <p:cNvSpPr>
-            <a:spLocks noGrp="1"/>
-          </p:cNvSpPr>
-          <p:nvPr>
-            <p:ph type="body" sz="quarter" idx="10"/>
-          </p:nvPr>
-        </p:nvSpPr>
-        <p:spPr/>
-        <p:txBody>
-          <a:bodyPr>
-            <a:normAutofit/>
-          </a:bodyPr>
-          <a:lstStyle/>
-          <a:p>
-            <a:pPr>
-              <a:buClr>
-                <a:schemeClr val="bg1"/>
-              </a:buClr>
-              <a:buSzPct val="140000"/>
-            </a:pPr>
-            <a:r>
-              <a:rPr lang="en-US" b="1" dirty="0"/>
-              <a:t>Designing and Implementing Data Flow</a:t>
-            </a:r>
-          </a:p>
-        </p:txBody>
-      </p:sp>
-      <p:sp>
-        <p:nvSpPr>
-          <p:cNvPr id="6" name="Text Placeholder 4"/>
-          <p:cNvSpPr txBox="1">
-            <a:spLocks/>
-          </p:cNvSpPr>
-          <p:nvPr/>
-        </p:nvSpPr>
-        <p:spPr>
-          <a:xfrm>
-            <a:off x="236117" y="907598"/>
-            <a:ext cx="5752729" cy="387798"/>
-          </a:xfrm>
-          <a:prstGeom prst="rect">
-            <a:avLst/>
-          </a:prstGeom>
-          <a:solidFill>
-            <a:srgbClr val="39C2D7"/>
-          </a:solidFill>
-          <a:ln>
-            <a:noFill/>
-          </a:ln>
-        </p:spPr>
-        <p:txBody>
-          <a:bodyPr wrap="none" lIns="68580" tIns="54864" rIns="68580" bIns="54864" anchor="ctr" anchorCtr="0">
-            <a:spAutoFit/>
-          </a:bodyPr>
-          <a:lstStyle>
-            <a:lvl1pPr marL="0" indent="0" algn="l" defTabSz="457200" rtl="0" eaLnBrk="1" latinLnBrk="0" hangingPunct="1">
-              <a:spcBef>
-                <a:spcPts val="0"/>
-              </a:spcBef>
-              <a:buClr>
-                <a:schemeClr val="accent2"/>
-              </a:buClr>
-              <a:buFont typeface="Arial"/>
-              <a:buNone/>
-              <a:defRPr sz="1200" kern="1200">
-                <a:solidFill>
-                  <a:schemeClr val="bg1"/>
-                </a:solidFill>
-                <a:latin typeface="Arial Black"/>
-                <a:ea typeface="+mn-ea"/>
-                <a:cs typeface="Arial Black"/>
-              </a:defRPr>
-            </a:lvl1pPr>
-            <a:lvl2pPr marL="742950" indent="-285750" algn="l" defTabSz="457200" rtl="0" eaLnBrk="1" latinLnBrk="0" hangingPunct="1">
-              <a:spcBef>
-                <a:spcPct val="20000"/>
-              </a:spcBef>
-              <a:buFont typeface="Arial"/>
-              <a:buChar char="–"/>
-              <a:defRPr sz="1800" kern="1200">
-                <a:solidFill>
-                  <a:schemeClr val="tx1"/>
-                </a:solidFill>
-                <a:latin typeface="Trebuchet MS"/>
-                <a:ea typeface="+mn-ea"/>
-                <a:cs typeface="Trebuchet MS"/>
-              </a:defRPr>
-            </a:lvl2pPr>
-            <a:lvl3pPr marL="1143000" indent="-228600" algn="l" defTabSz="457200" rtl="0" eaLnBrk="1" latinLnBrk="0" hangingPunct="1">
-              <a:spcBef>
-                <a:spcPct val="20000"/>
-              </a:spcBef>
-              <a:buFont typeface="Arial"/>
-              <a:buChar char="•"/>
-              <a:defRPr sz="1600" kern="1200">
-                <a:solidFill>
-                  <a:schemeClr val="tx1"/>
-                </a:solidFill>
-                <a:latin typeface="Trebuchet MS"/>
-                <a:ea typeface="+mn-ea"/>
-                <a:cs typeface="Trebuchet MS"/>
-              </a:defRPr>
-            </a:lvl3pPr>
-            <a:lvl4pPr marL="1600200" indent="-228600" algn="l" defTabSz="457200" rtl="0" eaLnBrk="1" latinLnBrk="0" hangingPunct="1">
-              <a:spcBef>
-                <a:spcPct val="20000"/>
-              </a:spcBef>
-              <a:buFont typeface="Arial"/>
-              <a:buChar char="–"/>
-              <a:defRPr sz="1300" kern="1200">
-                <a:solidFill>
-                  <a:schemeClr val="tx1"/>
-                </a:solidFill>
-                <a:latin typeface="Trebuchet MS"/>
-                <a:ea typeface="+mn-ea"/>
-                <a:cs typeface="Trebuchet MS"/>
-              </a:defRPr>
-            </a:lvl4pPr>
-            <a:lvl5pPr marL="2057400" indent="-228600" algn="l" defTabSz="457200" rtl="0" eaLnBrk="1" latinLnBrk="0" hangingPunct="1">
-              <a:spcBef>
-                <a:spcPct val="20000"/>
-              </a:spcBef>
-              <a:buFont typeface="Arial"/>
-              <a:buChar char="»"/>
-              <a:defRPr sz="1100" kern="1200">
-                <a:solidFill>
-                  <a:schemeClr val="tx1"/>
-                </a:solidFill>
-                <a:latin typeface="Trebuchet MS"/>
-                <a:ea typeface="+mn-ea"/>
-                <a:cs typeface="Trebuchet MS"/>
-              </a:defRPr>
-            </a:lvl5pPr>
-            <a:lvl6pPr marL="2514600" indent="-228600" algn="l" defTabSz="457200" rtl="0" eaLnBrk="1" latinLnBrk="0" hangingPunct="1">
-              <a:spcBef>
-                <a:spcPct val="20000"/>
-              </a:spcBef>
-              <a:buFont typeface="Arial"/>
-              <a:buChar char="•"/>
-              <a:defRPr sz="2000" kern="1200">
-                <a:solidFill>
-                  <a:schemeClr val="tx1"/>
-                </a:solidFill>
-                <a:latin typeface="+mn-lt"/>
-                <a:ea typeface="+mn-ea"/>
-                <a:cs typeface="+mn-cs"/>
-              </a:defRPr>
-            </a:lvl6pPr>
-            <a:lvl7pPr marL="2971800" indent="-228600" algn="l" defTabSz="457200" rtl="0" eaLnBrk="1" latinLnBrk="0" hangingPunct="1">
-              <a:spcBef>
-                <a:spcPct val="20000"/>
-              </a:spcBef>
-              <a:buFont typeface="Arial"/>
-              <a:buChar char="•"/>
-              <a:defRPr sz="2000" kern="1200">
-                <a:solidFill>
-                  <a:schemeClr val="tx1"/>
-                </a:solidFill>
-                <a:latin typeface="+mn-lt"/>
-                <a:ea typeface="+mn-ea"/>
-                <a:cs typeface="+mn-cs"/>
-              </a:defRPr>
-            </a:lvl7pPr>
-            <a:lvl8pPr marL="3429000" indent="-228600" algn="l" defTabSz="457200" rtl="0" eaLnBrk="1" latinLnBrk="0" hangingPunct="1">
-              <a:spcBef>
-                <a:spcPct val="20000"/>
-              </a:spcBef>
-              <a:buFont typeface="Arial"/>
-              <a:buChar char="•"/>
-              <a:defRPr sz="2000" kern="1200">
-                <a:solidFill>
-                  <a:schemeClr val="tx1"/>
-                </a:solidFill>
-                <a:latin typeface="+mn-lt"/>
-                <a:ea typeface="+mn-ea"/>
-                <a:cs typeface="+mn-cs"/>
-              </a:defRPr>
-            </a:lvl8pPr>
-            <a:lvl9pPr marL="3886200" indent="-228600" algn="l" defTabSz="457200" rtl="0" eaLnBrk="1" latinLnBrk="0" hangingPunct="1">
-              <a:spcBef>
-                <a:spcPct val="20000"/>
-              </a:spcBef>
-              <a:buFont typeface="Arial"/>
-              <a:buChar char="•"/>
-              <a:defRPr sz="2000" kern="1200">
-                <a:solidFill>
-                  <a:schemeClr val="tx1"/>
-                </a:solidFill>
-                <a:latin typeface="+mn-lt"/>
-                <a:ea typeface="+mn-ea"/>
-                <a:cs typeface="+mn-cs"/>
-              </a:defRPr>
-            </a:lvl9pPr>
-          </a:lstStyle>
-          <a:p>
-            <a:r>
-              <a:rPr lang="en-US" sz="1800" dirty="0"/>
-              <a:t>Advanced Data-Preparation Transformations</a:t>
-            </a:r>
-            <a:endParaRPr lang="en-US" sz="1800" b="1" dirty="0"/>
-          </a:p>
-        </p:txBody>
-      </p:sp>
-      <p:pic>
-        <p:nvPicPr>
-          <p:cNvPr id="2" name="Picture 1"/>
-          <p:cNvPicPr>
-            <a:picLocks noChangeAspect="1"/>
-          </p:cNvPicPr>
-          <p:nvPr/>
-        </p:nvPicPr>
-        <p:blipFill>
-          <a:blip r:embed="rId3"/>
-          <a:stretch>
-            <a:fillRect/>
-          </a:stretch>
-        </p:blipFill>
-        <p:spPr>
-          <a:xfrm>
-            <a:off x="1617890" y="1381942"/>
-            <a:ext cx="4995182" cy="3324767"/>
-          </a:xfrm>
-          <a:prstGeom prst="rect">
-            <a:avLst/>
-          </a:prstGeom>
-        </p:spPr>
-      </p:pic>
-    </p:spTree>
-    <p:extLst>
-      <p:ext uri="{BB962C8B-B14F-4D97-AF65-F5344CB8AC3E}">
-        <p14:creationId xmlns:p14="http://schemas.microsoft.com/office/powerpoint/2010/main" val="2005400489"/>
-      </p:ext>
-    </p:extLst>
-  </p:cSld>
-  <p:clrMapOvr>
-    <a:masterClrMapping/>
-  </p:clrMapOvr>
-</p:sld>
-</file>
-
-<file path=ppt/slides/slide29.xml><?xml version="1.0" encoding="utf-8"?>
-<p:sld xmlns:a="http://schemas.openxmlformats.org/drawingml/2006/main" xmlns:r="http://schemas.openxmlformats.org/officeDocument/2006/relationships" xmlns:p="http://schemas.openxmlformats.org/presentationml/2006/main">
-  <p:cSld>
-    <p:spTree>
-      <p:nvGrpSpPr>
-        <p:cNvPr id="1" name=""/>
-        <p:cNvGrpSpPr/>
-        <p:nvPr/>
-      </p:nvGrpSpPr>
-      <p:grpSpPr>
-        <a:xfrm>
-          <a:off x="0" y="0"/>
-          <a:ext cx="0" cy="0"/>
-          <a:chOff x="0" y="0"/>
-          <a:chExt cx="0" cy="0"/>
-        </a:xfrm>
-      </p:grpSpPr>
-      <p:sp>
-        <p:nvSpPr>
-          <p:cNvPr id="13" name="Text Placeholder 12"/>
-          <p:cNvSpPr>
-            <a:spLocks noGrp="1"/>
-          </p:cNvSpPr>
-          <p:nvPr>
-            <p:ph type="body" sz="quarter" idx="10"/>
-          </p:nvPr>
-        </p:nvSpPr>
-        <p:spPr/>
-        <p:txBody>
-          <a:bodyPr>
-            <a:normAutofit/>
-          </a:bodyPr>
-          <a:lstStyle/>
-          <a:p>
-            <a:r>
-              <a:rPr lang="en-US" b="1" dirty="0"/>
-              <a:t>DWH</a:t>
-            </a:r>
-          </a:p>
-        </p:txBody>
-      </p:sp>
-      <p:sp>
-        <p:nvSpPr>
-          <p:cNvPr id="4" name="Rectangle 3"/>
-          <p:cNvSpPr/>
-          <p:nvPr/>
-        </p:nvSpPr>
-        <p:spPr>
-          <a:xfrm>
-            <a:off x="1977408" y="1189050"/>
-            <a:ext cx="6815528" cy="2862322"/>
-          </a:xfrm>
-          <a:prstGeom prst="rect">
-            <a:avLst/>
-          </a:prstGeom>
-        </p:spPr>
-        <p:txBody>
-          <a:bodyPr wrap="square">
-            <a:spAutoFit/>
-          </a:bodyPr>
-          <a:lstStyle/>
-          <a:p>
-            <a:r>
-              <a:rPr lang="it-IT" sz="6000" b="1" dirty="0">
-                <a:solidFill>
-                  <a:srgbClr val="1A9CB0"/>
-                </a:solidFill>
-              </a:rPr>
-              <a:t>CrimeStat BI solution case scenario</a:t>
-            </a:r>
-          </a:p>
-        </p:txBody>
-      </p:sp>
-      <p:cxnSp>
-        <p:nvCxnSpPr>
-          <p:cNvPr id="5" name="Straight Connector 4"/>
-          <p:cNvCxnSpPr/>
-          <p:nvPr/>
-        </p:nvCxnSpPr>
-        <p:spPr>
-          <a:xfrm>
-            <a:off x="1814122" y="1371856"/>
-            <a:ext cx="0" cy="2881198"/>
-          </a:xfrm>
-          <a:prstGeom prst="line">
-            <a:avLst/>
-          </a:prstGeom>
-        </p:spPr>
-        <p:style>
-          <a:lnRef idx="3">
-            <a:schemeClr val="accent2"/>
-          </a:lnRef>
-          <a:fillRef idx="0">
-            <a:schemeClr val="accent2"/>
-          </a:fillRef>
-          <a:effectRef idx="2">
-            <a:schemeClr val="accent2"/>
-          </a:effectRef>
-          <a:fontRef idx="minor">
-            <a:schemeClr val="tx1"/>
-          </a:fontRef>
-        </p:style>
-      </p:cxnSp>
-    </p:spTree>
-    <p:extLst>
-      <p:ext uri="{BB962C8B-B14F-4D97-AF65-F5344CB8AC3E}">
-        <p14:creationId xmlns:p14="http://schemas.microsoft.com/office/powerpoint/2010/main" val="3576249363"/>
       </p:ext>
     </p:extLst>
   </p:cSld>
@@ -12661,751 +8282,6 @@
     <p:extLst>
       <p:ext uri="{BB962C8B-B14F-4D97-AF65-F5344CB8AC3E}">
         <p14:creationId xmlns:p14="http://schemas.microsoft.com/office/powerpoint/2010/main" val="3693092705"/>
-      </p:ext>
-    </p:extLst>
-  </p:cSld>
-  <p:clrMapOvr>
-    <a:masterClrMapping/>
-  </p:clrMapOvr>
-</p:sld>
-</file>
-
-<file path=ppt/slides/slide30.xml><?xml version="1.0" encoding="utf-8"?>
-<p:sld xmlns:a="http://schemas.openxmlformats.org/drawingml/2006/main" xmlns:r="http://schemas.openxmlformats.org/officeDocument/2006/relationships" xmlns:p="http://schemas.openxmlformats.org/presentationml/2006/main">
-  <p:cSld>
-    <p:spTree>
-      <p:nvGrpSpPr>
-        <p:cNvPr id="1" name=""/>
-        <p:cNvGrpSpPr/>
-        <p:nvPr/>
-      </p:nvGrpSpPr>
-      <p:grpSpPr>
-        <a:xfrm>
-          <a:off x="0" y="0"/>
-          <a:ext cx="0" cy="0"/>
-          <a:chOff x="0" y="0"/>
-          <a:chExt cx="0" cy="0"/>
-        </a:xfrm>
-      </p:grpSpPr>
-      <p:sp>
-        <p:nvSpPr>
-          <p:cNvPr id="13" name="Text Placeholder 12"/>
-          <p:cNvSpPr>
-            <a:spLocks noGrp="1"/>
-          </p:cNvSpPr>
-          <p:nvPr>
-            <p:ph type="body" sz="quarter" idx="10"/>
-          </p:nvPr>
-        </p:nvSpPr>
-        <p:spPr/>
-        <p:txBody>
-          <a:bodyPr>
-            <a:normAutofit/>
-          </a:bodyPr>
-          <a:lstStyle/>
-          <a:p>
-            <a:r>
-              <a:rPr lang="en-US" b="1" dirty="0"/>
-              <a:t>Determining Appropriate ETL Strategy and Tools</a:t>
-            </a:r>
-          </a:p>
-        </p:txBody>
-      </p:sp>
-      <p:sp>
-        <p:nvSpPr>
-          <p:cNvPr id="5" name="Content Placeholder 2"/>
-          <p:cNvSpPr txBox="1">
-            <a:spLocks/>
-          </p:cNvSpPr>
-          <p:nvPr/>
-        </p:nvSpPr>
-        <p:spPr>
-          <a:xfrm>
-            <a:off x="294570" y="960908"/>
-            <a:ext cx="8326259" cy="3124438"/>
-          </a:xfrm>
-          <a:prstGeom prst="rect">
-            <a:avLst/>
-          </a:prstGeom>
-        </p:spPr>
-        <p:txBody>
-          <a:bodyPr/>
-          <a:lstStyle>
-            <a:lvl1pPr marL="257175" indent="-257175" algn="l" defTabSz="342900" rtl="0" eaLnBrk="1" latinLnBrk="0" hangingPunct="1">
-              <a:spcBef>
-                <a:spcPct val="20000"/>
-              </a:spcBef>
-              <a:buFont typeface="Arial"/>
-              <a:buChar char="•"/>
-              <a:defRPr sz="2400" kern="1200">
-                <a:solidFill>
-                  <a:schemeClr val="tx1"/>
-                </a:solidFill>
-                <a:latin typeface="+mn-lt"/>
-                <a:ea typeface="+mn-ea"/>
-                <a:cs typeface="+mn-cs"/>
-              </a:defRPr>
-            </a:lvl1pPr>
-            <a:lvl2pPr marL="557213" indent="-214313" algn="l" defTabSz="342900" rtl="0" eaLnBrk="1" latinLnBrk="0" hangingPunct="1">
-              <a:spcBef>
-                <a:spcPct val="20000"/>
-              </a:spcBef>
-              <a:buFont typeface="Arial"/>
-              <a:buChar char="–"/>
-              <a:defRPr sz="2100" kern="1200">
-                <a:solidFill>
-                  <a:schemeClr val="tx1"/>
-                </a:solidFill>
-                <a:latin typeface="+mn-lt"/>
-                <a:ea typeface="+mn-ea"/>
-                <a:cs typeface="+mn-cs"/>
-              </a:defRPr>
-            </a:lvl2pPr>
-            <a:lvl3pPr marL="857250" indent="-171450" algn="l" defTabSz="342900" rtl="0" eaLnBrk="1" latinLnBrk="0" hangingPunct="1">
-              <a:spcBef>
-                <a:spcPct val="20000"/>
-              </a:spcBef>
-              <a:buFont typeface="Arial"/>
-              <a:buChar char="•"/>
-              <a:defRPr sz="1800" kern="1200">
-                <a:solidFill>
-                  <a:schemeClr val="tx1"/>
-                </a:solidFill>
-                <a:latin typeface="+mn-lt"/>
-                <a:ea typeface="+mn-ea"/>
-                <a:cs typeface="+mn-cs"/>
-              </a:defRPr>
-            </a:lvl3pPr>
-            <a:lvl4pPr marL="1200150" indent="-171450" algn="l" defTabSz="342900" rtl="0" eaLnBrk="1" latinLnBrk="0" hangingPunct="1">
-              <a:spcBef>
-                <a:spcPct val="20000"/>
-              </a:spcBef>
-              <a:buFont typeface="Arial"/>
-              <a:buChar char="–"/>
-              <a:defRPr sz="1500" kern="1200">
-                <a:solidFill>
-                  <a:schemeClr val="tx1"/>
-                </a:solidFill>
-                <a:latin typeface="+mn-lt"/>
-                <a:ea typeface="+mn-ea"/>
-                <a:cs typeface="+mn-cs"/>
-              </a:defRPr>
-            </a:lvl4pPr>
-            <a:lvl5pPr marL="1543050" indent="-171450" algn="l" defTabSz="342900" rtl="0" eaLnBrk="1" latinLnBrk="0" hangingPunct="1">
-              <a:spcBef>
-                <a:spcPct val="20000"/>
-              </a:spcBef>
-              <a:buFont typeface="Arial"/>
-              <a:buChar char="»"/>
-              <a:defRPr sz="1500" kern="1200">
-                <a:solidFill>
-                  <a:schemeClr val="tx1"/>
-                </a:solidFill>
-                <a:latin typeface="+mn-lt"/>
-                <a:ea typeface="+mn-ea"/>
-                <a:cs typeface="+mn-cs"/>
-              </a:defRPr>
-            </a:lvl5pPr>
-            <a:lvl6pPr marL="1885950" indent="-171450" algn="l" defTabSz="342900" rtl="0" eaLnBrk="1" latinLnBrk="0" hangingPunct="1">
-              <a:spcBef>
-                <a:spcPct val="20000"/>
-              </a:spcBef>
-              <a:buFont typeface="Arial"/>
-              <a:buChar char="•"/>
-              <a:defRPr sz="1500" kern="1200">
-                <a:solidFill>
-                  <a:schemeClr val="tx1"/>
-                </a:solidFill>
-                <a:latin typeface="+mn-lt"/>
-                <a:ea typeface="+mn-ea"/>
-                <a:cs typeface="+mn-cs"/>
-              </a:defRPr>
-            </a:lvl6pPr>
-            <a:lvl7pPr marL="2228850" indent="-171450" algn="l" defTabSz="342900" rtl="0" eaLnBrk="1" latinLnBrk="0" hangingPunct="1">
-              <a:spcBef>
-                <a:spcPct val="20000"/>
-              </a:spcBef>
-              <a:buFont typeface="Arial"/>
-              <a:buChar char="•"/>
-              <a:defRPr sz="1500" kern="1200">
-                <a:solidFill>
-                  <a:schemeClr val="tx1"/>
-                </a:solidFill>
-                <a:latin typeface="+mn-lt"/>
-                <a:ea typeface="+mn-ea"/>
-                <a:cs typeface="+mn-cs"/>
-              </a:defRPr>
-            </a:lvl7pPr>
-            <a:lvl8pPr marL="2571750" indent="-171450" algn="l" defTabSz="342900" rtl="0" eaLnBrk="1" latinLnBrk="0" hangingPunct="1">
-              <a:spcBef>
-                <a:spcPct val="20000"/>
-              </a:spcBef>
-              <a:buFont typeface="Arial"/>
-              <a:buChar char="•"/>
-              <a:defRPr sz="1500" kern="1200">
-                <a:solidFill>
-                  <a:schemeClr val="tx1"/>
-                </a:solidFill>
-                <a:latin typeface="+mn-lt"/>
-                <a:ea typeface="+mn-ea"/>
-                <a:cs typeface="+mn-cs"/>
-              </a:defRPr>
-            </a:lvl8pPr>
-            <a:lvl9pPr marL="2914650" indent="-171450" algn="l" defTabSz="342900" rtl="0" eaLnBrk="1" latinLnBrk="0" hangingPunct="1">
-              <a:spcBef>
-                <a:spcPct val="20000"/>
-              </a:spcBef>
-              <a:buFont typeface="Arial"/>
-              <a:buChar char="•"/>
-              <a:defRPr sz="1500" kern="1200">
-                <a:solidFill>
-                  <a:schemeClr val="tx1"/>
-                </a:solidFill>
-                <a:latin typeface="+mn-lt"/>
-                <a:ea typeface="+mn-ea"/>
-                <a:cs typeface="+mn-cs"/>
-              </a:defRPr>
-            </a:lvl9pPr>
-          </a:lstStyle>
-          <a:p>
-            <a:pPr marL="173736" lvl="2" indent="-173736">
-              <a:lnSpc>
-                <a:spcPct val="110000"/>
-              </a:lnSpc>
-              <a:spcBef>
-                <a:spcPts val="0"/>
-              </a:spcBef>
-              <a:spcAft>
-                <a:spcPts val="1300"/>
-              </a:spcAft>
-              <a:buClr>
-                <a:srgbClr val="2FC2D9"/>
-              </a:buClr>
-              <a:defRPr/>
-            </a:pPr>
-            <a:r>
-              <a:rPr lang="en-US" sz="2000" b="1" dirty="0"/>
-              <a:t>ETL Strategy</a:t>
-            </a:r>
-          </a:p>
-          <a:p>
-            <a:pPr marL="516636" lvl="3" indent="-173736">
-              <a:lnSpc>
-                <a:spcPct val="110000"/>
-              </a:lnSpc>
-              <a:spcBef>
-                <a:spcPts val="0"/>
-              </a:spcBef>
-              <a:spcAft>
-                <a:spcPts val="1300"/>
-              </a:spcAft>
-              <a:buClr>
-                <a:srgbClr val="2FC2D9"/>
-              </a:buClr>
-              <a:defRPr/>
-            </a:pPr>
-            <a:r>
-              <a:rPr lang="en-US" sz="1800" dirty="0"/>
-              <a:t>Defining the architecture for ETL</a:t>
-            </a:r>
-          </a:p>
-          <a:p>
-            <a:pPr marL="516636" lvl="3" indent="-173736">
-              <a:lnSpc>
-                <a:spcPct val="110000"/>
-              </a:lnSpc>
-              <a:spcBef>
-                <a:spcPts val="0"/>
-              </a:spcBef>
-              <a:spcAft>
-                <a:spcPts val="1300"/>
-              </a:spcAft>
-              <a:buClr>
-                <a:srgbClr val="2FC2D9"/>
-              </a:buClr>
-              <a:defRPr/>
-            </a:pPr>
-            <a:r>
-              <a:rPr lang="en-US" sz="1800" dirty="0"/>
-              <a:t>Deciding what to do in the SSIS and what to push down to the database layer</a:t>
-            </a:r>
-            <a:r>
-              <a:rPr lang="en-US" sz="1800" i="1" dirty="0"/>
-              <a:t>	</a:t>
-            </a:r>
-          </a:p>
-          <a:p>
-            <a:pPr marL="516636" lvl="3" indent="-173736">
-              <a:lnSpc>
-                <a:spcPct val="110000"/>
-              </a:lnSpc>
-              <a:spcBef>
-                <a:spcPts val="0"/>
-              </a:spcBef>
-              <a:spcAft>
-                <a:spcPts val="1300"/>
-              </a:spcAft>
-              <a:buClr>
-                <a:srgbClr val="2FC2D9"/>
-              </a:buClr>
-              <a:defRPr/>
-            </a:pPr>
-            <a:r>
-              <a:rPr lang="en-US" sz="1800" dirty="0"/>
-              <a:t>Managing the whole ETL process</a:t>
-            </a:r>
-            <a:endParaRPr lang="en-US" sz="1700" b="1" dirty="0"/>
-          </a:p>
-        </p:txBody>
-      </p:sp>
-    </p:spTree>
-    <p:extLst>
-      <p:ext uri="{BB962C8B-B14F-4D97-AF65-F5344CB8AC3E}">
-        <p14:creationId xmlns:p14="http://schemas.microsoft.com/office/powerpoint/2010/main" val="2274578861"/>
-      </p:ext>
-    </p:extLst>
-  </p:cSld>
-  <p:clrMapOvr>
-    <a:masterClrMapping/>
-  </p:clrMapOvr>
-</p:sld>
-</file>
-
-<file path=ppt/slides/slide31.xml><?xml version="1.0" encoding="utf-8"?>
-<p:sld xmlns:a="http://schemas.openxmlformats.org/drawingml/2006/main" xmlns:r="http://schemas.openxmlformats.org/officeDocument/2006/relationships" xmlns:p="http://schemas.openxmlformats.org/presentationml/2006/main">
-  <p:cSld>
-    <p:spTree>
-      <p:nvGrpSpPr>
-        <p:cNvPr id="1" name=""/>
-        <p:cNvGrpSpPr/>
-        <p:nvPr/>
-      </p:nvGrpSpPr>
-      <p:grpSpPr>
-        <a:xfrm>
-          <a:off x="0" y="0"/>
-          <a:ext cx="0" cy="0"/>
-          <a:chOff x="0" y="0"/>
-          <a:chExt cx="0" cy="0"/>
-        </a:xfrm>
-      </p:grpSpPr>
-      <p:sp>
-        <p:nvSpPr>
-          <p:cNvPr id="13" name="Text Placeholder 12"/>
-          <p:cNvSpPr>
-            <a:spLocks noGrp="1"/>
-          </p:cNvSpPr>
-          <p:nvPr>
-            <p:ph type="body" sz="quarter" idx="10"/>
-          </p:nvPr>
-        </p:nvSpPr>
-        <p:spPr/>
-        <p:txBody>
-          <a:bodyPr>
-            <a:normAutofit/>
-          </a:bodyPr>
-          <a:lstStyle/>
-          <a:p>
-            <a:r>
-              <a:rPr lang="en-US" b="1" dirty="0"/>
-              <a:t>Determining Appropriate ETL Strategy and Tools</a:t>
-            </a:r>
-          </a:p>
-        </p:txBody>
-      </p:sp>
-      <p:sp>
-        <p:nvSpPr>
-          <p:cNvPr id="5" name="Content Placeholder 2"/>
-          <p:cNvSpPr txBox="1">
-            <a:spLocks/>
-          </p:cNvSpPr>
-          <p:nvPr/>
-        </p:nvSpPr>
-        <p:spPr>
-          <a:xfrm>
-            <a:off x="319063" y="699516"/>
-            <a:ext cx="8326259" cy="3124438"/>
-          </a:xfrm>
-          <a:prstGeom prst="rect">
-            <a:avLst/>
-          </a:prstGeom>
-        </p:spPr>
-        <p:txBody>
-          <a:bodyPr/>
-          <a:lstStyle>
-            <a:lvl1pPr marL="257175" indent="-257175" algn="l" defTabSz="342900" rtl="0" eaLnBrk="1" latinLnBrk="0" hangingPunct="1">
-              <a:spcBef>
-                <a:spcPct val="20000"/>
-              </a:spcBef>
-              <a:buFont typeface="Arial"/>
-              <a:buChar char="•"/>
-              <a:defRPr sz="2400" kern="1200">
-                <a:solidFill>
-                  <a:schemeClr val="tx1"/>
-                </a:solidFill>
-                <a:latin typeface="+mn-lt"/>
-                <a:ea typeface="+mn-ea"/>
-                <a:cs typeface="+mn-cs"/>
-              </a:defRPr>
-            </a:lvl1pPr>
-            <a:lvl2pPr marL="557213" indent="-214313" algn="l" defTabSz="342900" rtl="0" eaLnBrk="1" latinLnBrk="0" hangingPunct="1">
-              <a:spcBef>
-                <a:spcPct val="20000"/>
-              </a:spcBef>
-              <a:buFont typeface="Arial"/>
-              <a:buChar char="–"/>
-              <a:defRPr sz="2100" kern="1200">
-                <a:solidFill>
-                  <a:schemeClr val="tx1"/>
-                </a:solidFill>
-                <a:latin typeface="+mn-lt"/>
-                <a:ea typeface="+mn-ea"/>
-                <a:cs typeface="+mn-cs"/>
-              </a:defRPr>
-            </a:lvl2pPr>
-            <a:lvl3pPr marL="857250" indent="-171450" algn="l" defTabSz="342900" rtl="0" eaLnBrk="1" latinLnBrk="0" hangingPunct="1">
-              <a:spcBef>
-                <a:spcPct val="20000"/>
-              </a:spcBef>
-              <a:buFont typeface="Arial"/>
-              <a:buChar char="•"/>
-              <a:defRPr sz="1800" kern="1200">
-                <a:solidFill>
-                  <a:schemeClr val="tx1"/>
-                </a:solidFill>
-                <a:latin typeface="+mn-lt"/>
-                <a:ea typeface="+mn-ea"/>
-                <a:cs typeface="+mn-cs"/>
-              </a:defRPr>
-            </a:lvl3pPr>
-            <a:lvl4pPr marL="1200150" indent="-171450" algn="l" defTabSz="342900" rtl="0" eaLnBrk="1" latinLnBrk="0" hangingPunct="1">
-              <a:spcBef>
-                <a:spcPct val="20000"/>
-              </a:spcBef>
-              <a:buFont typeface="Arial"/>
-              <a:buChar char="–"/>
-              <a:defRPr sz="1500" kern="1200">
-                <a:solidFill>
-                  <a:schemeClr val="tx1"/>
-                </a:solidFill>
-                <a:latin typeface="+mn-lt"/>
-                <a:ea typeface="+mn-ea"/>
-                <a:cs typeface="+mn-cs"/>
-              </a:defRPr>
-            </a:lvl4pPr>
-            <a:lvl5pPr marL="1543050" indent="-171450" algn="l" defTabSz="342900" rtl="0" eaLnBrk="1" latinLnBrk="0" hangingPunct="1">
-              <a:spcBef>
-                <a:spcPct val="20000"/>
-              </a:spcBef>
-              <a:buFont typeface="Arial"/>
-              <a:buChar char="»"/>
-              <a:defRPr sz="1500" kern="1200">
-                <a:solidFill>
-                  <a:schemeClr val="tx1"/>
-                </a:solidFill>
-                <a:latin typeface="+mn-lt"/>
-                <a:ea typeface="+mn-ea"/>
-                <a:cs typeface="+mn-cs"/>
-              </a:defRPr>
-            </a:lvl5pPr>
-            <a:lvl6pPr marL="1885950" indent="-171450" algn="l" defTabSz="342900" rtl="0" eaLnBrk="1" latinLnBrk="0" hangingPunct="1">
-              <a:spcBef>
-                <a:spcPct val="20000"/>
-              </a:spcBef>
-              <a:buFont typeface="Arial"/>
-              <a:buChar char="•"/>
-              <a:defRPr sz="1500" kern="1200">
-                <a:solidFill>
-                  <a:schemeClr val="tx1"/>
-                </a:solidFill>
-                <a:latin typeface="+mn-lt"/>
-                <a:ea typeface="+mn-ea"/>
-                <a:cs typeface="+mn-cs"/>
-              </a:defRPr>
-            </a:lvl6pPr>
-            <a:lvl7pPr marL="2228850" indent="-171450" algn="l" defTabSz="342900" rtl="0" eaLnBrk="1" latinLnBrk="0" hangingPunct="1">
-              <a:spcBef>
-                <a:spcPct val="20000"/>
-              </a:spcBef>
-              <a:buFont typeface="Arial"/>
-              <a:buChar char="•"/>
-              <a:defRPr sz="1500" kern="1200">
-                <a:solidFill>
-                  <a:schemeClr val="tx1"/>
-                </a:solidFill>
-                <a:latin typeface="+mn-lt"/>
-                <a:ea typeface="+mn-ea"/>
-                <a:cs typeface="+mn-cs"/>
-              </a:defRPr>
-            </a:lvl7pPr>
-            <a:lvl8pPr marL="2571750" indent="-171450" algn="l" defTabSz="342900" rtl="0" eaLnBrk="1" latinLnBrk="0" hangingPunct="1">
-              <a:spcBef>
-                <a:spcPct val="20000"/>
-              </a:spcBef>
-              <a:buFont typeface="Arial"/>
-              <a:buChar char="•"/>
-              <a:defRPr sz="1500" kern="1200">
-                <a:solidFill>
-                  <a:schemeClr val="tx1"/>
-                </a:solidFill>
-                <a:latin typeface="+mn-lt"/>
-                <a:ea typeface="+mn-ea"/>
-                <a:cs typeface="+mn-cs"/>
-              </a:defRPr>
-            </a:lvl8pPr>
-            <a:lvl9pPr marL="2914650" indent="-171450" algn="l" defTabSz="342900" rtl="0" eaLnBrk="1" latinLnBrk="0" hangingPunct="1">
-              <a:spcBef>
-                <a:spcPct val="20000"/>
-              </a:spcBef>
-              <a:buFont typeface="Arial"/>
-              <a:buChar char="•"/>
-              <a:defRPr sz="1500" kern="1200">
-                <a:solidFill>
-                  <a:schemeClr val="tx1"/>
-                </a:solidFill>
-                <a:latin typeface="+mn-lt"/>
-                <a:ea typeface="+mn-ea"/>
-                <a:cs typeface="+mn-cs"/>
-              </a:defRPr>
-            </a:lvl9pPr>
-          </a:lstStyle>
-          <a:p>
-            <a:pPr marL="173736" lvl="2" indent="-173736">
-              <a:lnSpc>
-                <a:spcPct val="110000"/>
-              </a:lnSpc>
-              <a:spcBef>
-                <a:spcPts val="0"/>
-              </a:spcBef>
-              <a:spcAft>
-                <a:spcPts val="1300"/>
-              </a:spcAft>
-              <a:buClr>
-                <a:srgbClr val="2FC2D9"/>
-              </a:buClr>
-              <a:defRPr/>
-            </a:pPr>
-            <a:r>
-              <a:rPr lang="en-US" sz="2000" b="1" dirty="0"/>
-              <a:t>ETL Architecture</a:t>
-            </a:r>
-          </a:p>
-          <a:p>
-            <a:pPr marL="516636" lvl="3" indent="-173736">
-              <a:lnSpc>
-                <a:spcPct val="110000"/>
-              </a:lnSpc>
-              <a:spcBef>
-                <a:spcPts val="0"/>
-              </a:spcBef>
-              <a:spcAft>
-                <a:spcPts val="1300"/>
-              </a:spcAft>
-              <a:buClr>
-                <a:srgbClr val="2FC2D9"/>
-              </a:buClr>
-              <a:defRPr/>
-            </a:pPr>
-            <a:r>
-              <a:rPr lang="en-US" sz="1200" dirty="0"/>
-              <a:t>Extract the data (process)</a:t>
-            </a:r>
-          </a:p>
-          <a:p>
-            <a:pPr marL="516636" lvl="3" indent="-173736">
-              <a:lnSpc>
-                <a:spcPct val="110000"/>
-              </a:lnSpc>
-              <a:spcBef>
-                <a:spcPts val="0"/>
-              </a:spcBef>
-              <a:spcAft>
-                <a:spcPts val="1300"/>
-              </a:spcAft>
-              <a:buClr>
-                <a:srgbClr val="2FC2D9"/>
-              </a:buClr>
-              <a:defRPr/>
-            </a:pPr>
-            <a:r>
-              <a:rPr lang="en-US" sz="1200" dirty="0"/>
-              <a:t>Initial Staging (landing zone)</a:t>
-            </a:r>
-          </a:p>
-          <a:p>
-            <a:pPr marL="516636" lvl="3" indent="-173736">
-              <a:lnSpc>
-                <a:spcPct val="110000"/>
-              </a:lnSpc>
-              <a:spcBef>
-                <a:spcPts val="0"/>
-              </a:spcBef>
-              <a:spcAft>
-                <a:spcPts val="1300"/>
-              </a:spcAft>
-              <a:buClr>
-                <a:srgbClr val="2FC2D9"/>
-              </a:buClr>
-              <a:defRPr/>
-            </a:pPr>
-            <a:r>
-              <a:rPr lang="en-US" sz="1200" dirty="0"/>
-              <a:t>Data Quality (process)</a:t>
-            </a:r>
-          </a:p>
-          <a:p>
-            <a:pPr marL="516636" lvl="3" indent="-173736">
-              <a:lnSpc>
-                <a:spcPct val="110000"/>
-              </a:lnSpc>
-              <a:spcBef>
-                <a:spcPts val="0"/>
-              </a:spcBef>
-              <a:spcAft>
-                <a:spcPts val="1300"/>
-              </a:spcAft>
-              <a:buClr>
-                <a:srgbClr val="2FC2D9"/>
-              </a:buClr>
-              <a:defRPr/>
-            </a:pPr>
-            <a:r>
-              <a:rPr lang="en-US" sz="1200" dirty="0"/>
-              <a:t>Clean Staging (landing zone)</a:t>
-            </a:r>
-          </a:p>
-          <a:p>
-            <a:pPr marL="516636" lvl="3" indent="-173736">
-              <a:lnSpc>
-                <a:spcPct val="110000"/>
-              </a:lnSpc>
-              <a:spcBef>
-                <a:spcPts val="0"/>
-              </a:spcBef>
-              <a:spcAft>
-                <a:spcPts val="1300"/>
-              </a:spcAft>
-              <a:buClr>
-                <a:srgbClr val="2FC2D9"/>
-              </a:buClr>
-              <a:defRPr/>
-            </a:pPr>
-            <a:r>
-              <a:rPr lang="en-US" sz="1200" dirty="0"/>
-              <a:t>Transformation (process)</a:t>
-            </a:r>
-          </a:p>
-          <a:p>
-            <a:pPr marL="516636" lvl="3" indent="-173736">
-              <a:lnSpc>
-                <a:spcPct val="110000"/>
-              </a:lnSpc>
-              <a:spcBef>
-                <a:spcPts val="0"/>
-              </a:spcBef>
-              <a:spcAft>
-                <a:spcPts val="1300"/>
-              </a:spcAft>
-              <a:buClr>
-                <a:srgbClr val="2FC2D9"/>
-              </a:buClr>
-              <a:defRPr/>
-            </a:pPr>
-            <a:r>
-              <a:rPr lang="en-US" sz="1200" dirty="0"/>
-              <a:t>Load-ready Publish (landing zone)</a:t>
-            </a:r>
-          </a:p>
-          <a:p>
-            <a:pPr marL="516636" lvl="3" indent="-173736">
-              <a:lnSpc>
-                <a:spcPct val="110000"/>
-              </a:lnSpc>
-              <a:spcBef>
-                <a:spcPts val="0"/>
-              </a:spcBef>
-              <a:spcAft>
-                <a:spcPts val="1300"/>
-              </a:spcAft>
-              <a:buClr>
-                <a:srgbClr val="2FC2D9"/>
-              </a:buClr>
-              <a:defRPr/>
-            </a:pPr>
-            <a:r>
-              <a:rPr lang="en-US" sz="1200" dirty="0"/>
-              <a:t>Load Enterprise Data Warehouse (process)</a:t>
-            </a:r>
-          </a:p>
-          <a:p>
-            <a:pPr marL="516636" lvl="3" indent="-173736">
-              <a:lnSpc>
-                <a:spcPct val="110000"/>
-              </a:lnSpc>
-              <a:spcBef>
-                <a:spcPts val="0"/>
-              </a:spcBef>
-              <a:spcAft>
-                <a:spcPts val="1300"/>
-              </a:spcAft>
-              <a:buClr>
-                <a:srgbClr val="2FC2D9"/>
-              </a:buClr>
-              <a:defRPr/>
-            </a:pPr>
-            <a:r>
-              <a:rPr lang="en-US" sz="1200" dirty="0"/>
-              <a:t>Enterprise Data Warehouse (landing zone)</a:t>
-            </a:r>
-          </a:p>
-          <a:p>
-            <a:pPr marL="516636" lvl="3" indent="-173736">
-              <a:lnSpc>
-                <a:spcPct val="110000"/>
-              </a:lnSpc>
-              <a:spcBef>
-                <a:spcPts val="0"/>
-              </a:spcBef>
-              <a:spcAft>
-                <a:spcPts val="1300"/>
-              </a:spcAft>
-              <a:buClr>
-                <a:srgbClr val="2FC2D9"/>
-              </a:buClr>
-              <a:defRPr/>
-            </a:pPr>
-            <a:r>
-              <a:rPr lang="en-US" sz="1200" dirty="0"/>
-              <a:t>Load Data Marts (process)</a:t>
-            </a:r>
-          </a:p>
-          <a:p>
-            <a:pPr marL="516636" lvl="3" indent="-173736">
-              <a:lnSpc>
-                <a:spcPct val="110000"/>
-              </a:lnSpc>
-              <a:spcBef>
-                <a:spcPts val="0"/>
-              </a:spcBef>
-              <a:spcAft>
-                <a:spcPts val="1300"/>
-              </a:spcAft>
-              <a:buClr>
-                <a:srgbClr val="2FC2D9"/>
-              </a:buClr>
-              <a:defRPr/>
-            </a:pPr>
-            <a:r>
-              <a:rPr lang="en-US" sz="1200" dirty="0"/>
-              <a:t>Data Marts (landing zone)</a:t>
-            </a:r>
-            <a:endParaRPr lang="en-US" sz="1200" b="1" dirty="0"/>
-          </a:p>
-        </p:txBody>
-      </p:sp>
-    </p:spTree>
-    <p:extLst>
-      <p:ext uri="{BB962C8B-B14F-4D97-AF65-F5344CB8AC3E}">
-        <p14:creationId xmlns:p14="http://schemas.microsoft.com/office/powerpoint/2010/main" val="3023709748"/>
       </p:ext>
     </p:extLst>
   </p:cSld>
@@ -16861,18 +11737,18 @@
 </file>
 
 <file path=customXml/item1.xml><?xml version="1.0" encoding="utf-8"?>
-<p:properties xmlns:p="http://schemas.microsoft.com/office/2006/metadata/properties" xmlns:xsi="http://www.w3.org/2001/XMLSchema-instance" xmlns:pc="http://schemas.microsoft.com/office/infopath/2007/PartnerControls">
-  <documentManagement/>
-</p:properties>
-</file>
-
-<file path=customXml/item2.xml><?xml version="1.0" encoding="utf-8"?>
 <?mso-contentType ?>
 <FormTemplates xmlns="http://schemas.microsoft.com/sharepoint/v3/contenttype/forms">
   <Display>DocumentLibraryForm</Display>
   <Edit>DocumentLibraryForm</Edit>
   <New>DocumentLibraryForm</New>
 </FormTemplates>
+</file>
+
+<file path=customXml/item2.xml><?xml version="1.0" encoding="utf-8"?>
+<p:properties xmlns:p="http://schemas.microsoft.com/office/2006/metadata/properties" xmlns:xsi="http://www.w3.org/2001/XMLSchema-instance" xmlns:pc="http://schemas.microsoft.com/office/infopath/2007/PartnerControls">
+  <documentManagement/>
+</p:properties>
 </file>
 
 <file path=customXml/item3.xml><?xml version="1.0" encoding="utf-8"?>
@@ -17024,6 +11900,14 @@
 </file>
 
 <file path=customXml/itemProps1.xml><?xml version="1.0" encoding="utf-8"?>
+<ds:datastoreItem xmlns:ds="http://schemas.openxmlformats.org/officeDocument/2006/customXml" ds:itemID="{14883F0F-DE57-4ECA-B9BB-F22E8C5B5D82}">
+  <ds:schemaRefs>
+    <ds:schemaRef ds:uri="http://schemas.microsoft.com/sharepoint/v3/contenttype/forms"/>
+  </ds:schemaRefs>
+</ds:datastoreItem>
+</file>
+
+<file path=customXml/itemProps2.xml><?xml version="1.0" encoding="utf-8"?>
 <ds:datastoreItem xmlns:ds="http://schemas.openxmlformats.org/officeDocument/2006/customXml" ds:itemID="{D5E3C081-4081-47AD-A9A6-9F18F525DA1D}">
   <ds:schemaRefs>
     <ds:schemaRef ds:uri="http://purl.org/dc/elements/1.1/"/>
@@ -17035,14 +11919,6 @@
     <ds:schemaRef ds:uri="http://schemas.microsoft.com/office/infopath/2007/PartnerControls"/>
     <ds:schemaRef ds:uri="e83b1685-c0ee-49c7-ae0f-bc980b303699"/>
     <ds:schemaRef ds:uri="http://www.w3.org/XML/1998/namespace"/>
-  </ds:schemaRefs>
-</ds:datastoreItem>
-</file>
-
-<file path=customXml/itemProps2.xml><?xml version="1.0" encoding="utf-8"?>
-<ds:datastoreItem xmlns:ds="http://schemas.openxmlformats.org/officeDocument/2006/customXml" ds:itemID="{14883F0F-DE57-4ECA-B9BB-F22E8C5B5D82}">
-  <ds:schemaRefs>
-    <ds:schemaRef ds:uri="http://schemas.microsoft.com/sharepoint/v3/contenttype/forms"/>
   </ds:schemaRefs>
 </ds:datastoreItem>
 </file>
